--- a/Documentations/03. Presentation/G03_shows.pptx
+++ b/Documentations/03. Presentation/G03_shows.pptx
@@ -5,7 +5,7 @@
     <p:sldMasterId id="2147483648" r:id="rId1"/>
   </p:sldMasterIdLst>
   <p:notesMasterIdLst>
-    <p:notesMasterId r:id="rId12"/>
+    <p:notesMasterId r:id="rId13"/>
   </p:notesMasterIdLst>
   <p:sldIdLst>
     <p:sldId id="256" r:id="rId2"/>
@@ -17,7 +17,8 @@
     <p:sldId id="262" r:id="rId8"/>
     <p:sldId id="263" r:id="rId9"/>
     <p:sldId id="264" r:id="rId10"/>
-    <p:sldId id="265" r:id="rId11"/>
+    <p:sldId id="266" r:id="rId11"/>
+    <p:sldId id="265" r:id="rId12"/>
   </p:sldIdLst>
   <p:sldSz cx="9144000" cy="6858000" type="screen4x3"/>
   <p:notesSz cx="6858000" cy="9144000"/>
@@ -280,7 +281,7 @@
       </p15:notesGuideLst>
     </p:ext>
     <p:ext uri="http://customooxmlschemas.google.com/">
-      <go:slidesCustomData xmlns:go="http://customooxmlschemas.google.com/" xmlns:ahyp="http://schemas.microsoft.com/office/drawing/2018/hyperlinkcolor" xmlns:p15="http://schemas.microsoft.com/office/powerpoint/2012/main" xmlns:p14="http://schemas.microsoft.com/office/powerpoint/2010/main" xmlns:com="http://schemas.openxmlformats.org/drawingml/2006/compatibility" xmlns:pvml="urn:schemas-microsoft-com:office:powerpoint" xmlns:v="urn:schemas-microsoft-com:vml" xmlns:o="urn:schemas-microsoft-com:office:office" xmlns:dgm="http://schemas.openxmlformats.org/drawingml/2006/diagram" xmlns:c="http://schemas.openxmlformats.org/drawingml/2006/chart" xmlns:mv="urn:schemas-microsoft-com:mac:vml" xmlns:mc="http://schemas.openxmlformats.org/markup-compatibility/2006" xmlns="" r:id="rId17" roundtripDataSignature="AMtx7mg5OY3R0pAxevg+fgTNWSftGfx/ow=="/>
+      <go:slidesCustomData xmlns="" xmlns:mc="http://schemas.openxmlformats.org/markup-compatibility/2006" xmlns:mv="urn:schemas-microsoft-com:mac:vml" xmlns:c="http://schemas.openxmlformats.org/drawingml/2006/chart" xmlns:dgm="http://schemas.openxmlformats.org/drawingml/2006/diagram" xmlns:o="urn:schemas-microsoft-com:office:office" xmlns:v="urn:schemas-microsoft-com:vml" xmlns:pvml="urn:schemas-microsoft-com:office:powerpoint" xmlns:com="http://schemas.openxmlformats.org/drawingml/2006/compatibility" xmlns:p14="http://schemas.microsoft.com/office/powerpoint/2010/main" xmlns:p15="http://schemas.microsoft.com/office/powerpoint/2012/main" xmlns:ahyp="http://schemas.microsoft.com/office/drawing/2018/hyperlinkcolor" xmlns:go="http://customooxmlschemas.google.com/" r:id="rId17" roundtripDataSignature="AMtx7mg5OY3R0pAxevg+fgTNWSftGfx/ow=="/>
     </p:ext>
   </p:extLst>
 </p:presentation>
@@ -6442,7 +6443,7 @@
         <p:spPr>
           <a:xfrm>
             <a:off x="533400" y="1295400"/>
-            <a:ext cx="8077200" cy="8130903"/>
+            <a:ext cx="8077200" cy="7572802"/>
           </a:xfrm>
           <a:prstGeom prst="rect">
             <a:avLst/>
@@ -6475,47 +6476,34 @@
               <a:buFont typeface="Noto Sans Symbols"/>
               <a:buNone/>
             </a:pPr>
-            <a:endParaRPr lang="en-US" sz="2800" b="1" dirty="0">
-              <a:solidFill>
-                <a:schemeClr val="dk1"/>
-              </a:solidFill>
-              <a:latin typeface="Times New Roman"/>
-              <a:ea typeface="Times New Roman"/>
-              <a:cs typeface="Times New Roman"/>
-              <a:sym typeface="Times New Roman"/>
-            </a:endParaRPr>
-          </a:p>
-          <a:p>
-            <a:pPr marL="0" marR="0" lvl="0" indent="0" algn="ctr" rtl="0">
-              <a:lnSpc>
-                <a:spcPct val="70000"/>
-              </a:lnSpc>
-              <a:spcBef>
-                <a:spcPts val="2000"/>
-              </a:spcBef>
-              <a:spcAft>
-                <a:spcPts val="0"/>
-              </a:spcAft>
-              <a:buClr>
-                <a:schemeClr val="dk1"/>
-              </a:buClr>
-              <a:buSzPts val="2800"/>
-              <a:buFont typeface="Noto Sans Symbols"/>
-              <a:buNone/>
-            </a:pPr>
             <a:r>
-              <a:rPr lang="en-US" sz="4000" b="1" smtClean="0">
+              <a:rPr lang="en-US" sz="4000" b="1" dirty="0" smtClean="0">
                 <a:solidFill>
                   <a:schemeClr val="dk1"/>
                 </a:solidFill>
-                <a:latin typeface="Times New Roman"/>
-                <a:ea typeface="Times New Roman"/>
+                <a:latin typeface="Cambria" panose="02040503050406030204" pitchFamily="18" charset="0"/>
+                <a:ea typeface="Cambria" panose="02040503050406030204" pitchFamily="18" charset="0"/>
                 <a:cs typeface="Times New Roman"/>
                 <a:sym typeface="Times New Roman"/>
               </a:rPr>
-              <a:t>DTBM Furniture</a:t>
+              <a:t>DTBM </a:t>
             </a:r>
-            <a:endParaRPr dirty="0"/>
+            <a:r>
+              <a:rPr lang="en-US" sz="4000" b="1" dirty="0" smtClean="0">
+                <a:solidFill>
+                  <a:schemeClr val="dk1"/>
+                </a:solidFill>
+                <a:latin typeface="Cambria" panose="02040503050406030204" pitchFamily="18" charset="0"/>
+                <a:ea typeface="Cambria" panose="02040503050406030204" pitchFamily="18" charset="0"/>
+                <a:cs typeface="Times New Roman"/>
+                <a:sym typeface="Times New Roman"/>
+              </a:rPr>
+              <a:t>Furniture</a:t>
+            </a:r>
+            <a:endParaRPr dirty="0">
+              <a:latin typeface="Cambria" panose="02040503050406030204" pitchFamily="18" charset="0"/>
+              <a:ea typeface="Cambria" panose="02040503050406030204" pitchFamily="18" charset="0"/>
+            </a:endParaRPr>
           </a:p>
           <a:p>
             <a:pPr marL="0" marR="0" lvl="0" indent="0" algn="just" rtl="0">
@@ -6540,8 +6528,8 @@
                 <a:solidFill>
                   <a:schemeClr val="dk1"/>
                 </a:solidFill>
-                <a:latin typeface="Times New Roman"/>
-                <a:ea typeface="Times New Roman"/>
+                <a:latin typeface="Cambria" panose="02040503050406030204" pitchFamily="18" charset="0"/>
+                <a:ea typeface="Cambria" panose="02040503050406030204" pitchFamily="18" charset="0"/>
                 <a:cs typeface="Times New Roman"/>
                 <a:sym typeface="Times New Roman"/>
               </a:rPr>
@@ -6551,8 +6539,8 @@
               <a:solidFill>
                 <a:schemeClr val="dk1"/>
               </a:solidFill>
-              <a:latin typeface="Times New Roman"/>
-              <a:ea typeface="Times New Roman"/>
+              <a:latin typeface="Cambria" panose="02040503050406030204" pitchFamily="18" charset="0"/>
+              <a:ea typeface="Cambria" panose="02040503050406030204" pitchFamily="18" charset="0"/>
               <a:cs typeface="Times New Roman"/>
               <a:sym typeface="Times New Roman"/>
             </a:endParaRPr>
@@ -6580,8 +6568,8 @@
                 <a:solidFill>
                   <a:schemeClr val="dk1"/>
                 </a:solidFill>
-                <a:latin typeface="Times New Roman"/>
-                <a:ea typeface="Times New Roman"/>
+                <a:latin typeface="Cambria" panose="02040503050406030204" pitchFamily="18" charset="0"/>
+                <a:ea typeface="Cambria" panose="02040503050406030204" pitchFamily="18" charset="0"/>
                 <a:cs typeface="Times New Roman"/>
                 <a:sym typeface="Times New Roman"/>
               </a:rPr>
@@ -6592,8 +6580,8 @@
                 <a:solidFill>
                   <a:schemeClr val="dk1"/>
                 </a:solidFill>
-                <a:latin typeface="Times New Roman"/>
-                <a:ea typeface="Times New Roman"/>
+                <a:latin typeface="Cambria" panose="02040503050406030204" pitchFamily="18" charset="0"/>
+                <a:ea typeface="Cambria" panose="02040503050406030204" pitchFamily="18" charset="0"/>
                 <a:cs typeface="Times New Roman"/>
                 <a:sym typeface="Times New Roman"/>
               </a:rPr>
@@ -6603,8 +6591,8 @@
               <a:solidFill>
                 <a:schemeClr val="dk1"/>
               </a:solidFill>
-              <a:latin typeface="Times New Roman"/>
-              <a:ea typeface="Times New Roman"/>
+              <a:latin typeface="Cambria" panose="02040503050406030204" pitchFamily="18" charset="0"/>
+              <a:ea typeface="Cambria" panose="02040503050406030204" pitchFamily="18" charset="0"/>
               <a:cs typeface="Times New Roman"/>
               <a:sym typeface="Times New Roman"/>
             </a:endParaRPr>
@@ -6632,7 +6620,8 @@
                 <a:solidFill>
                   <a:schemeClr val="dk1"/>
                 </a:solidFill>
-                <a:latin typeface="Times New Roman"/>
+                <a:latin typeface="Cambria" panose="02040503050406030204" pitchFamily="18" charset="0"/>
+                <a:ea typeface="Cambria" panose="02040503050406030204" pitchFamily="18" charset="0"/>
                 <a:cs typeface="Times New Roman"/>
                 <a:sym typeface="Times New Roman"/>
               </a:rPr>
@@ -6662,8 +6651,8 @@
                 <a:solidFill>
                   <a:schemeClr val="dk1"/>
                 </a:solidFill>
-                <a:latin typeface="Times New Roman"/>
-                <a:ea typeface="Times New Roman"/>
+                <a:latin typeface="Cambria" panose="02040503050406030204" pitchFamily="18" charset="0"/>
+                <a:ea typeface="Cambria" panose="02040503050406030204" pitchFamily="18" charset="0"/>
                 <a:cs typeface="Times New Roman"/>
                 <a:sym typeface="Times New Roman"/>
               </a:rPr>
@@ -6674,8 +6663,8 @@
                 <a:solidFill>
                   <a:schemeClr val="dk1"/>
                 </a:solidFill>
-                <a:latin typeface="Times New Roman"/>
-                <a:ea typeface="Times New Roman"/>
+                <a:latin typeface="Cambria" panose="02040503050406030204" pitchFamily="18" charset="0"/>
+                <a:ea typeface="Cambria" panose="02040503050406030204" pitchFamily="18" charset="0"/>
                 <a:cs typeface="Times New Roman"/>
                 <a:sym typeface="Times New Roman"/>
               </a:rPr>
@@ -6686,8 +6675,8 @@
                 <a:solidFill>
                   <a:schemeClr val="dk1"/>
                 </a:solidFill>
-                <a:latin typeface="Times New Roman"/>
-                <a:ea typeface="Times New Roman"/>
+                <a:latin typeface="Cambria" panose="02040503050406030204" pitchFamily="18" charset="0"/>
+                <a:ea typeface="Cambria" panose="02040503050406030204" pitchFamily="18" charset="0"/>
                 <a:cs typeface="Times New Roman"/>
                 <a:sym typeface="Times New Roman"/>
               </a:rPr>
@@ -6698,8 +6687,8 @@
                 <a:solidFill>
                   <a:schemeClr val="dk1"/>
                 </a:solidFill>
-                <a:latin typeface="Times New Roman"/>
-                <a:ea typeface="Times New Roman"/>
+                <a:latin typeface="Cambria" panose="02040503050406030204" pitchFamily="18" charset="0"/>
+                <a:ea typeface="Cambria" panose="02040503050406030204" pitchFamily="18" charset="0"/>
                 <a:cs typeface="Times New Roman"/>
                 <a:sym typeface="Times New Roman"/>
               </a:rPr>
@@ -6710,8 +6699,8 @@
                 <a:solidFill>
                   <a:schemeClr val="dk1"/>
                 </a:solidFill>
-                <a:latin typeface="Times New Roman"/>
-                <a:ea typeface="Times New Roman"/>
+                <a:latin typeface="Cambria" panose="02040503050406030204" pitchFamily="18" charset="0"/>
+                <a:ea typeface="Cambria" panose="02040503050406030204" pitchFamily="18" charset="0"/>
                 <a:cs typeface="Times New Roman"/>
                 <a:sym typeface="Times New Roman"/>
               </a:rPr>
@@ -6722,24 +6711,12 @@
                 <a:solidFill>
                   <a:schemeClr val="dk1"/>
                 </a:solidFill>
-                <a:latin typeface="Times New Roman"/>
-                <a:ea typeface="Times New Roman"/>
+                <a:latin typeface="Cambria" panose="02040503050406030204" pitchFamily="18" charset="0"/>
+                <a:ea typeface="Cambria" panose="02040503050406030204" pitchFamily="18" charset="0"/>
                 <a:cs typeface="Times New Roman"/>
                 <a:sym typeface="Times New Roman"/>
               </a:rPr>
-              <a:t> </a:t>
-            </a:r>
-            <a:r>
-              <a:rPr lang="en-US" sz="2800" dirty="0" smtClean="0">
-                <a:solidFill>
-                  <a:schemeClr val="dk1"/>
-                </a:solidFill>
-                <a:latin typeface="Times New Roman"/>
-                <a:ea typeface="Times New Roman"/>
-                <a:cs typeface="Times New Roman"/>
-                <a:sym typeface="Times New Roman"/>
-              </a:rPr>
-              <a:t>- Student1345184</a:t>
+              <a:t> - Student1345184</a:t>
             </a:r>
           </a:p>
           <a:p>
@@ -6765,8 +6742,8 @@
                 <a:solidFill>
                   <a:schemeClr val="dk1"/>
                 </a:solidFill>
-                <a:latin typeface="Times New Roman"/>
-                <a:ea typeface="Times New Roman"/>
+                <a:latin typeface="Cambria" panose="02040503050406030204" pitchFamily="18" charset="0"/>
+                <a:ea typeface="Cambria" panose="02040503050406030204" pitchFamily="18" charset="0"/>
                 <a:cs typeface="Times New Roman"/>
                 <a:sym typeface="Times New Roman"/>
               </a:rPr>
@@ -6777,8 +6754,8 @@
                 <a:solidFill>
                   <a:schemeClr val="dk1"/>
                 </a:solidFill>
-                <a:latin typeface="Times New Roman"/>
-                <a:ea typeface="Times New Roman"/>
+                <a:latin typeface="Cambria" panose="02040503050406030204" pitchFamily="18" charset="0"/>
+                <a:ea typeface="Cambria" panose="02040503050406030204" pitchFamily="18" charset="0"/>
                 <a:cs typeface="Times New Roman"/>
                 <a:sym typeface="Times New Roman"/>
               </a:rPr>
@@ -6789,8 +6766,8 @@
                 <a:solidFill>
                   <a:schemeClr val="dk1"/>
                 </a:solidFill>
-                <a:latin typeface="Times New Roman"/>
-                <a:ea typeface="Times New Roman"/>
+                <a:latin typeface="Cambria" panose="02040503050406030204" pitchFamily="18" charset="0"/>
+                <a:ea typeface="Cambria" panose="02040503050406030204" pitchFamily="18" charset="0"/>
                 <a:cs typeface="Times New Roman"/>
                 <a:sym typeface="Times New Roman"/>
               </a:rPr>
@@ -6820,8 +6797,8 @@
                 <a:solidFill>
                   <a:schemeClr val="dk1"/>
                 </a:solidFill>
-                <a:latin typeface="Times New Roman"/>
-                <a:ea typeface="Times New Roman"/>
+                <a:latin typeface="Cambria" panose="02040503050406030204" pitchFamily="18" charset="0"/>
+                <a:ea typeface="Cambria" panose="02040503050406030204" pitchFamily="18" charset="0"/>
                 <a:cs typeface="Times New Roman"/>
                 <a:sym typeface="Times New Roman"/>
               </a:rPr>
@@ -6832,8 +6809,8 @@
                 <a:solidFill>
                   <a:schemeClr val="dk1"/>
                 </a:solidFill>
-                <a:latin typeface="Times New Roman"/>
-                <a:ea typeface="Times New Roman"/>
+                <a:latin typeface="Cambria" panose="02040503050406030204" pitchFamily="18" charset="0"/>
+                <a:ea typeface="Cambria" panose="02040503050406030204" pitchFamily="18" charset="0"/>
                 <a:cs typeface="Times New Roman"/>
                 <a:sym typeface="Times New Roman"/>
               </a:rPr>
@@ -6844,8 +6821,8 @@
                 <a:solidFill>
                   <a:schemeClr val="dk1"/>
                 </a:solidFill>
-                <a:latin typeface="Times New Roman"/>
-                <a:ea typeface="Times New Roman"/>
+                <a:latin typeface="Cambria" panose="02040503050406030204" pitchFamily="18" charset="0"/>
+                <a:ea typeface="Cambria" panose="02040503050406030204" pitchFamily="18" charset="0"/>
                 <a:cs typeface="Times New Roman"/>
                 <a:sym typeface="Times New Roman"/>
               </a:rPr>
@@ -6875,8 +6852,8 @@
                 <a:solidFill>
                   <a:schemeClr val="dk1"/>
                 </a:solidFill>
-                <a:latin typeface="Times New Roman"/>
-                <a:ea typeface="Times New Roman"/>
+                <a:latin typeface="Cambria" panose="02040503050406030204" pitchFamily="18" charset="0"/>
+                <a:ea typeface="Cambria" panose="02040503050406030204" pitchFamily="18" charset="0"/>
                 <a:cs typeface="Times New Roman"/>
                 <a:sym typeface="Times New Roman"/>
               </a:rPr>
@@ -6887,8 +6864,8 @@
                 <a:solidFill>
                   <a:schemeClr val="dk1"/>
                 </a:solidFill>
-                <a:latin typeface="Times New Roman"/>
-                <a:ea typeface="Times New Roman"/>
+                <a:latin typeface="Cambria" panose="02040503050406030204" pitchFamily="18" charset="0"/>
+                <a:ea typeface="Cambria" panose="02040503050406030204" pitchFamily="18" charset="0"/>
                 <a:cs typeface="Times New Roman"/>
                 <a:sym typeface="Times New Roman"/>
               </a:rPr>
@@ -6899,8 +6876,8 @@
                 <a:solidFill>
                   <a:schemeClr val="dk1"/>
                 </a:solidFill>
-                <a:latin typeface="Times New Roman"/>
-                <a:ea typeface="Times New Roman"/>
+                <a:latin typeface="Cambria" panose="02040503050406030204" pitchFamily="18" charset="0"/>
+                <a:ea typeface="Cambria" panose="02040503050406030204" pitchFamily="18" charset="0"/>
                 <a:cs typeface="Times New Roman"/>
                 <a:sym typeface="Times New Roman"/>
               </a:rPr>
@@ -6911,8 +6888,8 @@
                 <a:solidFill>
                   <a:schemeClr val="dk1"/>
                 </a:solidFill>
-                <a:latin typeface="Times New Roman"/>
-                <a:ea typeface="Times New Roman"/>
+                <a:latin typeface="Cambria" panose="02040503050406030204" pitchFamily="18" charset="0"/>
+                <a:ea typeface="Cambria" panose="02040503050406030204" pitchFamily="18" charset="0"/>
                 <a:cs typeface="Times New Roman"/>
                 <a:sym typeface="Times New Roman"/>
               </a:rPr>
@@ -6922,8 +6899,8 @@
               <a:solidFill>
                 <a:schemeClr val="dk1"/>
               </a:solidFill>
-              <a:latin typeface="Times New Roman"/>
-              <a:ea typeface="Times New Roman"/>
+              <a:latin typeface="Cambria" panose="02040503050406030204" pitchFamily="18" charset="0"/>
+              <a:ea typeface="Cambria" panose="02040503050406030204" pitchFamily="18" charset="0"/>
               <a:cs typeface="Times New Roman"/>
               <a:sym typeface="Times New Roman"/>
             </a:endParaRPr>
@@ -6951,8 +6928,8 @@
                 <a:solidFill>
                   <a:schemeClr val="dk1"/>
                 </a:solidFill>
-                <a:latin typeface="Times New Roman"/>
-                <a:ea typeface="Times New Roman"/>
+                <a:latin typeface="Cambria" panose="02040503050406030204" pitchFamily="18" charset="0"/>
+                <a:ea typeface="Cambria" panose="02040503050406030204" pitchFamily="18" charset="0"/>
                 <a:cs typeface="Times New Roman"/>
                 <a:sym typeface="Times New Roman"/>
               </a:rPr>
@@ -6962,8 +6939,8 @@
               <a:solidFill>
                 <a:schemeClr val="dk1"/>
               </a:solidFill>
-              <a:latin typeface="Times New Roman"/>
-              <a:ea typeface="Times New Roman"/>
+              <a:latin typeface="Cambria" panose="02040503050406030204" pitchFamily="18" charset="0"/>
+              <a:ea typeface="Cambria" panose="02040503050406030204" pitchFamily="18" charset="0"/>
               <a:cs typeface="Times New Roman"/>
               <a:sym typeface="Times New Roman"/>
             </a:endParaRPr>
@@ -6990,8 +6967,8 @@
               <a:solidFill>
                 <a:schemeClr val="dk1"/>
               </a:solidFill>
-              <a:latin typeface="Times New Roman"/>
-              <a:ea typeface="Times New Roman"/>
+              <a:latin typeface="Cambria" panose="02040503050406030204" pitchFamily="18" charset="0"/>
+              <a:ea typeface="Cambria" panose="02040503050406030204" pitchFamily="18" charset="0"/>
               <a:cs typeface="Times New Roman"/>
               <a:sym typeface="Times New Roman"/>
             </a:endParaRPr>
@@ -7018,8 +6995,8 @@
               <a:solidFill>
                 <a:schemeClr val="dk1"/>
               </a:solidFill>
-              <a:latin typeface="Times New Roman"/>
-              <a:ea typeface="Times New Roman"/>
+              <a:latin typeface="Cambria" panose="02040503050406030204" pitchFamily="18" charset="0"/>
+              <a:ea typeface="Cambria" panose="02040503050406030204" pitchFamily="18" charset="0"/>
               <a:cs typeface="Times New Roman"/>
               <a:sym typeface="Times New Roman"/>
             </a:endParaRPr>
@@ -7046,8 +7023,8 @@
               <a:solidFill>
                 <a:schemeClr val="dk1"/>
               </a:solidFill>
-              <a:latin typeface="Times New Roman"/>
-              <a:ea typeface="Times New Roman"/>
+              <a:latin typeface="Cambria" panose="02040503050406030204" pitchFamily="18" charset="0"/>
+              <a:ea typeface="Cambria" panose="02040503050406030204" pitchFamily="18" charset="0"/>
               <a:cs typeface="Times New Roman"/>
               <a:sym typeface="Times New Roman"/>
             </a:endParaRPr>
@@ -7074,8 +7051,8 @@
               <a:solidFill>
                 <a:schemeClr val="dk1"/>
               </a:solidFill>
-              <a:latin typeface="Times New Roman"/>
-              <a:ea typeface="Times New Roman"/>
+              <a:latin typeface="Cambria" panose="02040503050406030204" pitchFamily="18" charset="0"/>
+              <a:ea typeface="Cambria" panose="02040503050406030204" pitchFamily="18" charset="0"/>
               <a:cs typeface="Times New Roman"/>
               <a:sym typeface="Times New Roman"/>
             </a:endParaRPr>
@@ -7102,8 +7079,8 @@
               <a:solidFill>
                 <a:schemeClr val="dk1"/>
               </a:solidFill>
-              <a:latin typeface="Times New Roman"/>
-              <a:ea typeface="Times New Roman"/>
+              <a:latin typeface="Cambria" panose="02040503050406030204" pitchFamily="18" charset="0"/>
+              <a:ea typeface="Cambria" panose="02040503050406030204" pitchFamily="18" charset="0"/>
               <a:cs typeface="Times New Roman"/>
               <a:sym typeface="Times New Roman"/>
             </a:endParaRPr>
@@ -7130,8 +7107,8 @@
               <a:solidFill>
                 <a:schemeClr val="dk1"/>
               </a:solidFill>
-              <a:latin typeface="Times New Roman"/>
-              <a:ea typeface="Times New Roman"/>
+              <a:latin typeface="Cambria" panose="02040503050406030204" pitchFamily="18" charset="0"/>
+              <a:ea typeface="Cambria" panose="02040503050406030204" pitchFamily="18" charset="0"/>
               <a:cs typeface="Times New Roman"/>
               <a:sym typeface="Times New Roman"/>
             </a:endParaRPr>
@@ -7158,8 +7135,8 @@
               <a:solidFill>
                 <a:schemeClr val="dk1"/>
               </a:solidFill>
-              <a:latin typeface="Times New Roman"/>
-              <a:ea typeface="Times New Roman"/>
+              <a:latin typeface="Cambria" panose="02040503050406030204" pitchFamily="18" charset="0"/>
+              <a:ea typeface="Cambria" panose="02040503050406030204" pitchFamily="18" charset="0"/>
               <a:cs typeface="Times New Roman"/>
               <a:sym typeface="Times New Roman"/>
             </a:endParaRPr>
@@ -7187,8 +7164,8 @@
                 <a:solidFill>
                   <a:schemeClr val="dk1"/>
                 </a:solidFill>
-                <a:latin typeface="Times New Roman"/>
-                <a:ea typeface="Times New Roman"/>
+                <a:latin typeface="Cambria" panose="02040503050406030204" pitchFamily="18" charset="0"/>
+                <a:ea typeface="Cambria" panose="02040503050406030204" pitchFamily="18" charset="0"/>
                 <a:cs typeface="Times New Roman"/>
                 <a:sym typeface="Times New Roman"/>
               </a:rPr>
@@ -7198,8 +7175,8 @@
               <a:solidFill>
                 <a:schemeClr val="dk1"/>
               </a:solidFill>
-              <a:latin typeface="Times New Roman"/>
-              <a:ea typeface="Times New Roman"/>
+              <a:latin typeface="Cambria" panose="02040503050406030204" pitchFamily="18" charset="0"/>
+              <a:ea typeface="Cambria" panose="02040503050406030204" pitchFamily="18" charset="0"/>
               <a:cs typeface="Times New Roman"/>
               <a:sym typeface="Times New Roman"/>
             </a:endParaRPr>
@@ -7221,8 +7198,8 @@
               <a:solidFill>
                 <a:schemeClr val="dk1"/>
               </a:solidFill>
-              <a:latin typeface="Calibri"/>
-              <a:ea typeface="Calibri"/>
+              <a:latin typeface="Cambria" panose="02040503050406030204" pitchFamily="18" charset="0"/>
+              <a:ea typeface="Cambria" panose="02040503050406030204" pitchFamily="18" charset="0"/>
               <a:cs typeface="Calibri"/>
               <a:sym typeface="Calibri"/>
             </a:endParaRPr>
@@ -7238,6 +7215,2054 @@
 </file>
 
 <file path=ppt/slides/slide10.xml><?xml version="1.0" encoding="utf-8"?>
+<p:sld xmlns:a="http://schemas.openxmlformats.org/drawingml/2006/main" xmlns:r="http://schemas.openxmlformats.org/officeDocument/2006/relationships" xmlns:p="http://schemas.openxmlformats.org/presentationml/2006/main">
+  <p:cSld>
+    <p:spTree>
+      <p:nvGrpSpPr>
+        <p:cNvPr id="1" name=""/>
+        <p:cNvGrpSpPr/>
+        <p:nvPr/>
+      </p:nvGrpSpPr>
+      <p:grpSpPr>
+        <a:xfrm>
+          <a:off x="0" y="0"/>
+          <a:ext cx="0" cy="0"/>
+          <a:chOff x="0" y="0"/>
+          <a:chExt cx="0" cy="0"/>
+        </a:xfrm>
+      </p:grpSpPr>
+      <p:sp>
+        <p:nvSpPr>
+          <p:cNvPr id="2" name="Title 1"/>
+          <p:cNvSpPr>
+            <a:spLocks noGrp="1"/>
+          </p:cNvSpPr>
+          <p:nvPr>
+            <p:ph type="title"/>
+          </p:nvPr>
+        </p:nvSpPr>
+        <p:spPr/>
+        <p:txBody>
+          <a:bodyPr/>
+          <a:lstStyle/>
+          <a:p>
+            <a:pPr algn="ctr"/>
+            <a:r>
+              <a:rPr lang="en-US" dirty="0"/>
+              <a:t>Detailed duties of each member</a:t>
+            </a:r>
+          </a:p>
+        </p:txBody>
+      </p:sp>
+      <p:sp>
+        <p:nvSpPr>
+          <p:cNvPr id="3" name="Slide Number Placeholder 2"/>
+          <p:cNvSpPr>
+            <a:spLocks noGrp="1"/>
+          </p:cNvSpPr>
+          <p:nvPr>
+            <p:ph type="sldNum" idx="12"/>
+          </p:nvPr>
+        </p:nvSpPr>
+        <p:spPr/>
+        <p:txBody>
+          <a:bodyPr/>
+          <a:lstStyle/>
+          <a:p>
+            <a:pPr marL="0" lvl="0" indent="0" algn="r" rtl="0">
+              <a:spcBef>
+                <a:spcPts val="0"/>
+              </a:spcBef>
+              <a:spcAft>
+                <a:spcPts val="0"/>
+              </a:spcAft>
+              <a:buNone/>
+            </a:pPr>
+            <a:fld id="{00000000-1234-1234-1234-123412341234}" type="slidenum">
+              <a:rPr lang="en-US" smtClean="0"/>
+              <a:t>10</a:t>
+            </a:fld>
+            <a:endParaRPr lang="en-US"/>
+          </a:p>
+        </p:txBody>
+      </p:sp>
+      <p:graphicFrame>
+        <p:nvGraphicFramePr>
+          <p:cNvPr id="4" name="Table 3"/>
+          <p:cNvGraphicFramePr>
+            <a:graphicFrameLocks noGrp="1"/>
+          </p:cNvGraphicFramePr>
+          <p:nvPr>
+            <p:extLst>
+              <p:ext uri="{D42A27DB-BD31-4B8C-83A1-F6EECF244321}">
+                <p14:modId xmlns:p14="http://schemas.microsoft.com/office/powerpoint/2010/main" val="2900673069"/>
+              </p:ext>
+            </p:extLst>
+          </p:nvPr>
+        </p:nvGraphicFramePr>
+        <p:xfrm>
+          <a:off x="115409" y="852271"/>
+          <a:ext cx="8904303" cy="5929528"/>
+        </p:xfrm>
+        <a:graphic>
+          <a:graphicData uri="http://schemas.openxmlformats.org/drawingml/2006/table">
+            <a:tbl>
+              <a:tblPr>
+                <a:tableStyleId>{F4403D97-0999-4658-89BB-E200C791C0E6}</a:tableStyleId>
+              </a:tblPr>
+              <a:tblGrid>
+                <a:gridCol w="756472">
+                  <a:extLst>
+                    <a:ext uri="{9D8B030D-6E8A-4147-A177-3AD203B41FA5}">
+                      <a16:colId xmlns:a16="http://schemas.microsoft.com/office/drawing/2014/main" val="2421763053"/>
+                    </a:ext>
+                  </a:extLst>
+                </a:gridCol>
+                <a:gridCol w="4964346">
+                  <a:extLst>
+                    <a:ext uri="{9D8B030D-6E8A-4147-A177-3AD203B41FA5}">
+                      <a16:colId xmlns:a16="http://schemas.microsoft.com/office/drawing/2014/main" val="2019877892"/>
+                    </a:ext>
+                  </a:extLst>
+                </a:gridCol>
+                <a:gridCol w="3183485">
+                  <a:extLst>
+                    <a:ext uri="{9D8B030D-6E8A-4147-A177-3AD203B41FA5}">
+                      <a16:colId xmlns:a16="http://schemas.microsoft.com/office/drawing/2014/main" val="618346808"/>
+                    </a:ext>
+                  </a:extLst>
+                </a:gridCol>
+              </a:tblGrid>
+              <a:tr h="441843">
+                <a:tc gridSpan="2">
+                  <a:txBody>
+                    <a:bodyPr/>
+                    <a:lstStyle/>
+                    <a:p>
+                      <a:pPr algn="l" fontAlgn="ctr"/>
+                      <a:r>
+                        <a:rPr lang="en-US" sz="1200" b="1" u="none" strike="noStrike" dirty="0" err="1">
+                          <a:effectLst/>
+                          <a:latin typeface="Cambria" panose="02040503050406030204" pitchFamily="18" charset="0"/>
+                          <a:ea typeface="Cambria" panose="02040503050406030204" pitchFamily="18" charset="0"/>
+                        </a:rPr>
+                        <a:t>Danh</a:t>
+                      </a:r>
+                      <a:r>
+                        <a:rPr lang="en-US" sz="1200" b="1" u="none" strike="noStrike" dirty="0">
+                          <a:effectLst/>
+                          <a:latin typeface="Cambria" panose="02040503050406030204" pitchFamily="18" charset="0"/>
+                          <a:ea typeface="Cambria" panose="02040503050406030204" pitchFamily="18" charset="0"/>
+                        </a:rPr>
+                        <a:t> </a:t>
+                      </a:r>
+                      <a:r>
+                        <a:rPr lang="en-US" sz="1200" b="1" u="none" strike="noStrike" dirty="0" err="1">
+                          <a:effectLst/>
+                          <a:latin typeface="Cambria" panose="02040503050406030204" pitchFamily="18" charset="0"/>
+                          <a:ea typeface="Cambria" panose="02040503050406030204" pitchFamily="18" charset="0"/>
+                        </a:rPr>
+                        <a:t>mục</a:t>
+                      </a:r>
+                      <a:endParaRPr lang="en-US" sz="1200" b="1" i="0" u="none" strike="noStrike" dirty="0">
+                        <a:solidFill>
+                          <a:srgbClr val="FFFFFF"/>
+                        </a:solidFill>
+                        <a:effectLst/>
+                        <a:latin typeface="Cambria" panose="02040503050406030204" pitchFamily="18" charset="0"/>
+                        <a:ea typeface="Cambria" panose="02040503050406030204" pitchFamily="18" charset="0"/>
+                      </a:endParaRPr>
+                    </a:p>
+                  </a:txBody>
+                  <a:tcPr marL="70522" marR="7836" marT="7836" marB="0" anchor="ctr"/>
+                </a:tc>
+                <a:tc hMerge="1">
+                  <a:txBody>
+                    <a:bodyPr/>
+                    <a:lstStyle/>
+                    <a:p>
+                      <a:endParaRPr lang="en-US"/>
+                    </a:p>
+                  </a:txBody>
+                  <a:tcPr/>
+                </a:tc>
+                <a:tc>
+                  <a:txBody>
+                    <a:bodyPr/>
+                    <a:lstStyle/>
+                    <a:p>
+                      <a:pPr algn="l" fontAlgn="ctr"/>
+                      <a:r>
+                        <a:rPr lang="en-US" sz="1200" b="1" u="none" strike="noStrike" dirty="0">
+                          <a:effectLst/>
+                          <a:latin typeface="Cambria" panose="02040503050406030204" pitchFamily="18" charset="0"/>
+                          <a:ea typeface="Cambria" panose="02040503050406030204" pitchFamily="18" charset="0"/>
+                        </a:rPr>
+                        <a:t>Function</a:t>
+                      </a:r>
+                      <a:endParaRPr lang="en-US" sz="1200" b="1" i="0" u="none" strike="noStrike" dirty="0">
+                        <a:solidFill>
+                          <a:srgbClr val="FFFFFF"/>
+                        </a:solidFill>
+                        <a:effectLst/>
+                        <a:latin typeface="Cambria" panose="02040503050406030204" pitchFamily="18" charset="0"/>
+                        <a:ea typeface="Cambria" panose="02040503050406030204" pitchFamily="18" charset="0"/>
+                      </a:endParaRPr>
+                    </a:p>
+                  </a:txBody>
+                  <a:tcPr marL="70522" marR="7836" marT="7836" marB="0" anchor="ctr"/>
+                </a:tc>
+                <a:extLst>
+                  <a:ext uri="{0D108BD9-81ED-4DB2-BD59-A6C34878D82A}">
+                    <a16:rowId xmlns:a16="http://schemas.microsoft.com/office/drawing/2014/main" val="1376896196"/>
+                  </a:ext>
+                </a:extLst>
+              </a:tr>
+              <a:tr h="238595">
+                <a:tc gridSpan="3">
+                  <a:txBody>
+                    <a:bodyPr/>
+                    <a:lstStyle/>
+                    <a:p>
+                      <a:pPr algn="ctr" fontAlgn="ctr"/>
+                      <a:r>
+                        <a:rPr lang="en-US" sz="1200" b="1" u="none" strike="noStrike" dirty="0" err="1">
+                          <a:effectLst/>
+                          <a:latin typeface="Cambria" panose="02040503050406030204" pitchFamily="18" charset="0"/>
+                          <a:ea typeface="Cambria" panose="02040503050406030204" pitchFamily="18" charset="0"/>
+                        </a:rPr>
+                        <a:t>Đoàn</a:t>
+                      </a:r>
+                      <a:endParaRPr lang="en-US" sz="1200" b="1" i="0" u="none" strike="noStrike" dirty="0">
+                        <a:solidFill>
+                          <a:srgbClr val="000000"/>
+                        </a:solidFill>
+                        <a:effectLst/>
+                        <a:latin typeface="Cambria" panose="02040503050406030204" pitchFamily="18" charset="0"/>
+                        <a:ea typeface="Cambria" panose="02040503050406030204" pitchFamily="18" charset="0"/>
+                      </a:endParaRPr>
+                    </a:p>
+                  </a:txBody>
+                  <a:tcPr marL="7836" marR="7836" marT="7836" marB="0" anchor="ctr"/>
+                </a:tc>
+                <a:tc hMerge="1">
+                  <a:txBody>
+                    <a:bodyPr/>
+                    <a:lstStyle/>
+                    <a:p>
+                      <a:endParaRPr lang="en-US"/>
+                    </a:p>
+                  </a:txBody>
+                  <a:tcPr/>
+                </a:tc>
+                <a:tc hMerge="1">
+                  <a:txBody>
+                    <a:bodyPr/>
+                    <a:lstStyle/>
+                    <a:p>
+                      <a:endParaRPr lang="en-US"/>
+                    </a:p>
+                  </a:txBody>
+                  <a:tcPr/>
+                </a:tc>
+                <a:extLst>
+                  <a:ext uri="{0D108BD9-81ED-4DB2-BD59-A6C34878D82A}">
+                    <a16:rowId xmlns:a16="http://schemas.microsoft.com/office/drawing/2014/main" val="3713546987"/>
+                  </a:ext>
+                </a:extLst>
+              </a:tr>
+              <a:tr h="238595">
+                <a:tc>
+                  <a:txBody>
+                    <a:bodyPr/>
+                    <a:lstStyle/>
+                    <a:p>
+                      <a:pPr algn="ctr" fontAlgn="ctr"/>
+                      <a:r>
+                        <a:rPr lang="en-US" sz="1200" u="none" strike="noStrike">
+                          <a:effectLst/>
+                          <a:latin typeface="Cambria" panose="02040503050406030204" pitchFamily="18" charset="0"/>
+                          <a:ea typeface="Cambria" panose="02040503050406030204" pitchFamily="18" charset="0"/>
+                        </a:rPr>
+                        <a:t>1</a:t>
+                      </a:r>
+                      <a:endParaRPr lang="en-US" sz="1200" b="1" i="0" u="none" strike="noStrike">
+                        <a:solidFill>
+                          <a:srgbClr val="000000"/>
+                        </a:solidFill>
+                        <a:effectLst/>
+                        <a:latin typeface="Cambria" panose="02040503050406030204" pitchFamily="18" charset="0"/>
+                        <a:ea typeface="Cambria" panose="02040503050406030204" pitchFamily="18" charset="0"/>
+                      </a:endParaRPr>
+                    </a:p>
+                  </a:txBody>
+                  <a:tcPr marL="7836" marR="7836" marT="7836" marB="0" anchor="ctr"/>
+                </a:tc>
+                <a:tc>
+                  <a:txBody>
+                    <a:bodyPr/>
+                    <a:lstStyle/>
+                    <a:p>
+                      <a:pPr algn="l" fontAlgn="ctr"/>
+                      <a:r>
+                        <a:rPr lang="en-US" sz="1200" u="none" strike="noStrike">
+                          <a:effectLst/>
+                          <a:latin typeface="Cambria" panose="02040503050406030204" pitchFamily="18" charset="0"/>
+                          <a:ea typeface="Cambria" panose="02040503050406030204" pitchFamily="18" charset="0"/>
+                        </a:rPr>
+                        <a:t>Admin and User Interface Design</a:t>
+                      </a:r>
+                      <a:endParaRPr lang="en-US" sz="1200" b="1" i="0" u="none" strike="noStrike">
+                        <a:solidFill>
+                          <a:srgbClr val="000000"/>
+                        </a:solidFill>
+                        <a:effectLst/>
+                        <a:latin typeface="Cambria" panose="02040503050406030204" pitchFamily="18" charset="0"/>
+                        <a:ea typeface="Cambria" panose="02040503050406030204" pitchFamily="18" charset="0"/>
+                      </a:endParaRPr>
+                    </a:p>
+                  </a:txBody>
+                  <a:tcPr marL="141044" marR="7836" marT="7836" marB="0" anchor="ctr"/>
+                </a:tc>
+                <a:tc>
+                  <a:txBody>
+                    <a:bodyPr/>
+                    <a:lstStyle/>
+                    <a:p>
+                      <a:pPr algn="l" fontAlgn="ctr"/>
+                      <a:r>
+                        <a:rPr lang="en-US" sz="1200" u="none" strike="noStrike">
+                          <a:effectLst/>
+                          <a:latin typeface="Cambria" panose="02040503050406030204" pitchFamily="18" charset="0"/>
+                          <a:ea typeface="Cambria" panose="02040503050406030204" pitchFamily="18" charset="0"/>
+                        </a:rPr>
+                        <a:t>Interface</a:t>
+                      </a:r>
+                      <a:endParaRPr lang="en-US" sz="1200" b="0" i="0" u="none" strike="noStrike">
+                        <a:solidFill>
+                          <a:srgbClr val="000000"/>
+                        </a:solidFill>
+                        <a:effectLst/>
+                        <a:latin typeface="Cambria" panose="02040503050406030204" pitchFamily="18" charset="0"/>
+                        <a:ea typeface="Cambria" panose="02040503050406030204" pitchFamily="18" charset="0"/>
+                      </a:endParaRPr>
+                    </a:p>
+                  </a:txBody>
+                  <a:tcPr marL="141044" marR="7836" marT="7836" marB="0" anchor="ctr"/>
+                </a:tc>
+                <a:extLst>
+                  <a:ext uri="{0D108BD9-81ED-4DB2-BD59-A6C34878D82A}">
+                    <a16:rowId xmlns:a16="http://schemas.microsoft.com/office/drawing/2014/main" val="1933236520"/>
+                  </a:ext>
+                </a:extLst>
+              </a:tr>
+              <a:tr h="238595">
+                <a:tc>
+                  <a:txBody>
+                    <a:bodyPr/>
+                    <a:lstStyle/>
+                    <a:p>
+                      <a:pPr algn="ctr" fontAlgn="ctr"/>
+                      <a:r>
+                        <a:rPr lang="en-US" sz="1200" u="none" strike="noStrike">
+                          <a:effectLst/>
+                          <a:latin typeface="Cambria" panose="02040503050406030204" pitchFamily="18" charset="0"/>
+                          <a:ea typeface="Cambria" panose="02040503050406030204" pitchFamily="18" charset="0"/>
+                        </a:rPr>
+                        <a:t>2</a:t>
+                      </a:r>
+                      <a:endParaRPr lang="en-US" sz="1200" b="0" i="0" u="none" strike="noStrike">
+                        <a:solidFill>
+                          <a:srgbClr val="000000"/>
+                        </a:solidFill>
+                        <a:effectLst/>
+                        <a:latin typeface="Cambria" panose="02040503050406030204" pitchFamily="18" charset="0"/>
+                        <a:ea typeface="Cambria" panose="02040503050406030204" pitchFamily="18" charset="0"/>
+                      </a:endParaRPr>
+                    </a:p>
+                  </a:txBody>
+                  <a:tcPr marL="7836" marR="7836" marT="7836" marB="0" anchor="ctr"/>
+                </a:tc>
+                <a:tc>
+                  <a:txBody>
+                    <a:bodyPr/>
+                    <a:lstStyle/>
+                    <a:p>
+                      <a:pPr algn="l" fontAlgn="ctr"/>
+                      <a:r>
+                        <a:rPr lang="en-US" sz="1200" u="none" strike="noStrike">
+                          <a:effectLst/>
+                          <a:latin typeface="Cambria" panose="02040503050406030204" pitchFamily="18" charset="0"/>
+                          <a:ea typeface="Cambria" panose="02040503050406030204" pitchFamily="18" charset="0"/>
+                        </a:rPr>
+                        <a:t>Login  Admin Function </a:t>
+                      </a:r>
+                      <a:endParaRPr lang="en-US" sz="1200" b="0" i="0" u="none" strike="noStrike">
+                        <a:solidFill>
+                          <a:srgbClr val="000000"/>
+                        </a:solidFill>
+                        <a:effectLst/>
+                        <a:latin typeface="Cambria" panose="02040503050406030204" pitchFamily="18" charset="0"/>
+                        <a:ea typeface="Cambria" panose="02040503050406030204" pitchFamily="18" charset="0"/>
+                      </a:endParaRPr>
+                    </a:p>
+                  </a:txBody>
+                  <a:tcPr marL="141044" marR="7836" marT="7836" marB="0" anchor="ctr"/>
+                </a:tc>
+                <a:tc>
+                  <a:txBody>
+                    <a:bodyPr/>
+                    <a:lstStyle/>
+                    <a:p>
+                      <a:pPr algn="l" fontAlgn="ctr"/>
+                      <a:r>
+                        <a:rPr lang="en-US" sz="1200" u="none" strike="noStrike">
+                          <a:effectLst/>
+                          <a:latin typeface="Cambria" panose="02040503050406030204" pitchFamily="18" charset="0"/>
+                          <a:ea typeface="Cambria" panose="02040503050406030204" pitchFamily="18" charset="0"/>
+                        </a:rPr>
+                        <a:t>Login</a:t>
+                      </a:r>
+                      <a:endParaRPr lang="en-US" sz="1200" b="0" i="0" u="none" strike="noStrike">
+                        <a:solidFill>
+                          <a:srgbClr val="000000"/>
+                        </a:solidFill>
+                        <a:effectLst/>
+                        <a:latin typeface="Cambria" panose="02040503050406030204" pitchFamily="18" charset="0"/>
+                        <a:ea typeface="Cambria" panose="02040503050406030204" pitchFamily="18" charset="0"/>
+                      </a:endParaRPr>
+                    </a:p>
+                  </a:txBody>
+                  <a:tcPr marL="141044" marR="7836" marT="7836" marB="0" anchor="ctr"/>
+                </a:tc>
+                <a:extLst>
+                  <a:ext uri="{0D108BD9-81ED-4DB2-BD59-A6C34878D82A}">
+                    <a16:rowId xmlns:a16="http://schemas.microsoft.com/office/drawing/2014/main" val="601905719"/>
+                  </a:ext>
+                </a:extLst>
+              </a:tr>
+              <a:tr h="238595">
+                <a:tc>
+                  <a:txBody>
+                    <a:bodyPr/>
+                    <a:lstStyle/>
+                    <a:p>
+                      <a:pPr algn="ctr" fontAlgn="ctr"/>
+                      <a:r>
+                        <a:rPr lang="en-US" sz="1200" u="none" strike="noStrike">
+                          <a:effectLst/>
+                          <a:latin typeface="Cambria" panose="02040503050406030204" pitchFamily="18" charset="0"/>
+                          <a:ea typeface="Cambria" panose="02040503050406030204" pitchFamily="18" charset="0"/>
+                        </a:rPr>
+                        <a:t>3</a:t>
+                      </a:r>
+                      <a:endParaRPr lang="en-US" sz="1200" b="0" i="0" u="none" strike="noStrike">
+                        <a:solidFill>
+                          <a:srgbClr val="000000"/>
+                        </a:solidFill>
+                        <a:effectLst/>
+                        <a:latin typeface="Cambria" panose="02040503050406030204" pitchFamily="18" charset="0"/>
+                        <a:ea typeface="Cambria" panose="02040503050406030204" pitchFamily="18" charset="0"/>
+                      </a:endParaRPr>
+                    </a:p>
+                  </a:txBody>
+                  <a:tcPr marL="7836" marR="7836" marT="7836" marB="0" anchor="ctr"/>
+                </a:tc>
+                <a:tc>
+                  <a:txBody>
+                    <a:bodyPr/>
+                    <a:lstStyle/>
+                    <a:p>
+                      <a:pPr algn="l" fontAlgn="ctr"/>
+                      <a:r>
+                        <a:rPr lang="en-US" sz="1200" u="none" strike="noStrike">
+                          <a:effectLst/>
+                          <a:latin typeface="Cambria" panose="02040503050406030204" pitchFamily="18" charset="0"/>
+                          <a:ea typeface="Cambria" panose="02040503050406030204" pitchFamily="18" charset="0"/>
+                        </a:rPr>
+                        <a:t>Dashboard</a:t>
+                      </a:r>
+                      <a:endParaRPr lang="en-US" sz="1200" b="0" i="0" u="none" strike="noStrike">
+                        <a:solidFill>
+                          <a:srgbClr val="000000"/>
+                        </a:solidFill>
+                        <a:effectLst/>
+                        <a:latin typeface="Cambria" panose="02040503050406030204" pitchFamily="18" charset="0"/>
+                        <a:ea typeface="Cambria" panose="02040503050406030204" pitchFamily="18" charset="0"/>
+                      </a:endParaRPr>
+                    </a:p>
+                  </a:txBody>
+                  <a:tcPr marL="141044" marR="7836" marT="7836" marB="0" anchor="ctr"/>
+                </a:tc>
+                <a:tc>
+                  <a:txBody>
+                    <a:bodyPr/>
+                    <a:lstStyle/>
+                    <a:p>
+                      <a:pPr algn="l" fontAlgn="ctr"/>
+                      <a:r>
+                        <a:rPr lang="en-US" sz="1200" u="none" strike="noStrike">
+                          <a:effectLst/>
+                          <a:latin typeface="Cambria" panose="02040503050406030204" pitchFamily="18" charset="0"/>
+                          <a:ea typeface="Cambria" panose="02040503050406030204" pitchFamily="18" charset="0"/>
+                        </a:rPr>
+                        <a:t>Interface - view </a:t>
+                      </a:r>
+                      <a:endParaRPr lang="en-US" sz="1200" b="0" i="0" u="none" strike="noStrike">
+                        <a:solidFill>
+                          <a:srgbClr val="000000"/>
+                        </a:solidFill>
+                        <a:effectLst/>
+                        <a:latin typeface="Cambria" panose="02040503050406030204" pitchFamily="18" charset="0"/>
+                        <a:ea typeface="Cambria" panose="02040503050406030204" pitchFamily="18" charset="0"/>
+                      </a:endParaRPr>
+                    </a:p>
+                  </a:txBody>
+                  <a:tcPr marL="141044" marR="7836" marT="7836" marB="0" anchor="ctr"/>
+                </a:tc>
+                <a:extLst>
+                  <a:ext uri="{0D108BD9-81ED-4DB2-BD59-A6C34878D82A}">
+                    <a16:rowId xmlns:a16="http://schemas.microsoft.com/office/drawing/2014/main" val="1215995128"/>
+                  </a:ext>
+                </a:extLst>
+              </a:tr>
+              <a:tr h="238595">
+                <a:tc>
+                  <a:txBody>
+                    <a:bodyPr/>
+                    <a:lstStyle/>
+                    <a:p>
+                      <a:pPr algn="ctr" fontAlgn="ctr"/>
+                      <a:r>
+                        <a:rPr lang="en-US" sz="1200" u="none" strike="noStrike">
+                          <a:effectLst/>
+                          <a:latin typeface="Cambria" panose="02040503050406030204" pitchFamily="18" charset="0"/>
+                          <a:ea typeface="Cambria" panose="02040503050406030204" pitchFamily="18" charset="0"/>
+                        </a:rPr>
+                        <a:t>4</a:t>
+                      </a:r>
+                      <a:endParaRPr lang="en-US" sz="1200" b="0" i="0" u="none" strike="noStrike">
+                        <a:solidFill>
+                          <a:srgbClr val="000000"/>
+                        </a:solidFill>
+                        <a:effectLst/>
+                        <a:latin typeface="Cambria" panose="02040503050406030204" pitchFamily="18" charset="0"/>
+                        <a:ea typeface="Cambria" panose="02040503050406030204" pitchFamily="18" charset="0"/>
+                      </a:endParaRPr>
+                    </a:p>
+                  </a:txBody>
+                  <a:tcPr marL="7836" marR="7836" marT="7836" marB="0" anchor="ctr"/>
+                </a:tc>
+                <a:tc>
+                  <a:txBody>
+                    <a:bodyPr/>
+                    <a:lstStyle/>
+                    <a:p>
+                      <a:pPr algn="l" fontAlgn="ctr"/>
+                      <a:r>
+                        <a:rPr lang="en-US" sz="1200" u="none" strike="noStrike">
+                          <a:effectLst/>
+                          <a:latin typeface="Cambria" panose="02040503050406030204" pitchFamily="18" charset="0"/>
+                          <a:ea typeface="Cambria" panose="02040503050406030204" pitchFamily="18" charset="0"/>
+                        </a:rPr>
+                        <a:t>Category</a:t>
+                      </a:r>
+                      <a:endParaRPr lang="en-US" sz="1200" b="0" i="0" u="none" strike="noStrike">
+                        <a:solidFill>
+                          <a:srgbClr val="000000"/>
+                        </a:solidFill>
+                        <a:effectLst/>
+                        <a:latin typeface="Cambria" panose="02040503050406030204" pitchFamily="18" charset="0"/>
+                        <a:ea typeface="Cambria" panose="02040503050406030204" pitchFamily="18" charset="0"/>
+                      </a:endParaRPr>
+                    </a:p>
+                  </a:txBody>
+                  <a:tcPr marL="141044" marR="7836" marT="7836" marB="0" anchor="ctr"/>
+                </a:tc>
+                <a:tc>
+                  <a:txBody>
+                    <a:bodyPr/>
+                    <a:lstStyle/>
+                    <a:p>
+                      <a:pPr algn="l" fontAlgn="ctr"/>
+                      <a:r>
+                        <a:rPr lang="en-US" sz="1200" u="none" strike="noStrike">
+                          <a:effectLst/>
+                          <a:latin typeface="Cambria" panose="02040503050406030204" pitchFamily="18" charset="0"/>
+                          <a:ea typeface="Cambria" panose="02040503050406030204" pitchFamily="18" charset="0"/>
+                        </a:rPr>
+                        <a:t>Add - Edit - Delete</a:t>
+                      </a:r>
+                      <a:endParaRPr lang="en-US" sz="1200" b="0" i="0" u="none" strike="noStrike">
+                        <a:solidFill>
+                          <a:srgbClr val="000000"/>
+                        </a:solidFill>
+                        <a:effectLst/>
+                        <a:latin typeface="Cambria" panose="02040503050406030204" pitchFamily="18" charset="0"/>
+                        <a:ea typeface="Cambria" panose="02040503050406030204" pitchFamily="18" charset="0"/>
+                      </a:endParaRPr>
+                    </a:p>
+                  </a:txBody>
+                  <a:tcPr marL="141044" marR="7836" marT="7836" marB="0" anchor="ctr"/>
+                </a:tc>
+                <a:extLst>
+                  <a:ext uri="{0D108BD9-81ED-4DB2-BD59-A6C34878D82A}">
+                    <a16:rowId xmlns:a16="http://schemas.microsoft.com/office/drawing/2014/main" val="2990929612"/>
+                  </a:ext>
+                </a:extLst>
+              </a:tr>
+              <a:tr h="238595">
+                <a:tc>
+                  <a:txBody>
+                    <a:bodyPr/>
+                    <a:lstStyle/>
+                    <a:p>
+                      <a:pPr algn="ctr" fontAlgn="ctr"/>
+                      <a:r>
+                        <a:rPr lang="en-US" sz="1200" u="none" strike="noStrike">
+                          <a:effectLst/>
+                          <a:latin typeface="Cambria" panose="02040503050406030204" pitchFamily="18" charset="0"/>
+                          <a:ea typeface="Cambria" panose="02040503050406030204" pitchFamily="18" charset="0"/>
+                        </a:rPr>
+                        <a:t>5</a:t>
+                      </a:r>
+                      <a:endParaRPr lang="en-US" sz="1200" b="0" i="0" u="none" strike="noStrike">
+                        <a:solidFill>
+                          <a:srgbClr val="000000"/>
+                        </a:solidFill>
+                        <a:effectLst/>
+                        <a:latin typeface="Cambria" panose="02040503050406030204" pitchFamily="18" charset="0"/>
+                        <a:ea typeface="Cambria" panose="02040503050406030204" pitchFamily="18" charset="0"/>
+                      </a:endParaRPr>
+                    </a:p>
+                  </a:txBody>
+                  <a:tcPr marL="7836" marR="7836" marT="7836" marB="0" anchor="ctr"/>
+                </a:tc>
+                <a:tc>
+                  <a:txBody>
+                    <a:bodyPr/>
+                    <a:lstStyle/>
+                    <a:p>
+                      <a:pPr algn="l" fontAlgn="ctr"/>
+                      <a:r>
+                        <a:rPr lang="en-US" sz="1200" u="none" strike="noStrike">
+                          <a:effectLst/>
+                          <a:latin typeface="Cambria" panose="02040503050406030204" pitchFamily="18" charset="0"/>
+                          <a:ea typeface="Cambria" panose="02040503050406030204" pitchFamily="18" charset="0"/>
+                        </a:rPr>
+                        <a:t>Product</a:t>
+                      </a:r>
+                      <a:endParaRPr lang="en-US" sz="1200" b="0" i="0" u="none" strike="noStrike">
+                        <a:solidFill>
+                          <a:srgbClr val="000000"/>
+                        </a:solidFill>
+                        <a:effectLst/>
+                        <a:latin typeface="Cambria" panose="02040503050406030204" pitchFamily="18" charset="0"/>
+                        <a:ea typeface="Cambria" panose="02040503050406030204" pitchFamily="18" charset="0"/>
+                      </a:endParaRPr>
+                    </a:p>
+                  </a:txBody>
+                  <a:tcPr marL="141044" marR="7836" marT="7836" marB="0" anchor="ctr"/>
+                </a:tc>
+                <a:tc>
+                  <a:txBody>
+                    <a:bodyPr/>
+                    <a:lstStyle/>
+                    <a:p>
+                      <a:pPr algn="l" fontAlgn="ctr"/>
+                      <a:r>
+                        <a:rPr lang="en-US" sz="1200" u="none" strike="noStrike">
+                          <a:effectLst/>
+                          <a:latin typeface="Cambria" panose="02040503050406030204" pitchFamily="18" charset="0"/>
+                          <a:ea typeface="Cambria" panose="02040503050406030204" pitchFamily="18" charset="0"/>
+                        </a:rPr>
+                        <a:t>Add - Edit - Delete - search</a:t>
+                      </a:r>
+                      <a:endParaRPr lang="en-US" sz="1200" b="0" i="0" u="none" strike="noStrike">
+                        <a:solidFill>
+                          <a:srgbClr val="000000"/>
+                        </a:solidFill>
+                        <a:effectLst/>
+                        <a:latin typeface="Cambria" panose="02040503050406030204" pitchFamily="18" charset="0"/>
+                        <a:ea typeface="Cambria" panose="02040503050406030204" pitchFamily="18" charset="0"/>
+                      </a:endParaRPr>
+                    </a:p>
+                  </a:txBody>
+                  <a:tcPr marL="141044" marR="7836" marT="7836" marB="0" anchor="ctr"/>
+                </a:tc>
+                <a:extLst>
+                  <a:ext uri="{0D108BD9-81ED-4DB2-BD59-A6C34878D82A}">
+                    <a16:rowId xmlns:a16="http://schemas.microsoft.com/office/drawing/2014/main" val="934634780"/>
+                  </a:ext>
+                </a:extLst>
+              </a:tr>
+              <a:tr h="238595">
+                <a:tc>
+                  <a:txBody>
+                    <a:bodyPr/>
+                    <a:lstStyle/>
+                    <a:p>
+                      <a:pPr algn="ctr" fontAlgn="ctr"/>
+                      <a:r>
+                        <a:rPr lang="en-US" sz="1200" u="none" strike="noStrike">
+                          <a:effectLst/>
+                          <a:latin typeface="Cambria" panose="02040503050406030204" pitchFamily="18" charset="0"/>
+                          <a:ea typeface="Cambria" panose="02040503050406030204" pitchFamily="18" charset="0"/>
+                        </a:rPr>
+                        <a:t>6</a:t>
+                      </a:r>
+                      <a:endParaRPr lang="en-US" sz="1200" b="0" i="0" u="none" strike="noStrike">
+                        <a:solidFill>
+                          <a:srgbClr val="000000"/>
+                        </a:solidFill>
+                        <a:effectLst/>
+                        <a:latin typeface="Cambria" panose="02040503050406030204" pitchFamily="18" charset="0"/>
+                        <a:ea typeface="Cambria" panose="02040503050406030204" pitchFamily="18" charset="0"/>
+                      </a:endParaRPr>
+                    </a:p>
+                  </a:txBody>
+                  <a:tcPr marL="7836" marR="7836" marT="7836" marB="0" anchor="ctr"/>
+                </a:tc>
+                <a:tc>
+                  <a:txBody>
+                    <a:bodyPr/>
+                    <a:lstStyle/>
+                    <a:p>
+                      <a:pPr algn="l" fontAlgn="ctr"/>
+                      <a:r>
+                        <a:rPr lang="en-US" sz="1200" u="none" strike="noStrike">
+                          <a:effectLst/>
+                          <a:latin typeface="Cambria" panose="02040503050406030204" pitchFamily="18" charset="0"/>
+                          <a:ea typeface="Cambria" panose="02040503050406030204" pitchFamily="18" charset="0"/>
+                        </a:rPr>
+                        <a:t>Product Thumb</a:t>
+                      </a:r>
+                      <a:endParaRPr lang="en-US" sz="1200" b="0" i="0" u="none" strike="noStrike">
+                        <a:solidFill>
+                          <a:srgbClr val="000000"/>
+                        </a:solidFill>
+                        <a:effectLst/>
+                        <a:latin typeface="Cambria" panose="02040503050406030204" pitchFamily="18" charset="0"/>
+                        <a:ea typeface="Cambria" panose="02040503050406030204" pitchFamily="18" charset="0"/>
+                      </a:endParaRPr>
+                    </a:p>
+                  </a:txBody>
+                  <a:tcPr marL="141044" marR="7836" marT="7836" marB="0" anchor="ctr"/>
+                </a:tc>
+                <a:tc>
+                  <a:txBody>
+                    <a:bodyPr/>
+                    <a:lstStyle/>
+                    <a:p>
+                      <a:pPr algn="l" fontAlgn="ctr"/>
+                      <a:r>
+                        <a:rPr lang="en-US" sz="1200" u="none" strike="noStrike">
+                          <a:effectLst/>
+                          <a:latin typeface="Cambria" panose="02040503050406030204" pitchFamily="18" charset="0"/>
+                          <a:ea typeface="Cambria" panose="02040503050406030204" pitchFamily="18" charset="0"/>
+                        </a:rPr>
+                        <a:t>Add - Edit - Delete - search</a:t>
+                      </a:r>
+                      <a:endParaRPr lang="en-US" sz="1200" b="0" i="0" u="none" strike="noStrike">
+                        <a:solidFill>
+                          <a:srgbClr val="000000"/>
+                        </a:solidFill>
+                        <a:effectLst/>
+                        <a:latin typeface="Cambria" panose="02040503050406030204" pitchFamily="18" charset="0"/>
+                        <a:ea typeface="Cambria" panose="02040503050406030204" pitchFamily="18" charset="0"/>
+                      </a:endParaRPr>
+                    </a:p>
+                  </a:txBody>
+                  <a:tcPr marL="141044" marR="7836" marT="7836" marB="0" anchor="ctr"/>
+                </a:tc>
+                <a:extLst>
+                  <a:ext uri="{0D108BD9-81ED-4DB2-BD59-A6C34878D82A}">
+                    <a16:rowId xmlns:a16="http://schemas.microsoft.com/office/drawing/2014/main" val="2497807601"/>
+                  </a:ext>
+                </a:extLst>
+              </a:tr>
+              <a:tr h="238595">
+                <a:tc>
+                  <a:txBody>
+                    <a:bodyPr/>
+                    <a:lstStyle/>
+                    <a:p>
+                      <a:pPr algn="ctr" fontAlgn="ctr"/>
+                      <a:r>
+                        <a:rPr lang="en-US" sz="1200" u="none" strike="noStrike">
+                          <a:effectLst/>
+                          <a:latin typeface="Cambria" panose="02040503050406030204" pitchFamily="18" charset="0"/>
+                          <a:ea typeface="Cambria" panose="02040503050406030204" pitchFamily="18" charset="0"/>
+                        </a:rPr>
+                        <a:t>7</a:t>
+                      </a:r>
+                      <a:endParaRPr lang="en-US" sz="1200" b="0" i="0" u="none" strike="noStrike">
+                        <a:solidFill>
+                          <a:srgbClr val="000000"/>
+                        </a:solidFill>
+                        <a:effectLst/>
+                        <a:latin typeface="Cambria" panose="02040503050406030204" pitchFamily="18" charset="0"/>
+                        <a:ea typeface="Cambria" panose="02040503050406030204" pitchFamily="18" charset="0"/>
+                      </a:endParaRPr>
+                    </a:p>
+                  </a:txBody>
+                  <a:tcPr marL="7836" marR="7836" marT="7836" marB="0" anchor="ctr"/>
+                </a:tc>
+                <a:tc>
+                  <a:txBody>
+                    <a:bodyPr/>
+                    <a:lstStyle/>
+                    <a:p>
+                      <a:pPr algn="l" fontAlgn="ctr"/>
+                      <a:r>
+                        <a:rPr lang="en-US" sz="1200" u="none" strike="noStrike">
+                          <a:effectLst/>
+                          <a:latin typeface="Cambria" panose="02040503050406030204" pitchFamily="18" charset="0"/>
+                          <a:ea typeface="Cambria" panose="02040503050406030204" pitchFamily="18" charset="0"/>
+                        </a:rPr>
+                        <a:t>Customer List</a:t>
+                      </a:r>
+                      <a:endParaRPr lang="en-US" sz="1200" b="0" i="0" u="none" strike="noStrike">
+                        <a:solidFill>
+                          <a:srgbClr val="000000"/>
+                        </a:solidFill>
+                        <a:effectLst/>
+                        <a:latin typeface="Cambria" panose="02040503050406030204" pitchFamily="18" charset="0"/>
+                        <a:ea typeface="Cambria" panose="02040503050406030204" pitchFamily="18" charset="0"/>
+                      </a:endParaRPr>
+                    </a:p>
+                  </a:txBody>
+                  <a:tcPr marL="141044" marR="7836" marT="7836" marB="0" anchor="ctr"/>
+                </a:tc>
+                <a:tc>
+                  <a:txBody>
+                    <a:bodyPr/>
+                    <a:lstStyle/>
+                    <a:p>
+                      <a:pPr algn="l" fontAlgn="ctr"/>
+                      <a:r>
+                        <a:rPr lang="en-US" sz="1200" u="none" strike="noStrike">
+                          <a:effectLst/>
+                          <a:latin typeface="Cambria" panose="02040503050406030204" pitchFamily="18" charset="0"/>
+                          <a:ea typeface="Cambria" panose="02040503050406030204" pitchFamily="18" charset="0"/>
+                        </a:rPr>
+                        <a:t>View</a:t>
+                      </a:r>
+                      <a:endParaRPr lang="en-US" sz="1200" b="0" i="0" u="none" strike="noStrike">
+                        <a:solidFill>
+                          <a:srgbClr val="000000"/>
+                        </a:solidFill>
+                        <a:effectLst/>
+                        <a:latin typeface="Cambria" panose="02040503050406030204" pitchFamily="18" charset="0"/>
+                        <a:ea typeface="Cambria" panose="02040503050406030204" pitchFamily="18" charset="0"/>
+                      </a:endParaRPr>
+                    </a:p>
+                  </a:txBody>
+                  <a:tcPr marL="141044" marR="7836" marT="7836" marB="0" anchor="ctr"/>
+                </a:tc>
+                <a:extLst>
+                  <a:ext uri="{0D108BD9-81ED-4DB2-BD59-A6C34878D82A}">
+                    <a16:rowId xmlns:a16="http://schemas.microsoft.com/office/drawing/2014/main" val="2389841142"/>
+                  </a:ext>
+                </a:extLst>
+              </a:tr>
+              <a:tr h="238595">
+                <a:tc>
+                  <a:txBody>
+                    <a:bodyPr/>
+                    <a:lstStyle/>
+                    <a:p>
+                      <a:pPr algn="ctr" fontAlgn="ctr"/>
+                      <a:r>
+                        <a:rPr lang="en-US" sz="1200" u="none" strike="noStrike">
+                          <a:effectLst/>
+                          <a:latin typeface="Cambria" panose="02040503050406030204" pitchFamily="18" charset="0"/>
+                          <a:ea typeface="Cambria" panose="02040503050406030204" pitchFamily="18" charset="0"/>
+                        </a:rPr>
+                        <a:t>8</a:t>
+                      </a:r>
+                      <a:endParaRPr lang="en-US" sz="1200" b="0" i="0" u="none" strike="noStrike">
+                        <a:solidFill>
+                          <a:srgbClr val="000000"/>
+                        </a:solidFill>
+                        <a:effectLst/>
+                        <a:latin typeface="Cambria" panose="02040503050406030204" pitchFamily="18" charset="0"/>
+                        <a:ea typeface="Cambria" panose="02040503050406030204" pitchFamily="18" charset="0"/>
+                      </a:endParaRPr>
+                    </a:p>
+                  </a:txBody>
+                  <a:tcPr marL="7836" marR="7836" marT="7836" marB="0" anchor="ctr"/>
+                </a:tc>
+                <a:tc>
+                  <a:txBody>
+                    <a:bodyPr/>
+                    <a:lstStyle/>
+                    <a:p>
+                      <a:pPr algn="l" fontAlgn="ctr"/>
+                      <a:r>
+                        <a:rPr lang="en-US" sz="1200" u="none" strike="noStrike">
+                          <a:effectLst/>
+                          <a:latin typeface="Cambria" panose="02040503050406030204" pitchFamily="18" charset="0"/>
+                          <a:ea typeface="Cambria" panose="02040503050406030204" pitchFamily="18" charset="0"/>
+                        </a:rPr>
+                        <a:t>Report</a:t>
+                      </a:r>
+                      <a:endParaRPr lang="en-US" sz="1200" b="0" i="0" u="none" strike="noStrike">
+                        <a:solidFill>
+                          <a:srgbClr val="000000"/>
+                        </a:solidFill>
+                        <a:effectLst/>
+                        <a:latin typeface="Cambria" panose="02040503050406030204" pitchFamily="18" charset="0"/>
+                        <a:ea typeface="Cambria" panose="02040503050406030204" pitchFamily="18" charset="0"/>
+                      </a:endParaRPr>
+                    </a:p>
+                  </a:txBody>
+                  <a:tcPr marL="141044" marR="7836" marT="7836" marB="0" anchor="ctr"/>
+                </a:tc>
+                <a:tc>
+                  <a:txBody>
+                    <a:bodyPr/>
+                    <a:lstStyle/>
+                    <a:p>
+                      <a:pPr algn="l" fontAlgn="ctr"/>
+                      <a:r>
+                        <a:rPr lang="en-US" sz="1200" u="none" strike="noStrike">
+                          <a:effectLst/>
+                          <a:latin typeface="Cambria" panose="02040503050406030204" pitchFamily="18" charset="0"/>
+                          <a:ea typeface="Cambria" panose="02040503050406030204" pitchFamily="18" charset="0"/>
+                        </a:rPr>
+                        <a:t>View - Search</a:t>
+                      </a:r>
+                      <a:endParaRPr lang="en-US" sz="1200" b="0" i="0" u="none" strike="noStrike">
+                        <a:solidFill>
+                          <a:srgbClr val="000000"/>
+                        </a:solidFill>
+                        <a:effectLst/>
+                        <a:latin typeface="Cambria" panose="02040503050406030204" pitchFamily="18" charset="0"/>
+                        <a:ea typeface="Cambria" panose="02040503050406030204" pitchFamily="18" charset="0"/>
+                      </a:endParaRPr>
+                    </a:p>
+                  </a:txBody>
+                  <a:tcPr marL="141044" marR="7836" marT="7836" marB="0" anchor="ctr"/>
+                </a:tc>
+                <a:extLst>
+                  <a:ext uri="{0D108BD9-81ED-4DB2-BD59-A6C34878D82A}">
+                    <a16:rowId xmlns:a16="http://schemas.microsoft.com/office/drawing/2014/main" val="1954574267"/>
+                  </a:ext>
+                </a:extLst>
+              </a:tr>
+              <a:tr h="238595">
+                <a:tc>
+                  <a:txBody>
+                    <a:bodyPr/>
+                    <a:lstStyle/>
+                    <a:p>
+                      <a:pPr algn="ctr" fontAlgn="ctr"/>
+                      <a:r>
+                        <a:rPr lang="en-US" sz="1200" u="none" strike="noStrike">
+                          <a:effectLst/>
+                          <a:latin typeface="Cambria" panose="02040503050406030204" pitchFamily="18" charset="0"/>
+                          <a:ea typeface="Cambria" panose="02040503050406030204" pitchFamily="18" charset="0"/>
+                        </a:rPr>
+                        <a:t>9</a:t>
+                      </a:r>
+                      <a:endParaRPr lang="en-US" sz="1200" b="0" i="0" u="none" strike="noStrike">
+                        <a:solidFill>
+                          <a:srgbClr val="000000"/>
+                        </a:solidFill>
+                        <a:effectLst/>
+                        <a:latin typeface="Cambria" panose="02040503050406030204" pitchFamily="18" charset="0"/>
+                        <a:ea typeface="Cambria" panose="02040503050406030204" pitchFamily="18" charset="0"/>
+                      </a:endParaRPr>
+                    </a:p>
+                  </a:txBody>
+                  <a:tcPr marL="7836" marR="7836" marT="7836" marB="0" anchor="ctr"/>
+                </a:tc>
+                <a:tc>
+                  <a:txBody>
+                    <a:bodyPr/>
+                    <a:lstStyle/>
+                    <a:p>
+                      <a:pPr algn="l" fontAlgn="ctr"/>
+                      <a:r>
+                        <a:rPr lang="en-US" sz="1200" u="none" strike="noStrike">
+                          <a:effectLst/>
+                          <a:latin typeface="Cambria" panose="02040503050406030204" pitchFamily="18" charset="0"/>
+                          <a:ea typeface="Cambria" panose="02040503050406030204" pitchFamily="18" charset="0"/>
+                        </a:rPr>
+                        <a:t>Sign In Function</a:t>
+                      </a:r>
+                      <a:endParaRPr lang="en-US" sz="1200" b="0" i="0" u="none" strike="noStrike">
+                        <a:solidFill>
+                          <a:srgbClr val="000000"/>
+                        </a:solidFill>
+                        <a:effectLst/>
+                        <a:latin typeface="Cambria" panose="02040503050406030204" pitchFamily="18" charset="0"/>
+                        <a:ea typeface="Cambria" panose="02040503050406030204" pitchFamily="18" charset="0"/>
+                      </a:endParaRPr>
+                    </a:p>
+                  </a:txBody>
+                  <a:tcPr marL="141044" marR="7836" marT="7836" marB="0" anchor="ctr"/>
+                </a:tc>
+                <a:tc>
+                  <a:txBody>
+                    <a:bodyPr/>
+                    <a:lstStyle/>
+                    <a:p>
+                      <a:pPr algn="l" fontAlgn="ctr"/>
+                      <a:r>
+                        <a:rPr lang="en-US" sz="1200" u="none" strike="noStrike">
+                          <a:effectLst/>
+                          <a:latin typeface="Cambria" panose="02040503050406030204" pitchFamily="18" charset="0"/>
+                          <a:ea typeface="Cambria" panose="02040503050406030204" pitchFamily="18" charset="0"/>
+                        </a:rPr>
+                        <a:t>Login</a:t>
+                      </a:r>
+                      <a:endParaRPr lang="en-US" sz="1200" b="0" i="0" u="none" strike="noStrike">
+                        <a:solidFill>
+                          <a:srgbClr val="000000"/>
+                        </a:solidFill>
+                        <a:effectLst/>
+                        <a:latin typeface="Cambria" panose="02040503050406030204" pitchFamily="18" charset="0"/>
+                        <a:ea typeface="Cambria" panose="02040503050406030204" pitchFamily="18" charset="0"/>
+                      </a:endParaRPr>
+                    </a:p>
+                  </a:txBody>
+                  <a:tcPr marL="141044" marR="7836" marT="7836" marB="0" anchor="ctr"/>
+                </a:tc>
+                <a:extLst>
+                  <a:ext uri="{0D108BD9-81ED-4DB2-BD59-A6C34878D82A}">
+                    <a16:rowId xmlns:a16="http://schemas.microsoft.com/office/drawing/2014/main" val="4166402910"/>
+                  </a:ext>
+                </a:extLst>
+              </a:tr>
+              <a:tr h="238595">
+                <a:tc>
+                  <a:txBody>
+                    <a:bodyPr/>
+                    <a:lstStyle/>
+                    <a:p>
+                      <a:pPr algn="ctr" fontAlgn="ctr"/>
+                      <a:r>
+                        <a:rPr lang="en-US" sz="1200" u="none" strike="noStrike">
+                          <a:effectLst/>
+                          <a:latin typeface="Cambria" panose="02040503050406030204" pitchFamily="18" charset="0"/>
+                          <a:ea typeface="Cambria" panose="02040503050406030204" pitchFamily="18" charset="0"/>
+                        </a:rPr>
+                        <a:t>10</a:t>
+                      </a:r>
+                      <a:endParaRPr lang="en-US" sz="1200" b="0" i="0" u="none" strike="noStrike">
+                        <a:solidFill>
+                          <a:srgbClr val="000000"/>
+                        </a:solidFill>
+                        <a:effectLst/>
+                        <a:latin typeface="Cambria" panose="02040503050406030204" pitchFamily="18" charset="0"/>
+                        <a:ea typeface="Cambria" panose="02040503050406030204" pitchFamily="18" charset="0"/>
+                      </a:endParaRPr>
+                    </a:p>
+                  </a:txBody>
+                  <a:tcPr marL="7836" marR="7836" marT="7836" marB="0" anchor="ctr"/>
+                </a:tc>
+                <a:tc>
+                  <a:txBody>
+                    <a:bodyPr/>
+                    <a:lstStyle/>
+                    <a:p>
+                      <a:pPr algn="l" fontAlgn="ctr"/>
+                      <a:r>
+                        <a:rPr lang="en-US" sz="1200" u="none" strike="noStrike">
+                          <a:effectLst/>
+                          <a:latin typeface="Cambria" panose="02040503050406030204" pitchFamily="18" charset="0"/>
+                          <a:ea typeface="Cambria" panose="02040503050406030204" pitchFamily="18" charset="0"/>
+                        </a:rPr>
+                        <a:t>Update Customer Information</a:t>
+                      </a:r>
+                      <a:endParaRPr lang="en-US" sz="1200" b="0" i="0" u="none" strike="noStrike">
+                        <a:solidFill>
+                          <a:srgbClr val="000000"/>
+                        </a:solidFill>
+                        <a:effectLst/>
+                        <a:latin typeface="Cambria" panose="02040503050406030204" pitchFamily="18" charset="0"/>
+                        <a:ea typeface="Cambria" panose="02040503050406030204" pitchFamily="18" charset="0"/>
+                      </a:endParaRPr>
+                    </a:p>
+                  </a:txBody>
+                  <a:tcPr marL="141044" marR="7836" marT="7836" marB="0" anchor="ctr"/>
+                </a:tc>
+                <a:tc>
+                  <a:txBody>
+                    <a:bodyPr/>
+                    <a:lstStyle/>
+                    <a:p>
+                      <a:pPr algn="l" fontAlgn="ctr"/>
+                      <a:r>
+                        <a:rPr lang="en-US" sz="1200" u="none" strike="noStrike">
+                          <a:effectLst/>
+                          <a:latin typeface="Cambria" panose="02040503050406030204" pitchFamily="18" charset="0"/>
+                          <a:ea typeface="Cambria" panose="02040503050406030204" pitchFamily="18" charset="0"/>
+                        </a:rPr>
+                        <a:t>Edit</a:t>
+                      </a:r>
+                      <a:endParaRPr lang="en-US" sz="1200" b="0" i="0" u="none" strike="noStrike">
+                        <a:solidFill>
+                          <a:srgbClr val="000000"/>
+                        </a:solidFill>
+                        <a:effectLst/>
+                        <a:latin typeface="Cambria" panose="02040503050406030204" pitchFamily="18" charset="0"/>
+                        <a:ea typeface="Cambria" panose="02040503050406030204" pitchFamily="18" charset="0"/>
+                      </a:endParaRPr>
+                    </a:p>
+                  </a:txBody>
+                  <a:tcPr marL="141044" marR="7836" marT="7836" marB="0" anchor="ctr"/>
+                </a:tc>
+                <a:extLst>
+                  <a:ext uri="{0D108BD9-81ED-4DB2-BD59-A6C34878D82A}">
+                    <a16:rowId xmlns:a16="http://schemas.microsoft.com/office/drawing/2014/main" val="1020472239"/>
+                  </a:ext>
+                </a:extLst>
+              </a:tr>
+              <a:tr h="238595">
+                <a:tc>
+                  <a:txBody>
+                    <a:bodyPr/>
+                    <a:lstStyle/>
+                    <a:p>
+                      <a:pPr algn="ctr" fontAlgn="ctr"/>
+                      <a:r>
+                        <a:rPr lang="en-US" sz="1200" u="none" strike="noStrike">
+                          <a:effectLst/>
+                          <a:latin typeface="Cambria" panose="02040503050406030204" pitchFamily="18" charset="0"/>
+                          <a:ea typeface="Cambria" panose="02040503050406030204" pitchFamily="18" charset="0"/>
+                        </a:rPr>
+                        <a:t>11</a:t>
+                      </a:r>
+                      <a:endParaRPr lang="en-US" sz="1200" b="0" i="0" u="none" strike="noStrike">
+                        <a:solidFill>
+                          <a:srgbClr val="000000"/>
+                        </a:solidFill>
+                        <a:effectLst/>
+                        <a:latin typeface="Cambria" panose="02040503050406030204" pitchFamily="18" charset="0"/>
+                        <a:ea typeface="Cambria" panose="02040503050406030204" pitchFamily="18" charset="0"/>
+                      </a:endParaRPr>
+                    </a:p>
+                  </a:txBody>
+                  <a:tcPr marL="7836" marR="7836" marT="7836" marB="0" anchor="ctr"/>
+                </a:tc>
+                <a:tc>
+                  <a:txBody>
+                    <a:bodyPr/>
+                    <a:lstStyle/>
+                    <a:p>
+                      <a:pPr algn="l" fontAlgn="ctr"/>
+                      <a:r>
+                        <a:rPr lang="en-US" sz="1200" u="none" strike="noStrike">
+                          <a:effectLst/>
+                          <a:latin typeface="Cambria" panose="02040503050406030204" pitchFamily="18" charset="0"/>
+                          <a:ea typeface="Cambria" panose="02040503050406030204" pitchFamily="18" charset="0"/>
+                        </a:rPr>
+                        <a:t>Change Password</a:t>
+                      </a:r>
+                      <a:endParaRPr lang="en-US" sz="1200" b="0" i="0" u="none" strike="noStrike">
+                        <a:solidFill>
+                          <a:srgbClr val="000000"/>
+                        </a:solidFill>
+                        <a:effectLst/>
+                        <a:latin typeface="Cambria" panose="02040503050406030204" pitchFamily="18" charset="0"/>
+                        <a:ea typeface="Cambria" panose="02040503050406030204" pitchFamily="18" charset="0"/>
+                      </a:endParaRPr>
+                    </a:p>
+                  </a:txBody>
+                  <a:tcPr marL="141044" marR="7836" marT="7836" marB="0" anchor="ctr"/>
+                </a:tc>
+                <a:tc>
+                  <a:txBody>
+                    <a:bodyPr/>
+                    <a:lstStyle/>
+                    <a:p>
+                      <a:pPr algn="l" fontAlgn="ctr"/>
+                      <a:r>
+                        <a:rPr lang="en-US" sz="1200" u="none" strike="noStrike">
+                          <a:effectLst/>
+                          <a:latin typeface="Cambria" panose="02040503050406030204" pitchFamily="18" charset="0"/>
+                          <a:ea typeface="Cambria" panose="02040503050406030204" pitchFamily="18" charset="0"/>
+                        </a:rPr>
+                        <a:t>Edit</a:t>
+                      </a:r>
+                      <a:endParaRPr lang="en-US" sz="1200" b="0" i="0" u="none" strike="noStrike">
+                        <a:solidFill>
+                          <a:srgbClr val="000000"/>
+                        </a:solidFill>
+                        <a:effectLst/>
+                        <a:latin typeface="Cambria" panose="02040503050406030204" pitchFamily="18" charset="0"/>
+                        <a:ea typeface="Cambria" panose="02040503050406030204" pitchFamily="18" charset="0"/>
+                      </a:endParaRPr>
+                    </a:p>
+                  </a:txBody>
+                  <a:tcPr marL="141044" marR="7836" marT="7836" marB="0" anchor="ctr"/>
+                </a:tc>
+                <a:extLst>
+                  <a:ext uri="{0D108BD9-81ED-4DB2-BD59-A6C34878D82A}">
+                    <a16:rowId xmlns:a16="http://schemas.microsoft.com/office/drawing/2014/main" val="461765780"/>
+                  </a:ext>
+                </a:extLst>
+              </a:tr>
+              <a:tr h="238595">
+                <a:tc gridSpan="3">
+                  <a:txBody>
+                    <a:bodyPr/>
+                    <a:lstStyle/>
+                    <a:p>
+                      <a:pPr algn="ctr" fontAlgn="ctr"/>
+                      <a:r>
+                        <a:rPr lang="en-US" sz="1200" b="1" u="none" strike="noStrike" dirty="0" err="1">
+                          <a:effectLst/>
+                          <a:latin typeface="Cambria" panose="02040503050406030204" pitchFamily="18" charset="0"/>
+                          <a:ea typeface="Cambria" panose="02040503050406030204" pitchFamily="18" charset="0"/>
+                        </a:rPr>
+                        <a:t>Thanh</a:t>
+                      </a:r>
+                      <a:endParaRPr lang="en-US" sz="1200" b="1" i="0" u="none" strike="noStrike" dirty="0">
+                        <a:solidFill>
+                          <a:srgbClr val="000000"/>
+                        </a:solidFill>
+                        <a:effectLst/>
+                        <a:latin typeface="Cambria" panose="02040503050406030204" pitchFamily="18" charset="0"/>
+                        <a:ea typeface="Cambria" panose="02040503050406030204" pitchFamily="18" charset="0"/>
+                      </a:endParaRPr>
+                    </a:p>
+                  </a:txBody>
+                  <a:tcPr marL="7836" marR="7836" marT="7836" marB="0" anchor="ctr"/>
+                </a:tc>
+                <a:tc hMerge="1">
+                  <a:txBody>
+                    <a:bodyPr/>
+                    <a:lstStyle/>
+                    <a:p>
+                      <a:endParaRPr lang="en-US"/>
+                    </a:p>
+                  </a:txBody>
+                  <a:tcPr/>
+                </a:tc>
+                <a:tc hMerge="1">
+                  <a:txBody>
+                    <a:bodyPr/>
+                    <a:lstStyle/>
+                    <a:p>
+                      <a:endParaRPr lang="en-US"/>
+                    </a:p>
+                  </a:txBody>
+                  <a:tcPr/>
+                </a:tc>
+                <a:extLst>
+                  <a:ext uri="{0D108BD9-81ED-4DB2-BD59-A6C34878D82A}">
+                    <a16:rowId xmlns:a16="http://schemas.microsoft.com/office/drawing/2014/main" val="1180513784"/>
+                  </a:ext>
+                </a:extLst>
+              </a:tr>
+              <a:tr h="238595">
+                <a:tc>
+                  <a:txBody>
+                    <a:bodyPr/>
+                    <a:lstStyle/>
+                    <a:p>
+                      <a:pPr algn="ctr" fontAlgn="ctr"/>
+                      <a:r>
+                        <a:rPr lang="en-US" sz="1200" u="none" strike="noStrike">
+                          <a:effectLst/>
+                          <a:latin typeface="Cambria" panose="02040503050406030204" pitchFamily="18" charset="0"/>
+                          <a:ea typeface="Cambria" panose="02040503050406030204" pitchFamily="18" charset="0"/>
+                        </a:rPr>
+                        <a:t>1</a:t>
+                      </a:r>
+                      <a:endParaRPr lang="en-US" sz="1200" b="0" i="0" u="none" strike="noStrike">
+                        <a:solidFill>
+                          <a:srgbClr val="000000"/>
+                        </a:solidFill>
+                        <a:effectLst/>
+                        <a:latin typeface="Cambria" panose="02040503050406030204" pitchFamily="18" charset="0"/>
+                        <a:ea typeface="Cambria" panose="02040503050406030204" pitchFamily="18" charset="0"/>
+                      </a:endParaRPr>
+                    </a:p>
+                  </a:txBody>
+                  <a:tcPr marL="7836" marR="7836" marT="7836" marB="0" anchor="ctr"/>
+                </a:tc>
+                <a:tc>
+                  <a:txBody>
+                    <a:bodyPr/>
+                    <a:lstStyle/>
+                    <a:p>
+                      <a:pPr algn="l" fontAlgn="ctr"/>
+                      <a:r>
+                        <a:rPr lang="en-US" sz="1200" u="none" strike="noStrike">
+                          <a:effectLst/>
+                          <a:latin typeface="Cambria" panose="02040503050406030204" pitchFamily="18" charset="0"/>
+                          <a:ea typeface="Cambria" panose="02040503050406030204" pitchFamily="18" charset="0"/>
+                        </a:rPr>
+                        <a:t>Cart</a:t>
+                      </a:r>
+                      <a:endParaRPr lang="en-US" sz="1200" b="0" i="0" u="none" strike="noStrike">
+                        <a:solidFill>
+                          <a:srgbClr val="000000"/>
+                        </a:solidFill>
+                        <a:effectLst/>
+                        <a:latin typeface="Cambria" panose="02040503050406030204" pitchFamily="18" charset="0"/>
+                        <a:ea typeface="Cambria" panose="02040503050406030204" pitchFamily="18" charset="0"/>
+                      </a:endParaRPr>
+                    </a:p>
+                  </a:txBody>
+                  <a:tcPr marL="70522" marR="7836" marT="7836" marB="0" anchor="ctr"/>
+                </a:tc>
+                <a:tc>
+                  <a:txBody>
+                    <a:bodyPr/>
+                    <a:lstStyle/>
+                    <a:p>
+                      <a:pPr algn="l" fontAlgn="ctr"/>
+                      <a:r>
+                        <a:rPr lang="en-US" sz="1200" u="none" strike="noStrike">
+                          <a:effectLst/>
+                          <a:latin typeface="Cambria" panose="02040503050406030204" pitchFamily="18" charset="0"/>
+                          <a:ea typeface="Cambria" panose="02040503050406030204" pitchFamily="18" charset="0"/>
+                        </a:rPr>
+                        <a:t>Add - Edit - Cancel</a:t>
+                      </a:r>
+                      <a:endParaRPr lang="en-US" sz="1200" b="0" i="0" u="none" strike="noStrike">
+                        <a:solidFill>
+                          <a:srgbClr val="000000"/>
+                        </a:solidFill>
+                        <a:effectLst/>
+                        <a:latin typeface="Cambria" panose="02040503050406030204" pitchFamily="18" charset="0"/>
+                        <a:ea typeface="Cambria" panose="02040503050406030204" pitchFamily="18" charset="0"/>
+                      </a:endParaRPr>
+                    </a:p>
+                  </a:txBody>
+                  <a:tcPr marL="70522" marR="7836" marT="7836" marB="0" anchor="ctr"/>
+                </a:tc>
+                <a:extLst>
+                  <a:ext uri="{0D108BD9-81ED-4DB2-BD59-A6C34878D82A}">
+                    <a16:rowId xmlns:a16="http://schemas.microsoft.com/office/drawing/2014/main" val="1183657647"/>
+                  </a:ext>
+                </a:extLst>
+              </a:tr>
+              <a:tr h="238595">
+                <a:tc>
+                  <a:txBody>
+                    <a:bodyPr/>
+                    <a:lstStyle/>
+                    <a:p>
+                      <a:pPr algn="ctr" fontAlgn="ctr"/>
+                      <a:r>
+                        <a:rPr lang="en-US" sz="1200" u="none" strike="noStrike">
+                          <a:effectLst/>
+                          <a:latin typeface="Cambria" panose="02040503050406030204" pitchFamily="18" charset="0"/>
+                          <a:ea typeface="Cambria" panose="02040503050406030204" pitchFamily="18" charset="0"/>
+                        </a:rPr>
+                        <a:t>2</a:t>
+                      </a:r>
+                      <a:endParaRPr lang="en-US" sz="1200" b="0" i="0" u="none" strike="noStrike">
+                        <a:solidFill>
+                          <a:srgbClr val="000000"/>
+                        </a:solidFill>
+                        <a:effectLst/>
+                        <a:latin typeface="Cambria" panose="02040503050406030204" pitchFamily="18" charset="0"/>
+                        <a:ea typeface="Cambria" panose="02040503050406030204" pitchFamily="18" charset="0"/>
+                      </a:endParaRPr>
+                    </a:p>
+                  </a:txBody>
+                  <a:tcPr marL="7836" marR="7836" marT="7836" marB="0" anchor="ctr"/>
+                </a:tc>
+                <a:tc>
+                  <a:txBody>
+                    <a:bodyPr/>
+                    <a:lstStyle/>
+                    <a:p>
+                      <a:pPr algn="l" fontAlgn="ctr"/>
+                      <a:r>
+                        <a:rPr lang="en-US" sz="1200" u="none" strike="noStrike">
+                          <a:effectLst/>
+                          <a:latin typeface="Cambria" panose="02040503050406030204" pitchFamily="18" charset="0"/>
+                          <a:ea typeface="Cambria" panose="02040503050406030204" pitchFamily="18" charset="0"/>
+                        </a:rPr>
+                        <a:t>Order Detail Information (Admin)</a:t>
+                      </a:r>
+                      <a:endParaRPr lang="en-US" sz="1200" b="0" i="0" u="none" strike="noStrike">
+                        <a:solidFill>
+                          <a:srgbClr val="000000"/>
+                        </a:solidFill>
+                        <a:effectLst/>
+                        <a:latin typeface="Cambria" panose="02040503050406030204" pitchFamily="18" charset="0"/>
+                        <a:ea typeface="Cambria" panose="02040503050406030204" pitchFamily="18" charset="0"/>
+                      </a:endParaRPr>
+                    </a:p>
+                  </a:txBody>
+                  <a:tcPr marL="70522" marR="7836" marT="7836" marB="0" anchor="ctr"/>
+                </a:tc>
+                <a:tc>
+                  <a:txBody>
+                    <a:bodyPr/>
+                    <a:lstStyle/>
+                    <a:p>
+                      <a:pPr algn="l" fontAlgn="ctr"/>
+                      <a:r>
+                        <a:rPr lang="en-US" sz="1200" u="none" strike="noStrike">
+                          <a:effectLst/>
+                          <a:latin typeface="Cambria" panose="02040503050406030204" pitchFamily="18" charset="0"/>
+                          <a:ea typeface="Cambria" panose="02040503050406030204" pitchFamily="18" charset="0"/>
+                        </a:rPr>
+                        <a:t>View - Approve</a:t>
+                      </a:r>
+                      <a:endParaRPr lang="en-US" sz="1200" b="0" i="0" u="none" strike="noStrike">
+                        <a:solidFill>
+                          <a:srgbClr val="000000"/>
+                        </a:solidFill>
+                        <a:effectLst/>
+                        <a:latin typeface="Cambria" panose="02040503050406030204" pitchFamily="18" charset="0"/>
+                        <a:ea typeface="Cambria" panose="02040503050406030204" pitchFamily="18" charset="0"/>
+                      </a:endParaRPr>
+                    </a:p>
+                  </a:txBody>
+                  <a:tcPr marL="70522" marR="7836" marT="7836" marB="0" anchor="ctr"/>
+                </a:tc>
+                <a:extLst>
+                  <a:ext uri="{0D108BD9-81ED-4DB2-BD59-A6C34878D82A}">
+                    <a16:rowId xmlns:a16="http://schemas.microsoft.com/office/drawing/2014/main" val="1872884884"/>
+                  </a:ext>
+                </a:extLst>
+              </a:tr>
+              <a:tr h="238595">
+                <a:tc gridSpan="3">
+                  <a:txBody>
+                    <a:bodyPr/>
+                    <a:lstStyle/>
+                    <a:p>
+                      <a:pPr algn="ctr" fontAlgn="ctr"/>
+                      <a:r>
+                        <a:rPr lang="en-US" sz="1200" b="1" u="none" strike="noStrike" dirty="0" err="1">
+                          <a:effectLst/>
+                          <a:latin typeface="Cambria" panose="02040503050406030204" pitchFamily="18" charset="0"/>
+                          <a:ea typeface="Cambria" panose="02040503050406030204" pitchFamily="18" charset="0"/>
+                        </a:rPr>
+                        <a:t>Bảo</a:t>
+                      </a:r>
+                      <a:endParaRPr lang="en-US" sz="1200" b="1" i="0" u="none" strike="noStrike" dirty="0">
+                        <a:solidFill>
+                          <a:srgbClr val="000000"/>
+                        </a:solidFill>
+                        <a:effectLst/>
+                        <a:latin typeface="Cambria" panose="02040503050406030204" pitchFamily="18" charset="0"/>
+                        <a:ea typeface="Cambria" panose="02040503050406030204" pitchFamily="18" charset="0"/>
+                      </a:endParaRPr>
+                    </a:p>
+                  </a:txBody>
+                  <a:tcPr marL="7836" marR="7836" marT="7836" marB="0" anchor="ctr"/>
+                </a:tc>
+                <a:tc hMerge="1">
+                  <a:txBody>
+                    <a:bodyPr/>
+                    <a:lstStyle/>
+                    <a:p>
+                      <a:endParaRPr lang="en-US"/>
+                    </a:p>
+                  </a:txBody>
+                  <a:tcPr/>
+                </a:tc>
+                <a:tc hMerge="1">
+                  <a:txBody>
+                    <a:bodyPr/>
+                    <a:lstStyle/>
+                    <a:p>
+                      <a:endParaRPr lang="en-US"/>
+                    </a:p>
+                  </a:txBody>
+                  <a:tcPr/>
+                </a:tc>
+                <a:extLst>
+                  <a:ext uri="{0D108BD9-81ED-4DB2-BD59-A6C34878D82A}">
+                    <a16:rowId xmlns:a16="http://schemas.microsoft.com/office/drawing/2014/main" val="1062369098"/>
+                  </a:ext>
+                </a:extLst>
+              </a:tr>
+              <a:tr h="238595">
+                <a:tc>
+                  <a:txBody>
+                    <a:bodyPr/>
+                    <a:lstStyle/>
+                    <a:p>
+                      <a:pPr algn="ctr" fontAlgn="ctr"/>
+                      <a:r>
+                        <a:rPr lang="en-US" sz="1200" u="none" strike="noStrike">
+                          <a:effectLst/>
+                          <a:latin typeface="Cambria" panose="02040503050406030204" pitchFamily="18" charset="0"/>
+                          <a:ea typeface="Cambria" panose="02040503050406030204" pitchFamily="18" charset="0"/>
+                        </a:rPr>
+                        <a:t>1</a:t>
+                      </a:r>
+                      <a:endParaRPr lang="en-US" sz="1200" b="0" i="0" u="none" strike="noStrike">
+                        <a:solidFill>
+                          <a:srgbClr val="000000"/>
+                        </a:solidFill>
+                        <a:effectLst/>
+                        <a:latin typeface="Cambria" panose="02040503050406030204" pitchFamily="18" charset="0"/>
+                        <a:ea typeface="Cambria" panose="02040503050406030204" pitchFamily="18" charset="0"/>
+                      </a:endParaRPr>
+                    </a:p>
+                  </a:txBody>
+                  <a:tcPr marL="7836" marR="7836" marT="7836" marB="0" anchor="ctr"/>
+                </a:tc>
+                <a:tc>
+                  <a:txBody>
+                    <a:bodyPr/>
+                    <a:lstStyle/>
+                    <a:p>
+                      <a:pPr algn="l" fontAlgn="ctr"/>
+                      <a:r>
+                        <a:rPr lang="en-US" sz="1200" u="none" strike="noStrike">
+                          <a:effectLst/>
+                          <a:latin typeface="Cambria" panose="02040503050406030204" pitchFamily="18" charset="0"/>
+                          <a:ea typeface="Cambria" panose="02040503050406030204" pitchFamily="18" charset="0"/>
+                        </a:rPr>
+                        <a:t>Contact Page</a:t>
+                      </a:r>
+                      <a:endParaRPr lang="en-US" sz="1200" b="0" i="0" u="none" strike="noStrike">
+                        <a:solidFill>
+                          <a:srgbClr val="000000"/>
+                        </a:solidFill>
+                        <a:effectLst/>
+                        <a:latin typeface="Cambria" panose="02040503050406030204" pitchFamily="18" charset="0"/>
+                        <a:ea typeface="Cambria" panose="02040503050406030204" pitchFamily="18" charset="0"/>
+                      </a:endParaRPr>
+                    </a:p>
+                  </a:txBody>
+                  <a:tcPr marL="70522" marR="7836" marT="7836" marB="0" anchor="ctr"/>
+                </a:tc>
+                <a:tc>
+                  <a:txBody>
+                    <a:bodyPr/>
+                    <a:lstStyle/>
+                    <a:p>
+                      <a:pPr algn="l" fontAlgn="ctr"/>
+                      <a:r>
+                        <a:rPr lang="en-US" sz="1200" u="none" strike="noStrike">
+                          <a:effectLst/>
+                          <a:latin typeface="Cambria" panose="02040503050406030204" pitchFamily="18" charset="0"/>
+                          <a:ea typeface="Cambria" panose="02040503050406030204" pitchFamily="18" charset="0"/>
+                        </a:rPr>
+                        <a:t>Interface</a:t>
+                      </a:r>
+                      <a:endParaRPr lang="en-US" sz="1200" b="0" i="0" u="none" strike="noStrike">
+                        <a:solidFill>
+                          <a:srgbClr val="000000"/>
+                        </a:solidFill>
+                        <a:effectLst/>
+                        <a:latin typeface="Cambria" panose="02040503050406030204" pitchFamily="18" charset="0"/>
+                        <a:ea typeface="Cambria" panose="02040503050406030204" pitchFamily="18" charset="0"/>
+                      </a:endParaRPr>
+                    </a:p>
+                  </a:txBody>
+                  <a:tcPr marL="70522" marR="7836" marT="7836" marB="0" anchor="ctr"/>
+                </a:tc>
+                <a:extLst>
+                  <a:ext uri="{0D108BD9-81ED-4DB2-BD59-A6C34878D82A}">
+                    <a16:rowId xmlns:a16="http://schemas.microsoft.com/office/drawing/2014/main" val="3166407966"/>
+                  </a:ext>
+                </a:extLst>
+              </a:tr>
+              <a:tr h="238595">
+                <a:tc>
+                  <a:txBody>
+                    <a:bodyPr/>
+                    <a:lstStyle/>
+                    <a:p>
+                      <a:pPr algn="ctr" fontAlgn="ctr"/>
+                      <a:r>
+                        <a:rPr lang="en-US" sz="1200" u="none" strike="noStrike">
+                          <a:effectLst/>
+                          <a:latin typeface="Cambria" panose="02040503050406030204" pitchFamily="18" charset="0"/>
+                          <a:ea typeface="Cambria" panose="02040503050406030204" pitchFamily="18" charset="0"/>
+                        </a:rPr>
+                        <a:t>2</a:t>
+                      </a:r>
+                      <a:endParaRPr lang="en-US" sz="1200" b="0" i="0" u="none" strike="noStrike">
+                        <a:solidFill>
+                          <a:srgbClr val="000000"/>
+                        </a:solidFill>
+                        <a:effectLst/>
+                        <a:latin typeface="Cambria" panose="02040503050406030204" pitchFamily="18" charset="0"/>
+                        <a:ea typeface="Cambria" panose="02040503050406030204" pitchFamily="18" charset="0"/>
+                      </a:endParaRPr>
+                    </a:p>
+                  </a:txBody>
+                  <a:tcPr marL="7836" marR="7836" marT="7836" marB="0" anchor="ctr"/>
+                </a:tc>
+                <a:tc>
+                  <a:txBody>
+                    <a:bodyPr/>
+                    <a:lstStyle/>
+                    <a:p>
+                      <a:pPr algn="l" fontAlgn="ctr"/>
+                      <a:r>
+                        <a:rPr lang="en-US" sz="1200" u="none" strike="noStrike">
+                          <a:effectLst/>
+                          <a:latin typeface="Cambria" panose="02040503050406030204" pitchFamily="18" charset="0"/>
+                          <a:ea typeface="Cambria" panose="02040503050406030204" pitchFamily="18" charset="0"/>
+                        </a:rPr>
+                        <a:t>Slide show (Admin)</a:t>
+                      </a:r>
+                      <a:endParaRPr lang="en-US" sz="1200" b="0" i="0" u="none" strike="noStrike">
+                        <a:solidFill>
+                          <a:srgbClr val="000000"/>
+                        </a:solidFill>
+                        <a:effectLst/>
+                        <a:latin typeface="Cambria" panose="02040503050406030204" pitchFamily="18" charset="0"/>
+                        <a:ea typeface="Cambria" panose="02040503050406030204" pitchFamily="18" charset="0"/>
+                      </a:endParaRPr>
+                    </a:p>
+                  </a:txBody>
+                  <a:tcPr marL="70522" marR="7836" marT="7836" marB="0" anchor="ctr"/>
+                </a:tc>
+                <a:tc>
+                  <a:txBody>
+                    <a:bodyPr/>
+                    <a:lstStyle/>
+                    <a:p>
+                      <a:pPr algn="l" fontAlgn="ctr"/>
+                      <a:r>
+                        <a:rPr lang="en-US" sz="1200" u="none" strike="noStrike">
+                          <a:effectLst/>
+                          <a:latin typeface="Cambria" panose="02040503050406030204" pitchFamily="18" charset="0"/>
+                          <a:ea typeface="Cambria" panose="02040503050406030204" pitchFamily="18" charset="0"/>
+                        </a:rPr>
+                        <a:t>Add - Edit - Delete - search</a:t>
+                      </a:r>
+                      <a:endParaRPr lang="en-US" sz="1200" b="0" i="0" u="none" strike="noStrike">
+                        <a:solidFill>
+                          <a:srgbClr val="000000"/>
+                        </a:solidFill>
+                        <a:effectLst/>
+                        <a:latin typeface="Cambria" panose="02040503050406030204" pitchFamily="18" charset="0"/>
+                        <a:ea typeface="Cambria" panose="02040503050406030204" pitchFamily="18" charset="0"/>
+                      </a:endParaRPr>
+                    </a:p>
+                  </a:txBody>
+                  <a:tcPr marL="70522" marR="7836" marT="7836" marB="0" anchor="ctr"/>
+                </a:tc>
+                <a:extLst>
+                  <a:ext uri="{0D108BD9-81ED-4DB2-BD59-A6C34878D82A}">
+                    <a16:rowId xmlns:a16="http://schemas.microsoft.com/office/drawing/2014/main" val="1498709614"/>
+                  </a:ext>
+                </a:extLst>
+              </a:tr>
+              <a:tr h="238595">
+                <a:tc>
+                  <a:txBody>
+                    <a:bodyPr/>
+                    <a:lstStyle/>
+                    <a:p>
+                      <a:pPr algn="ctr" fontAlgn="ctr"/>
+                      <a:r>
+                        <a:rPr lang="en-US" sz="1200" u="none" strike="noStrike">
+                          <a:effectLst/>
+                          <a:latin typeface="Cambria" panose="02040503050406030204" pitchFamily="18" charset="0"/>
+                          <a:ea typeface="Cambria" panose="02040503050406030204" pitchFamily="18" charset="0"/>
+                        </a:rPr>
+                        <a:t>3</a:t>
+                      </a:r>
+                      <a:endParaRPr lang="en-US" sz="1200" b="0" i="0" u="none" strike="noStrike">
+                        <a:solidFill>
+                          <a:srgbClr val="000000"/>
+                        </a:solidFill>
+                        <a:effectLst/>
+                        <a:latin typeface="Cambria" panose="02040503050406030204" pitchFamily="18" charset="0"/>
+                        <a:ea typeface="Cambria" panose="02040503050406030204" pitchFamily="18" charset="0"/>
+                      </a:endParaRPr>
+                    </a:p>
+                  </a:txBody>
+                  <a:tcPr marL="7836" marR="7836" marT="7836" marB="0" anchor="ctr"/>
+                </a:tc>
+                <a:tc>
+                  <a:txBody>
+                    <a:bodyPr/>
+                    <a:lstStyle/>
+                    <a:p>
+                      <a:pPr algn="l" fontAlgn="ctr"/>
+                      <a:r>
+                        <a:rPr lang="en-US" sz="1200" u="none" strike="noStrike">
+                          <a:effectLst/>
+                          <a:latin typeface="Cambria" panose="02040503050406030204" pitchFamily="18" charset="0"/>
+                          <a:ea typeface="Cambria" panose="02040503050406030204" pitchFamily="18" charset="0"/>
+                        </a:rPr>
+                        <a:t>Feedback Function</a:t>
+                      </a:r>
+                      <a:endParaRPr lang="en-US" sz="1200" b="0" i="0" u="none" strike="noStrike">
+                        <a:solidFill>
+                          <a:srgbClr val="000000"/>
+                        </a:solidFill>
+                        <a:effectLst/>
+                        <a:latin typeface="Cambria" panose="02040503050406030204" pitchFamily="18" charset="0"/>
+                        <a:ea typeface="Cambria" panose="02040503050406030204" pitchFamily="18" charset="0"/>
+                      </a:endParaRPr>
+                    </a:p>
+                  </a:txBody>
+                  <a:tcPr marL="70522" marR="7836" marT="7836" marB="0" anchor="ctr"/>
+                </a:tc>
+                <a:tc>
+                  <a:txBody>
+                    <a:bodyPr/>
+                    <a:lstStyle/>
+                    <a:p>
+                      <a:pPr algn="l" fontAlgn="ctr"/>
+                      <a:r>
+                        <a:rPr lang="en-US" sz="1200" u="none" strike="noStrike">
+                          <a:effectLst/>
+                          <a:latin typeface="Cambria" panose="02040503050406030204" pitchFamily="18" charset="0"/>
+                          <a:ea typeface="Cambria" panose="02040503050406030204" pitchFamily="18" charset="0"/>
+                        </a:rPr>
+                        <a:t>Add</a:t>
+                      </a:r>
+                      <a:endParaRPr lang="en-US" sz="1200" b="0" i="0" u="none" strike="noStrike">
+                        <a:solidFill>
+                          <a:srgbClr val="000000"/>
+                        </a:solidFill>
+                        <a:effectLst/>
+                        <a:latin typeface="Cambria" panose="02040503050406030204" pitchFamily="18" charset="0"/>
+                        <a:ea typeface="Cambria" panose="02040503050406030204" pitchFamily="18" charset="0"/>
+                      </a:endParaRPr>
+                    </a:p>
+                  </a:txBody>
+                  <a:tcPr marL="70522" marR="7836" marT="7836" marB="0" anchor="ctr"/>
+                </a:tc>
+                <a:extLst>
+                  <a:ext uri="{0D108BD9-81ED-4DB2-BD59-A6C34878D82A}">
+                    <a16:rowId xmlns:a16="http://schemas.microsoft.com/office/drawing/2014/main" val="1027937357"/>
+                  </a:ext>
+                </a:extLst>
+              </a:tr>
+              <a:tr h="238595">
+                <a:tc>
+                  <a:txBody>
+                    <a:bodyPr/>
+                    <a:lstStyle/>
+                    <a:p>
+                      <a:pPr algn="ctr" fontAlgn="ctr"/>
+                      <a:r>
+                        <a:rPr lang="en-US" sz="1200" u="none" strike="noStrike">
+                          <a:effectLst/>
+                          <a:latin typeface="Cambria" panose="02040503050406030204" pitchFamily="18" charset="0"/>
+                          <a:ea typeface="Cambria" panose="02040503050406030204" pitchFamily="18" charset="0"/>
+                        </a:rPr>
+                        <a:t>4</a:t>
+                      </a:r>
+                      <a:endParaRPr lang="en-US" sz="1200" b="0" i="0" u="none" strike="noStrike">
+                        <a:solidFill>
+                          <a:srgbClr val="000000"/>
+                        </a:solidFill>
+                        <a:effectLst/>
+                        <a:latin typeface="Cambria" panose="02040503050406030204" pitchFamily="18" charset="0"/>
+                        <a:ea typeface="Cambria" panose="02040503050406030204" pitchFamily="18" charset="0"/>
+                      </a:endParaRPr>
+                    </a:p>
+                  </a:txBody>
+                  <a:tcPr marL="7836" marR="7836" marT="7836" marB="0" anchor="ctr"/>
+                </a:tc>
+                <a:tc>
+                  <a:txBody>
+                    <a:bodyPr/>
+                    <a:lstStyle/>
+                    <a:p>
+                      <a:pPr algn="l" fontAlgn="ctr"/>
+                      <a:r>
+                        <a:rPr lang="en-US" sz="1200" u="none" strike="noStrike">
+                          <a:effectLst/>
+                          <a:latin typeface="Cambria" panose="02040503050406030204" pitchFamily="18" charset="0"/>
+                          <a:ea typeface="Cambria" panose="02040503050406030204" pitchFamily="18" charset="0"/>
+                        </a:rPr>
+                        <a:t>Feedback detail information</a:t>
+                      </a:r>
+                      <a:endParaRPr lang="en-US" sz="1200" b="0" i="0" u="none" strike="noStrike">
+                        <a:solidFill>
+                          <a:srgbClr val="000000"/>
+                        </a:solidFill>
+                        <a:effectLst/>
+                        <a:latin typeface="Cambria" panose="02040503050406030204" pitchFamily="18" charset="0"/>
+                        <a:ea typeface="Cambria" panose="02040503050406030204" pitchFamily="18" charset="0"/>
+                      </a:endParaRPr>
+                    </a:p>
+                  </a:txBody>
+                  <a:tcPr marL="70522" marR="7836" marT="7836" marB="0" anchor="ctr"/>
+                </a:tc>
+                <a:tc>
+                  <a:txBody>
+                    <a:bodyPr/>
+                    <a:lstStyle/>
+                    <a:p>
+                      <a:pPr algn="l" fontAlgn="ctr"/>
+                      <a:r>
+                        <a:rPr lang="en-US" sz="1200" u="none" strike="noStrike">
+                          <a:effectLst/>
+                          <a:latin typeface="Cambria" panose="02040503050406030204" pitchFamily="18" charset="0"/>
+                          <a:ea typeface="Cambria" panose="02040503050406030204" pitchFamily="18" charset="0"/>
+                        </a:rPr>
+                        <a:t>View</a:t>
+                      </a:r>
+                      <a:endParaRPr lang="en-US" sz="1200" b="0" i="0" u="none" strike="noStrike">
+                        <a:solidFill>
+                          <a:srgbClr val="000000"/>
+                        </a:solidFill>
+                        <a:effectLst/>
+                        <a:latin typeface="Cambria" panose="02040503050406030204" pitchFamily="18" charset="0"/>
+                        <a:ea typeface="Cambria" panose="02040503050406030204" pitchFamily="18" charset="0"/>
+                      </a:endParaRPr>
+                    </a:p>
+                  </a:txBody>
+                  <a:tcPr marL="70522" marR="7836" marT="7836" marB="0" anchor="ctr"/>
+                </a:tc>
+                <a:extLst>
+                  <a:ext uri="{0D108BD9-81ED-4DB2-BD59-A6C34878D82A}">
+                    <a16:rowId xmlns:a16="http://schemas.microsoft.com/office/drawing/2014/main" val="1776562962"/>
+                  </a:ext>
+                </a:extLst>
+              </a:tr>
+              <a:tr h="238595">
+                <a:tc gridSpan="3">
+                  <a:txBody>
+                    <a:bodyPr/>
+                    <a:lstStyle/>
+                    <a:p>
+                      <a:pPr algn="ctr" fontAlgn="ctr"/>
+                      <a:r>
+                        <a:rPr lang="en-US" sz="1200" b="1" u="none" strike="noStrike" dirty="0">
+                          <a:effectLst/>
+                          <a:latin typeface="Cambria" panose="02040503050406030204" pitchFamily="18" charset="0"/>
+                          <a:ea typeface="Cambria" panose="02040503050406030204" pitchFamily="18" charset="0"/>
+                        </a:rPr>
+                        <a:t>Minh</a:t>
+                      </a:r>
+                      <a:endParaRPr lang="en-US" sz="1200" b="1" i="0" u="none" strike="noStrike" dirty="0">
+                        <a:solidFill>
+                          <a:srgbClr val="000000"/>
+                        </a:solidFill>
+                        <a:effectLst/>
+                        <a:latin typeface="Cambria" panose="02040503050406030204" pitchFamily="18" charset="0"/>
+                        <a:ea typeface="Cambria" panose="02040503050406030204" pitchFamily="18" charset="0"/>
+                      </a:endParaRPr>
+                    </a:p>
+                  </a:txBody>
+                  <a:tcPr marL="7836" marR="7836" marT="7836" marB="0" anchor="ctr"/>
+                </a:tc>
+                <a:tc hMerge="1">
+                  <a:txBody>
+                    <a:bodyPr/>
+                    <a:lstStyle/>
+                    <a:p>
+                      <a:endParaRPr lang="en-US"/>
+                    </a:p>
+                  </a:txBody>
+                  <a:tcPr/>
+                </a:tc>
+                <a:tc hMerge="1">
+                  <a:txBody>
+                    <a:bodyPr/>
+                    <a:lstStyle/>
+                    <a:p>
+                      <a:endParaRPr lang="en-US"/>
+                    </a:p>
+                  </a:txBody>
+                  <a:tcPr/>
+                </a:tc>
+                <a:extLst>
+                  <a:ext uri="{0D108BD9-81ED-4DB2-BD59-A6C34878D82A}">
+                    <a16:rowId xmlns:a16="http://schemas.microsoft.com/office/drawing/2014/main" val="114367968"/>
+                  </a:ext>
+                </a:extLst>
+              </a:tr>
+              <a:tr h="238595">
+                <a:tc>
+                  <a:txBody>
+                    <a:bodyPr/>
+                    <a:lstStyle/>
+                    <a:p>
+                      <a:pPr algn="ctr" fontAlgn="ctr"/>
+                      <a:r>
+                        <a:rPr lang="en-US" sz="1200" u="none" strike="noStrike">
+                          <a:effectLst/>
+                          <a:latin typeface="Cambria" panose="02040503050406030204" pitchFamily="18" charset="0"/>
+                          <a:ea typeface="Cambria" panose="02040503050406030204" pitchFamily="18" charset="0"/>
+                        </a:rPr>
+                        <a:t>1</a:t>
+                      </a:r>
+                      <a:endParaRPr lang="en-US" sz="1200" b="0" i="0" u="none" strike="noStrike">
+                        <a:solidFill>
+                          <a:srgbClr val="000000"/>
+                        </a:solidFill>
+                        <a:effectLst/>
+                        <a:latin typeface="Cambria" panose="02040503050406030204" pitchFamily="18" charset="0"/>
+                        <a:ea typeface="Cambria" panose="02040503050406030204" pitchFamily="18" charset="0"/>
+                      </a:endParaRPr>
+                    </a:p>
+                  </a:txBody>
+                  <a:tcPr marL="7836" marR="7836" marT="7836" marB="0" anchor="ctr"/>
+                </a:tc>
+                <a:tc>
+                  <a:txBody>
+                    <a:bodyPr/>
+                    <a:lstStyle/>
+                    <a:p>
+                      <a:pPr algn="l" fontAlgn="ctr"/>
+                      <a:r>
+                        <a:rPr lang="en-US" sz="1200" u="none" strike="noStrike">
+                          <a:effectLst/>
+                          <a:latin typeface="Cambria" panose="02040503050406030204" pitchFamily="18" charset="0"/>
+                          <a:ea typeface="Cambria" panose="02040503050406030204" pitchFamily="18" charset="0"/>
+                        </a:rPr>
+                        <a:t>About</a:t>
+                      </a:r>
+                      <a:endParaRPr lang="en-US" sz="1200" b="0" i="0" u="none" strike="noStrike">
+                        <a:solidFill>
+                          <a:srgbClr val="000000"/>
+                        </a:solidFill>
+                        <a:effectLst/>
+                        <a:latin typeface="Cambria" panose="02040503050406030204" pitchFamily="18" charset="0"/>
+                        <a:ea typeface="Cambria" panose="02040503050406030204" pitchFamily="18" charset="0"/>
+                      </a:endParaRPr>
+                    </a:p>
+                  </a:txBody>
+                  <a:tcPr marL="70522" marR="7836" marT="7836" marB="0" anchor="ctr"/>
+                </a:tc>
+                <a:tc>
+                  <a:txBody>
+                    <a:bodyPr/>
+                    <a:lstStyle/>
+                    <a:p>
+                      <a:pPr algn="l" fontAlgn="ctr"/>
+                      <a:r>
+                        <a:rPr lang="en-US" sz="1200" u="none" strike="noStrike">
+                          <a:effectLst/>
+                          <a:latin typeface="Cambria" panose="02040503050406030204" pitchFamily="18" charset="0"/>
+                          <a:ea typeface="Cambria" panose="02040503050406030204" pitchFamily="18" charset="0"/>
+                        </a:rPr>
+                        <a:t>Interface</a:t>
+                      </a:r>
+                      <a:endParaRPr lang="en-US" sz="1200" b="0" i="0" u="none" strike="noStrike">
+                        <a:solidFill>
+                          <a:srgbClr val="000000"/>
+                        </a:solidFill>
+                        <a:effectLst/>
+                        <a:latin typeface="Cambria" panose="02040503050406030204" pitchFamily="18" charset="0"/>
+                        <a:ea typeface="Cambria" panose="02040503050406030204" pitchFamily="18" charset="0"/>
+                      </a:endParaRPr>
+                    </a:p>
+                  </a:txBody>
+                  <a:tcPr marL="70522" marR="7836" marT="7836" marB="0" anchor="ctr"/>
+                </a:tc>
+                <a:extLst>
+                  <a:ext uri="{0D108BD9-81ED-4DB2-BD59-A6C34878D82A}">
+                    <a16:rowId xmlns:a16="http://schemas.microsoft.com/office/drawing/2014/main" val="927815741"/>
+                  </a:ext>
+                </a:extLst>
+              </a:tr>
+              <a:tr h="238595">
+                <a:tc>
+                  <a:txBody>
+                    <a:bodyPr/>
+                    <a:lstStyle/>
+                    <a:p>
+                      <a:pPr algn="ctr" fontAlgn="ctr"/>
+                      <a:r>
+                        <a:rPr lang="en-US" sz="1200" u="none" strike="noStrike">
+                          <a:effectLst/>
+                          <a:latin typeface="Cambria" panose="02040503050406030204" pitchFamily="18" charset="0"/>
+                          <a:ea typeface="Cambria" panose="02040503050406030204" pitchFamily="18" charset="0"/>
+                        </a:rPr>
+                        <a:t>2</a:t>
+                      </a:r>
+                      <a:endParaRPr lang="en-US" sz="1200" b="0" i="0" u="none" strike="noStrike">
+                        <a:solidFill>
+                          <a:srgbClr val="000000"/>
+                        </a:solidFill>
+                        <a:effectLst/>
+                        <a:latin typeface="Cambria" panose="02040503050406030204" pitchFamily="18" charset="0"/>
+                        <a:ea typeface="Cambria" panose="02040503050406030204" pitchFamily="18" charset="0"/>
+                      </a:endParaRPr>
+                    </a:p>
+                  </a:txBody>
+                  <a:tcPr marL="7836" marR="7836" marT="7836" marB="0" anchor="ctr"/>
+                </a:tc>
+                <a:tc>
+                  <a:txBody>
+                    <a:bodyPr/>
+                    <a:lstStyle/>
+                    <a:p>
+                      <a:pPr algn="l" fontAlgn="ctr"/>
+                      <a:r>
+                        <a:rPr lang="en-US" sz="1200" u="none" strike="noStrike">
+                          <a:effectLst/>
+                          <a:latin typeface="Cambria" panose="02040503050406030204" pitchFamily="18" charset="0"/>
+                          <a:ea typeface="Cambria" panose="02040503050406030204" pitchFamily="18" charset="0"/>
+                        </a:rPr>
+                        <a:t>Customer add function</a:t>
+                      </a:r>
+                      <a:endParaRPr lang="en-US" sz="1200" b="0" i="0" u="none" strike="noStrike">
+                        <a:solidFill>
+                          <a:srgbClr val="000000"/>
+                        </a:solidFill>
+                        <a:effectLst/>
+                        <a:latin typeface="Cambria" panose="02040503050406030204" pitchFamily="18" charset="0"/>
+                        <a:ea typeface="Cambria" panose="02040503050406030204" pitchFamily="18" charset="0"/>
+                      </a:endParaRPr>
+                    </a:p>
+                  </a:txBody>
+                  <a:tcPr marL="70522" marR="7836" marT="7836" marB="0" anchor="ctr"/>
+                </a:tc>
+                <a:tc>
+                  <a:txBody>
+                    <a:bodyPr/>
+                    <a:lstStyle/>
+                    <a:p>
+                      <a:pPr algn="l" fontAlgn="ctr"/>
+                      <a:r>
+                        <a:rPr lang="en-US" sz="1200" u="none" strike="noStrike" dirty="0">
+                          <a:effectLst/>
+                          <a:latin typeface="Cambria" panose="02040503050406030204" pitchFamily="18" charset="0"/>
+                          <a:ea typeface="Cambria" panose="02040503050406030204" pitchFamily="18" charset="0"/>
+                        </a:rPr>
+                        <a:t>Add</a:t>
+                      </a:r>
+                      <a:endParaRPr lang="en-US" sz="1200" b="0" i="0" u="none" strike="noStrike" dirty="0">
+                        <a:solidFill>
+                          <a:srgbClr val="000000"/>
+                        </a:solidFill>
+                        <a:effectLst/>
+                        <a:latin typeface="Cambria" panose="02040503050406030204" pitchFamily="18" charset="0"/>
+                        <a:ea typeface="Cambria" panose="02040503050406030204" pitchFamily="18" charset="0"/>
+                      </a:endParaRPr>
+                    </a:p>
+                  </a:txBody>
+                  <a:tcPr marL="70522" marR="7836" marT="7836" marB="0" anchor="ctr"/>
+                </a:tc>
+                <a:extLst>
+                  <a:ext uri="{0D108BD9-81ED-4DB2-BD59-A6C34878D82A}">
+                    <a16:rowId xmlns:a16="http://schemas.microsoft.com/office/drawing/2014/main" val="1808247515"/>
+                  </a:ext>
+                </a:extLst>
+              </a:tr>
+            </a:tbl>
+          </a:graphicData>
+        </a:graphic>
+      </p:graphicFrame>
+    </p:spTree>
+    <p:extLst>
+      <p:ext uri="{BB962C8B-B14F-4D97-AF65-F5344CB8AC3E}">
+        <p14:creationId xmlns:p14="http://schemas.microsoft.com/office/powerpoint/2010/main" val="3681095351"/>
+      </p:ext>
+    </p:extLst>
+  </p:cSld>
+  <p:clrMapOvr>
+    <a:masterClrMapping/>
+  </p:clrMapOvr>
+</p:sld>
+</file>
+
+<file path=ppt/slides/slide11.xml><?xml version="1.0" encoding="utf-8"?>
 <p:sld xmlns:a="http://schemas.openxmlformats.org/drawingml/2006/main" xmlns:r="http://schemas.openxmlformats.org/officeDocument/2006/relationships" xmlns:p="http://schemas.openxmlformats.org/presentationml/2006/main">
   <p:cSld>
     <p:bg>
@@ -7316,7 +9341,7 @@
             </a:pPr>
             <a:fld id="{00000000-1234-1234-1234-123412341234}" type="slidenum">
               <a:rPr lang="en-US"/>
-              <a:t>10</a:t>
+              <a:t>11</a:t>
             </a:fld>
             <a:endParaRPr/>
           </a:p>
@@ -7623,15 +9648,18 @@
               <a:buChar char="◆"/>
             </a:pPr>
             <a:r>
-              <a:rPr lang="en-US" sz="2800">
-                <a:latin typeface="Times New Roman"/>
-                <a:ea typeface="Times New Roman"/>
+              <a:rPr lang="en-US" sz="2800" dirty="0">
+                <a:latin typeface="Cambria" panose="02040503050406030204" pitchFamily="18" charset="0"/>
+                <a:ea typeface="Cambria" panose="02040503050406030204" pitchFamily="18" charset="0"/>
                 <a:cs typeface="Times New Roman"/>
                 <a:sym typeface="Times New Roman"/>
               </a:rPr>
               <a:t>Introduction</a:t>
             </a:r>
-            <a:endParaRPr/>
+            <a:endParaRPr dirty="0">
+              <a:latin typeface="Cambria" panose="02040503050406030204" pitchFamily="18" charset="0"/>
+              <a:ea typeface="Cambria" panose="02040503050406030204" pitchFamily="18" charset="0"/>
+            </a:endParaRPr>
           </a:p>
           <a:p>
             <a:pPr marL="742950" lvl="1" indent="-285750" algn="l" rtl="0">
@@ -7645,17 +9673,17 @@
               <a:buChar char="🞛"/>
             </a:pPr>
             <a:r>
-              <a:rPr lang="en-US" sz="2800">
-                <a:latin typeface="Times New Roman"/>
-                <a:ea typeface="Times New Roman"/>
+              <a:rPr lang="en-US" sz="2800" dirty="0">
+                <a:latin typeface="Cambria" panose="02040503050406030204" pitchFamily="18" charset="0"/>
+                <a:ea typeface="Cambria" panose="02040503050406030204" pitchFamily="18" charset="0"/>
                 <a:cs typeface="Times New Roman"/>
                 <a:sym typeface="Times New Roman"/>
               </a:rPr>
               <a:t>Actual requirements</a:t>
             </a:r>
-            <a:endParaRPr sz="2800">
-              <a:latin typeface="Times New Roman"/>
-              <a:ea typeface="Times New Roman"/>
+            <a:endParaRPr sz="2800" dirty="0">
+              <a:latin typeface="Cambria" panose="02040503050406030204" pitchFamily="18" charset="0"/>
+              <a:ea typeface="Cambria" panose="02040503050406030204" pitchFamily="18" charset="0"/>
               <a:cs typeface="Times New Roman"/>
               <a:sym typeface="Times New Roman"/>
             </a:endParaRPr>
@@ -7672,17 +9700,17 @@
               <a:buChar char="🞛"/>
             </a:pPr>
             <a:r>
-              <a:rPr lang="en-US" sz="2800">
-                <a:latin typeface="Times New Roman"/>
-                <a:ea typeface="Times New Roman"/>
+              <a:rPr lang="en-US" sz="2800" dirty="0">
+                <a:latin typeface="Cambria" panose="02040503050406030204" pitchFamily="18" charset="0"/>
+                <a:ea typeface="Cambria" panose="02040503050406030204" pitchFamily="18" charset="0"/>
                 <a:cs typeface="Times New Roman"/>
                 <a:sym typeface="Times New Roman"/>
               </a:rPr>
               <a:t>Requirements of the project</a:t>
             </a:r>
-            <a:endParaRPr sz="2800">
-              <a:latin typeface="Times New Roman"/>
-              <a:ea typeface="Times New Roman"/>
+            <a:endParaRPr sz="2800" dirty="0">
+              <a:latin typeface="Cambria" panose="02040503050406030204" pitchFamily="18" charset="0"/>
+              <a:ea typeface="Cambria" panose="02040503050406030204" pitchFamily="18" charset="0"/>
               <a:cs typeface="Times New Roman"/>
               <a:sym typeface="Times New Roman"/>
             </a:endParaRPr>
@@ -7699,17 +9727,17 @@
               <a:buChar char="🞛"/>
             </a:pPr>
             <a:r>
-              <a:rPr lang="en-US" sz="2800">
-                <a:latin typeface="Times New Roman"/>
-                <a:ea typeface="Times New Roman"/>
+              <a:rPr lang="en-US" sz="2800" dirty="0">
+                <a:latin typeface="Cambria" panose="02040503050406030204" pitchFamily="18" charset="0"/>
+                <a:ea typeface="Cambria" panose="02040503050406030204" pitchFamily="18" charset="0"/>
                 <a:cs typeface="Times New Roman"/>
                 <a:sym typeface="Times New Roman"/>
               </a:rPr>
               <a:t>Deployment diagram</a:t>
             </a:r>
-            <a:endParaRPr sz="2800">
-              <a:latin typeface="Times New Roman"/>
-              <a:ea typeface="Times New Roman"/>
+            <a:endParaRPr sz="2800" dirty="0">
+              <a:latin typeface="Cambria" panose="02040503050406030204" pitchFamily="18" charset="0"/>
+              <a:ea typeface="Cambria" panose="02040503050406030204" pitchFamily="18" charset="0"/>
               <a:cs typeface="Times New Roman"/>
               <a:sym typeface="Times New Roman"/>
             </a:endParaRPr>
@@ -7726,15 +9754,18 @@
               <a:buChar char="◆"/>
             </a:pPr>
             <a:r>
-              <a:rPr lang="en-US" sz="2800">
-                <a:latin typeface="Times New Roman"/>
-                <a:ea typeface="Times New Roman"/>
+              <a:rPr lang="en-US" sz="2800" dirty="0">
+                <a:latin typeface="Cambria" panose="02040503050406030204" pitchFamily="18" charset="0"/>
+                <a:ea typeface="Cambria" panose="02040503050406030204" pitchFamily="18" charset="0"/>
                 <a:cs typeface="Times New Roman"/>
                 <a:sym typeface="Times New Roman"/>
               </a:rPr>
               <a:t>Test result</a:t>
             </a:r>
-            <a:endParaRPr/>
+            <a:endParaRPr dirty="0">
+              <a:latin typeface="Cambria" panose="02040503050406030204" pitchFamily="18" charset="0"/>
+              <a:ea typeface="Cambria" panose="02040503050406030204" pitchFamily="18" charset="0"/>
+            </a:endParaRPr>
           </a:p>
           <a:p>
             <a:pPr marL="342900" lvl="0" indent="-342900" algn="l" rtl="0">
@@ -7748,15 +9779,18 @@
               <a:buChar char="◆"/>
             </a:pPr>
             <a:r>
-              <a:rPr lang="en-US" sz="2800">
-                <a:latin typeface="Times New Roman"/>
-                <a:ea typeface="Times New Roman"/>
+              <a:rPr lang="en-US" sz="2800" dirty="0">
+                <a:latin typeface="Cambria" panose="02040503050406030204" pitchFamily="18" charset="0"/>
+                <a:ea typeface="Cambria" panose="02040503050406030204" pitchFamily="18" charset="0"/>
                 <a:cs typeface="Times New Roman"/>
                 <a:sym typeface="Times New Roman"/>
               </a:rPr>
               <a:t>Conclusion and development</a:t>
             </a:r>
-            <a:endParaRPr/>
+            <a:endParaRPr dirty="0">
+              <a:latin typeface="Cambria" panose="02040503050406030204" pitchFamily="18" charset="0"/>
+              <a:ea typeface="Cambria" panose="02040503050406030204" pitchFamily="18" charset="0"/>
+            </a:endParaRPr>
           </a:p>
           <a:p>
             <a:pPr marL="342900" lvl="0" indent="-342900" algn="l" rtl="0">
@@ -7773,17 +9807,50 @@
               <a:buChar char="◆"/>
             </a:pPr>
             <a:r>
-              <a:rPr lang="en-US" sz="2800">
-                <a:latin typeface="Times New Roman"/>
-                <a:ea typeface="Times New Roman"/>
+              <a:rPr lang="en-US" sz="2800" dirty="0">
+                <a:latin typeface="Cambria" panose="02040503050406030204" pitchFamily="18" charset="0"/>
+                <a:ea typeface="Cambria" panose="02040503050406030204" pitchFamily="18" charset="0"/>
                 <a:cs typeface="Times New Roman"/>
                 <a:sym typeface="Times New Roman"/>
               </a:rPr>
-              <a:t>Task list</a:t>
+              <a:t>Task </a:t>
             </a:r>
-            <a:endParaRPr sz="2800">
-              <a:latin typeface="Times New Roman"/>
-              <a:ea typeface="Times New Roman"/>
+            <a:r>
+              <a:rPr lang="en-US" sz="2800" dirty="0" smtClean="0">
+                <a:latin typeface="Cambria" panose="02040503050406030204" pitchFamily="18" charset="0"/>
+                <a:ea typeface="Cambria" panose="02040503050406030204" pitchFamily="18" charset="0"/>
+                <a:cs typeface="Times New Roman"/>
+                <a:sym typeface="Times New Roman"/>
+              </a:rPr>
+              <a:t>list</a:t>
+            </a:r>
+          </a:p>
+          <a:p>
+            <a:pPr marL="342900" lvl="0" indent="-342900">
+              <a:spcBef>
+                <a:spcPts val="560"/>
+              </a:spcBef>
+              <a:buSzPts val="1400"/>
+            </a:pPr>
+            <a:r>
+              <a:rPr lang="en-US" sz="2800" dirty="0">
+                <a:latin typeface="Cambria" panose="02040503050406030204" pitchFamily="18" charset="0"/>
+                <a:ea typeface="Cambria" panose="02040503050406030204" pitchFamily="18" charset="0"/>
+              </a:rPr>
+              <a:t>Detailed duties of each member</a:t>
+            </a:r>
+            <a:r>
+              <a:rPr lang="en-US" sz="2800" dirty="0" smtClean="0">
+                <a:latin typeface="Cambria" panose="02040503050406030204" pitchFamily="18" charset="0"/>
+                <a:ea typeface="Cambria" panose="02040503050406030204" pitchFamily="18" charset="0"/>
+                <a:cs typeface="Times New Roman"/>
+                <a:sym typeface="Times New Roman"/>
+              </a:rPr>
+              <a:t> </a:t>
+            </a:r>
+            <a:endParaRPr sz="2800" dirty="0">
+              <a:latin typeface="Cambria" panose="02040503050406030204" pitchFamily="18" charset="0"/>
+              <a:ea typeface="Cambria" panose="02040503050406030204" pitchFamily="18" charset="0"/>
               <a:cs typeface="Times New Roman"/>
               <a:sym typeface="Times New Roman"/>
             </a:endParaRPr>
@@ -7799,9 +9866,9 @@
               <a:buSzPts val="1400"/>
               <a:buNone/>
             </a:pPr>
-            <a:endParaRPr sz="2800">
-              <a:latin typeface="Times New Roman"/>
-              <a:ea typeface="Times New Roman"/>
+            <a:endParaRPr sz="2800" dirty="0">
+              <a:latin typeface="Cambria" panose="02040503050406030204" pitchFamily="18" charset="0"/>
+              <a:ea typeface="Cambria" panose="02040503050406030204" pitchFamily="18" charset="0"/>
               <a:cs typeface="Times New Roman"/>
               <a:sym typeface="Times New Roman"/>
             </a:endParaRPr>
@@ -7817,9 +9884,9 @@
               <a:buSzPts val="1200"/>
               <a:buNone/>
             </a:pPr>
-            <a:endParaRPr>
-              <a:latin typeface="Arial"/>
-              <a:ea typeface="Arial"/>
+            <a:endParaRPr dirty="0">
+              <a:latin typeface="Cambria" panose="02040503050406030204" pitchFamily="18" charset="0"/>
+              <a:ea typeface="Cambria" panose="02040503050406030204" pitchFamily="18" charset="0"/>
               <a:cs typeface="Arial"/>
               <a:sym typeface="Arial"/>
             </a:endParaRPr>
@@ -7948,59 +10015,70 @@
           </a:bodyPr>
           <a:lstStyle/>
           <a:p>
-            <a:pPr marL="342900" lvl="0" indent="-342900" algn="l" rtl="0">
-              <a:spcBef>
-                <a:spcPts val="0"/>
-              </a:spcBef>
-              <a:spcAft>
-                <a:spcPts val="0"/>
-              </a:spcAft>
-              <a:buClr>
-                <a:srgbClr val="215D4B"/>
-              </a:buClr>
-              <a:buSzPts val="1200"/>
-              <a:buChar char="◆"/>
+            <a:pPr marL="342900" lvl="0" indent="-342900">
+              <a:spcBef>
+                <a:spcPts val="0"/>
+              </a:spcBef>
             </a:pPr>
+            <a:r>
+              <a:rPr lang="en-US" b="1" dirty="0"/>
+              <a:t>DTBM </a:t>
+            </a:r>
+            <a:r>
+              <a:rPr lang="en-US" b="1" dirty="0" smtClean="0"/>
+              <a:t>Furniture </a:t>
+            </a:r>
+            <a:r>
+              <a:rPr lang="en-US" dirty="0"/>
+              <a:t>One of the top home furniture design companies in </a:t>
+            </a:r>
+            <a:r>
+              <a:rPr lang="en-US" dirty="0" smtClean="0"/>
+              <a:t>Vietnam, </a:t>
+            </a:r>
             <a:r>
               <a:rPr lang="en-US" b="1" dirty="0"/>
               <a:t>DTBM Furniture </a:t>
             </a:r>
             <a:r>
+              <a:rPr lang="en-US" dirty="0" smtClean="0"/>
+              <a:t>company</a:t>
+            </a:r>
+            <a:r>
               <a:rPr lang="en-US" dirty="0"/>
-              <a:t>company provides ornamental products of various types for different spaces and landscapes such as apartment balconies, gardens, restaurants, hotels, schools, etc..</a:t>
+              <a:t>, creates the most modern designs for its clients. However, our company designers will create a sense of style that suit your tastes. Furniture design patterns change over time.</a:t>
+            </a:r>
+            <a:r>
+              <a:rPr lang="en-US" dirty="0" smtClean="0"/>
+              <a:t>.</a:t>
             </a:r>
             <a:endParaRPr dirty="0"/>
           </a:p>
           <a:p>
-            <a:pPr marL="0" lvl="0" indent="0" algn="l" rtl="0">
-              <a:spcBef>
-                <a:spcPts val="480"/>
-              </a:spcBef>
-              <a:spcAft>
-                <a:spcPts val="0"/>
-              </a:spcAft>
-              <a:buSzPts val="1200"/>
-              <a:buNone/>
-            </a:pPr>
-            <a:endParaRPr dirty="0"/>
-          </a:p>
-          <a:p>
-            <a:pPr marL="342900" lvl="0" indent="-342900" algn="l" rtl="0">
-              <a:spcBef>
-                <a:spcPts val="480"/>
-              </a:spcBef>
-              <a:spcAft>
-                <a:spcPts val="0"/>
-              </a:spcAft>
-              <a:buClr>
-                <a:srgbClr val="215D4B"/>
-              </a:buClr>
-              <a:buSzPts val="1200"/>
-              <a:buChar char="◆"/>
-            </a:pPr>
+            <a:pPr marL="342900" lvl="0" indent="-342900"/>
             <a:r>
               <a:rPr lang="en-US" dirty="0"/>
-              <a:t>With the desire to develop, the company understands that the demand for products not only comes from the local market but also the international market. A whole new website with fully functional will let our customers to access the products remotely, allowing us to reach out and expand our customer base. Not only does a website eliminate the need for opening multiple shops in different locations, it can also save money on leaflets and physical advertisements like bill boards and posters.</a:t>
+              <a:t>Our </a:t>
+            </a:r>
+            <a:r>
+              <a:rPr lang="en-US" b="1" dirty="0"/>
+              <a:t>furniture design in </a:t>
+            </a:r>
+            <a:r>
+              <a:rPr lang="en-US" b="1" dirty="0"/>
+              <a:t>DTBM </a:t>
+            </a:r>
+            <a:r>
+              <a:rPr lang="en-US" b="1" dirty="0" smtClean="0"/>
+              <a:t>Furniture</a:t>
+            </a:r>
+            <a:r>
+              <a:rPr lang="en-US" b="1" dirty="0"/>
+              <a:t> </a:t>
+            </a:r>
+            <a:r>
+              <a:rPr lang="en-US" dirty="0"/>
+              <a:t>company stays updated with new developments. This quality of our furniture design company maintains us a step ahead of our competitors. With furniture designs from us, you can be the envy of your friends and family and proudly display them. If you wish to own the newest styles, visit our company or online site. We serve clients from all over the world and have earned the respect and trust of a huge proportion of them.</a:t>
             </a:r>
             <a:endParaRPr dirty="0"/>
           </a:p>
@@ -8252,7 +10330,7 @@
             <a:endParaRPr dirty="0"/>
           </a:p>
           <a:p>
-            <a:pPr marL="0" lvl="0" indent="0" algn="l" rtl="0">
+            <a:pPr marL="342900" lvl="0" indent="-342900" algn="l" rtl="0">
               <a:spcBef>
                 <a:spcPts val="480"/>
               </a:spcBef>
@@ -8260,81 +10338,115 @@
                 <a:spcPts val="0"/>
               </a:spcAft>
               <a:buSzPts val="1200"/>
-              <a:buNone/>
+              <a:buFontTx/>
+              <a:buChar char="-"/>
+            </a:pPr>
+            <a:r>
+              <a:rPr lang="en-US" dirty="0" smtClean="0"/>
+              <a:t>The customer can register/edit the account.</a:t>
+            </a:r>
+          </a:p>
+          <a:p>
+            <a:pPr marL="342900" lvl="0" indent="-342900" algn="l" rtl="0">
+              <a:spcBef>
+                <a:spcPts val="480"/>
+              </a:spcBef>
+              <a:spcAft>
+                <a:spcPts val="0"/>
+              </a:spcAft>
+              <a:buSzPts val="1200"/>
+              <a:buFontTx/>
+              <a:buChar char="-"/>
+            </a:pPr>
+            <a:r>
+              <a:rPr lang="en-US" dirty="0" smtClean="0"/>
+              <a:t>The password can be changed by the customer manual.</a:t>
+            </a:r>
+          </a:p>
+          <a:p>
+            <a:pPr marL="342900" lvl="0" indent="-342900" algn="l" rtl="0">
+              <a:spcBef>
+                <a:spcPts val="480"/>
+              </a:spcBef>
+              <a:spcAft>
+                <a:spcPts val="0"/>
+              </a:spcAft>
+              <a:buSzPts val="1200"/>
+              <a:buFontTx/>
+              <a:buChar char="-"/>
+            </a:pPr>
+            <a:r>
+              <a:rPr lang="en-US" dirty="0" smtClean="0"/>
+              <a:t>Customers can view the category and product.</a:t>
+            </a:r>
+          </a:p>
+          <a:p>
+            <a:pPr marL="342900" lvl="0" indent="-342900" algn="l" rtl="0">
+              <a:spcBef>
+                <a:spcPts val="480"/>
+              </a:spcBef>
+              <a:spcAft>
+                <a:spcPts val="0"/>
+              </a:spcAft>
+              <a:buSzPts val="1200"/>
+              <a:buFontTx/>
+              <a:buChar char="-"/>
+            </a:pPr>
+            <a:r>
+              <a:rPr lang="en-US" dirty="0" smtClean="0"/>
+              <a:t>The product can be searched for and sorted by customers easily.</a:t>
+            </a:r>
+          </a:p>
+          <a:p>
+            <a:pPr marL="342900" lvl="0" indent="-342900">
+              <a:buFontTx/>
+              <a:buChar char="-"/>
             </a:pPr>
             <a:r>
               <a:rPr lang="en-US" dirty="0"/>
-              <a:t>- Can register/edit a member and manage personal account</a:t>
+              <a:t>After taking a reference of the product, the customer can buy the product with the cart function. </a:t>
             </a:r>
-            <a:endParaRPr dirty="0"/>
+            <a:endParaRPr lang="en-US" dirty="0" smtClean="0"/>
           </a:p>
           <a:p>
-            <a:pPr marL="0" lvl="0" indent="0" algn="l" rtl="0">
-              <a:spcBef>
-                <a:spcPts val="480"/>
-              </a:spcBef>
-              <a:spcAft>
-                <a:spcPts val="0"/>
-              </a:spcAft>
-              <a:buSzPts val="1200"/>
-              <a:buNone/>
+            <a:pPr marL="342900" lvl="0" indent="-342900">
+              <a:buFontTx/>
+              <a:buChar char="-"/>
             </a:pPr>
             <a:r>
-              <a:rPr lang="en-US" dirty="0"/>
-              <a:t>- Can view detail of product</a:t>
+              <a:rPr lang="en-US" dirty="0" smtClean="0"/>
+              <a:t>The cart function can order/cancel for a or many products.</a:t>
             </a:r>
-            <a:endParaRPr dirty="0"/>
           </a:p>
           <a:p>
-            <a:pPr marL="0" lvl="0" indent="0" algn="l" rtl="0">
-              <a:spcBef>
-                <a:spcPts val="480"/>
-              </a:spcBef>
-              <a:spcAft>
-                <a:spcPts val="0"/>
-              </a:spcAft>
-              <a:buSzPts val="1200"/>
-              <a:buNone/>
+            <a:pPr marL="342900" lvl="0" indent="-342900">
+              <a:buFontTx/>
+              <a:buChar char="-"/>
             </a:pPr>
             <a:r>
-              <a:rPr lang="en-US" dirty="0"/>
-              <a:t>- Can search products by name or by price, others</a:t>
+              <a:rPr lang="en-US" dirty="0" smtClean="0"/>
+              <a:t>The customer can view the detail of orders and order history.</a:t>
             </a:r>
-            <a:endParaRPr dirty="0"/>
           </a:p>
           <a:p>
-            <a:pPr marL="0" lvl="0" indent="0" algn="l" rtl="0">
-              <a:spcBef>
-                <a:spcPts val="480"/>
-              </a:spcBef>
-              <a:spcAft>
-                <a:spcPts val="0"/>
-              </a:spcAft>
-              <a:buSzPts val="1200"/>
-              <a:buNone/>
+            <a:pPr marL="342900" lvl="0" indent="-342900">
+              <a:buFontTx/>
+              <a:buChar char="-"/>
             </a:pPr>
             <a:r>
-              <a:rPr lang="en-US" dirty="0"/>
-              <a:t>- Can make feedback the product</a:t>
+              <a:rPr lang="en-US" dirty="0" smtClean="0"/>
+              <a:t>The customer can be made feedback for each ordered product.</a:t>
             </a:r>
-            <a:endParaRPr dirty="0"/>
           </a:p>
           <a:p>
-            <a:pPr marL="0" lvl="0" indent="0" algn="l" rtl="0">
-              <a:spcBef>
-                <a:spcPts val="480"/>
-              </a:spcBef>
-              <a:spcAft>
-                <a:spcPts val="0"/>
-              </a:spcAft>
-              <a:buSzPts val="1200"/>
-              <a:buNone/>
+            <a:pPr marL="342900" lvl="0" indent="-342900">
+              <a:buFontTx/>
+              <a:buChar char="-"/>
             </a:pPr>
             <a:r>
-              <a:rPr lang="en-US" dirty="0"/>
-              <a:t>- Can view their orders and order history </a:t>
+              <a:rPr lang="en-US" dirty="0" smtClean="0"/>
+              <a:t>Primary pages: Home, Furniture, About, Contact, Cart, Account..</a:t>
             </a:r>
-            <a:endParaRPr dirty="0"/>
           </a:p>
         </p:txBody>
       </p:sp>
@@ -8571,7 +10683,15 @@
             </a:pPr>
             <a:r>
               <a:rPr lang="en-US" dirty="0"/>
-              <a:t>Can add/view/edit Category</a:t>
+              <a:t>Can </a:t>
+            </a:r>
+            <a:r>
+              <a:rPr lang="en-US" dirty="0" smtClean="0"/>
+              <a:t>add/edit/delete </a:t>
+            </a:r>
+            <a:r>
+              <a:rPr lang="en-US" dirty="0"/>
+              <a:t>Category</a:t>
             </a:r>
           </a:p>
           <a:p>
@@ -8588,15 +10708,36 @@
             </a:pPr>
             <a:r>
               <a:rPr lang="en-US" dirty="0"/>
-              <a:t>Can add/view/edit/search/ active or </a:t>
+              <a:t>Can </a:t>
             </a:r>
             <a:r>
-              <a:rPr lang="en-US" dirty="0" err="1"/>
-              <a:t>inative</a:t>
+              <a:rPr lang="en-US" dirty="0" smtClean="0"/>
+              <a:t>add/edit/delete/search/change active </a:t>
             </a:r>
             <a:r>
               <a:rPr lang="en-US" dirty="0"/>
-              <a:t> products</a:t>
+              <a:t>or </a:t>
+            </a:r>
+            <a:r>
+              <a:rPr lang="en-US" dirty="0" smtClean="0"/>
+              <a:t>inactive products</a:t>
+            </a:r>
+          </a:p>
+          <a:p>
+            <a:pPr marL="342900" lvl="0" indent="-342900" algn="l" rtl="0">
+              <a:spcBef>
+                <a:spcPts val="480"/>
+              </a:spcBef>
+              <a:spcAft>
+                <a:spcPts val="0"/>
+              </a:spcAft>
+              <a:buSzPts val="1200"/>
+              <a:buFont typeface="Arial" panose="020B0604020202020204" pitchFamily="34" charset="0"/>
+              <a:buChar char="•"/>
+            </a:pPr>
+            <a:r>
+              <a:rPr lang="en-US" dirty="0" smtClean="0"/>
+              <a:t>Can add/edit/delete/search the picture of an individual product.</a:t>
             </a:r>
             <a:endParaRPr dirty="0"/>
           </a:p>
@@ -8614,8 +10755,17 @@
             </a:pPr>
             <a:r>
               <a:rPr lang="en-US" dirty="0"/>
-              <a:t>Can view all orders and change status orders</a:t>
+              <a:t>Can </a:t>
             </a:r>
+            <a:r>
+              <a:rPr lang="en-US" dirty="0" smtClean="0"/>
+              <a:t>view/approve </a:t>
+            </a:r>
+            <a:r>
+              <a:rPr lang="en-US" dirty="0"/>
+              <a:t>all orders </a:t>
+            </a:r>
+            <a:endParaRPr lang="en-US" dirty="0" smtClean="0"/>
           </a:p>
           <a:p>
             <a:pPr marL="342900" lvl="0" indent="-342900" algn="l" rtl="0">
@@ -8630,8 +10780,12 @@
               <a:buChar char="•"/>
             </a:pPr>
             <a:r>
+              <a:rPr lang="en-US" dirty="0" smtClean="0"/>
+              <a:t>Can </a:t>
+            </a:r>
+            <a:r>
               <a:rPr lang="en-US" dirty="0"/>
-              <a:t>Can add/view/edit slideshow pictures</a:t>
+              <a:t>add/view/edit slideshow pictures</a:t>
             </a:r>
           </a:p>
           <a:p>
@@ -8665,16 +10819,13 @@
             </a:pPr>
             <a:r>
               <a:rPr lang="en-US" dirty="0"/>
-              <a:t>Can view/active or </a:t>
+              <a:t>Can </a:t>
             </a:r>
             <a:r>
-              <a:rPr lang="en-US" dirty="0" err="1"/>
-              <a:t>inative</a:t>
+              <a:rPr lang="en-US" dirty="0" smtClean="0"/>
+              <a:t>view customer feedback.</a:t>
             </a:r>
-            <a:r>
-              <a:rPr lang="en-US" dirty="0"/>
-              <a:t> customer feedback</a:t>
-            </a:r>
+            <a:endParaRPr lang="en-US" dirty="0"/>
           </a:p>
           <a:p>
             <a:pPr marL="342900" lvl="0" indent="-342900" algn="l" rtl="0">
@@ -9096,14 +11247,14 @@
           <p:nvPr>
             <p:extLst>
               <p:ext uri="{D42A27DB-BD31-4B8C-83A1-F6EECF244321}">
-                <p14:modId xmlns:p14="http://schemas.microsoft.com/office/powerpoint/2010/main" val="328823338"/>
+                <p14:modId xmlns:p14="http://schemas.microsoft.com/office/powerpoint/2010/main" val="1861277397"/>
               </p:ext>
             </p:extLst>
           </p:nvPr>
         </p:nvGraphicFramePr>
         <p:xfrm>
           <a:off x="304800" y="914400"/>
-          <a:ext cx="8610575" cy="4211360"/>
+          <a:ext cx="8610575" cy="3937040"/>
         </p:xfrm>
         <a:graphic>
           <a:graphicData uri="http://schemas.openxmlformats.org/drawingml/2006/table">
@@ -9113,21 +11264,21 @@
                 <a:tableStyleId>{F4403D97-0999-4658-89BB-E200C791C0E6}</a:tableStyleId>
               </a:tblPr>
               <a:tblGrid>
-                <a:gridCol w="3202898">
+                <a:gridCol w="3592497">
                   <a:extLst>
                     <a:ext uri="{9D8B030D-6E8A-4147-A177-3AD203B41FA5}">
                       <a16:colId xmlns:a16="http://schemas.microsoft.com/office/drawing/2014/main" val="20000"/>
                     </a:ext>
                   </a:extLst>
                 </a:gridCol>
-                <a:gridCol w="1623402">
+                <a:gridCol w="1908699">
                   <a:extLst>
                     <a:ext uri="{9D8B030D-6E8A-4147-A177-3AD203B41FA5}">
                       <a16:colId xmlns:a16="http://schemas.microsoft.com/office/drawing/2014/main" val="20001"/>
                     </a:ext>
                   </a:extLst>
                 </a:gridCol>
-                <a:gridCol w="2468000">
+                <a:gridCol w="1793104">
                   <a:extLst>
                     <a:ext uri="{9D8B030D-6E8A-4147-A177-3AD203B41FA5}">
                       <a16:colId xmlns:a16="http://schemas.microsoft.com/office/drawing/2014/main" val="20002"/>
@@ -9396,7 +11547,7 @@
                         <a:buFont typeface="Arial"/>
                         <a:buNone/>
                       </a:pPr>
-                      <a:endParaRPr sz="1800" u="none" strike="noStrike" cap="none">
+                      <a:endParaRPr sz="1800" u="none" strike="noStrike" cap="none" dirty="0">
                         <a:latin typeface="Cambria" panose="02040503050406030204" pitchFamily="18" charset="0"/>
                         <a:ea typeface="Cambria" panose="02040503050406030204" pitchFamily="18" charset="0"/>
                       </a:endParaRPr>
@@ -9417,13 +11568,13 @@
                         <a:buNone/>
                       </a:pPr>
                       <a:r>
-                        <a:rPr lang="en-US" sz="1800" u="none" strike="noStrike" cap="none">
+                        <a:rPr lang="en-US" sz="1800" u="none" strike="noStrike" cap="none" dirty="0">
                           <a:latin typeface="Cambria" panose="02040503050406030204" pitchFamily="18" charset="0"/>
                           <a:ea typeface="Cambria" panose="02040503050406030204" pitchFamily="18" charset="0"/>
                         </a:rPr>
                         <a:t>Customer</a:t>
                       </a:r>
-                      <a:endParaRPr sz="1800" u="none" strike="noStrike" cap="none">
+                      <a:endParaRPr sz="1800" u="none" strike="noStrike" cap="none" dirty="0">
                         <a:latin typeface="Cambria" panose="02040503050406030204" pitchFamily="18" charset="0"/>
                         <a:ea typeface="Cambria" panose="02040503050406030204" pitchFamily="18" charset="0"/>
                       </a:endParaRPr>
@@ -9445,7 +11596,7 @@
                         </a:spcAft>
                         <a:buNone/>
                       </a:pPr>
-                      <a:endParaRPr sz="1800" u="none" strike="noStrike" cap="none">
+                      <a:endParaRPr sz="1800" u="none" strike="noStrike" cap="none" dirty="0">
                         <a:latin typeface="Cambria" panose="02040503050406030204" pitchFamily="18" charset="0"/>
                         <a:ea typeface="Cambria" panose="02040503050406030204" pitchFamily="18" charset="0"/>
                       </a:endParaRPr>
@@ -9461,13 +11612,13 @@
                         <a:buNone/>
                       </a:pPr>
                       <a:r>
-                        <a:rPr lang="en-US" sz="1800" u="none" strike="noStrike" cap="none">
+                        <a:rPr lang="en-US" sz="1800" u="none" strike="noStrike" cap="none" dirty="0">
                           <a:latin typeface="Cambria" panose="02040503050406030204" pitchFamily="18" charset="0"/>
                           <a:ea typeface="Cambria" panose="02040503050406030204" pitchFamily="18" charset="0"/>
                         </a:rPr>
                         <a:t>Guest</a:t>
                       </a:r>
-                      <a:endParaRPr sz="1800" u="none" strike="noStrike" cap="none">
+                      <a:endParaRPr sz="1800" u="none" strike="noStrike" cap="none" dirty="0">
                         <a:latin typeface="Cambria" panose="02040503050406030204" pitchFamily="18" charset="0"/>
                         <a:ea typeface="Cambria" panose="02040503050406030204" pitchFamily="18" charset="0"/>
                       </a:endParaRPr>
@@ -9550,7 +11701,21 @@
                           <a:latin typeface="Cambria" panose="02040503050406030204" pitchFamily="18" charset="0"/>
                           <a:ea typeface="Cambria" panose="02040503050406030204" pitchFamily="18" charset="0"/>
                         </a:rPr>
-                        <a:t>Search product by name</a:t>
+                        <a:t>Search product by </a:t>
+                      </a:r>
+                      <a:r>
+                        <a:rPr lang="en-US" sz="1800" u="none" strike="noStrike" cap="none" dirty="0" smtClean="0">
+                          <a:latin typeface="Cambria" panose="02040503050406030204" pitchFamily="18" charset="0"/>
+                          <a:ea typeface="Cambria" panose="02040503050406030204" pitchFamily="18" charset="0"/>
+                        </a:rPr>
+                        <a:t>name or</a:t>
+                      </a:r>
+                      <a:r>
+                        <a:rPr lang="en-US" sz="1800" u="none" strike="noStrike" cap="none" baseline="0" dirty="0" smtClean="0">
+                          <a:latin typeface="Cambria" panose="02040503050406030204" pitchFamily="18" charset="0"/>
+                          <a:ea typeface="Cambria" panose="02040503050406030204" pitchFamily="18" charset="0"/>
+                        </a:rPr>
+                        <a:t> others</a:t>
                       </a:r>
                       <a:endParaRPr dirty="0">
                         <a:latin typeface="Cambria" panose="02040503050406030204" pitchFamily="18" charset="0"/>
@@ -9606,11 +11771,25 @@
                         <a:buChar char="-"/>
                       </a:pPr>
                       <a:r>
+                        <a:rPr lang="en-US" sz="1800" u="none" strike="noStrike" cap="none" dirty="0" smtClean="0">
+                          <a:latin typeface="Cambria" panose="02040503050406030204" pitchFamily="18" charset="0"/>
+                          <a:ea typeface="Cambria" panose="02040503050406030204" pitchFamily="18" charset="0"/>
+                        </a:rPr>
+                        <a:t>Add product </a:t>
+                      </a:r>
+                      <a:r>
                         <a:rPr lang="en-US" sz="1800" u="none" strike="noStrike" cap="none" dirty="0">
                           <a:latin typeface="Cambria" panose="02040503050406030204" pitchFamily="18" charset="0"/>
                           <a:ea typeface="Cambria" panose="02040503050406030204" pitchFamily="18" charset="0"/>
                         </a:rPr>
-                        <a:t>Add to cart product</a:t>
+                        <a:t>to </a:t>
+                      </a:r>
+                      <a:r>
+                        <a:rPr lang="en-US" sz="1800" u="none" strike="noStrike" cap="none" dirty="0" smtClean="0">
+                          <a:latin typeface="Cambria" panose="02040503050406030204" pitchFamily="18" charset="0"/>
+                          <a:ea typeface="Cambria" panose="02040503050406030204" pitchFamily="18" charset="0"/>
+                        </a:rPr>
+                        <a:t>cart</a:t>
                       </a:r>
                       <a:endParaRPr sz="1800" u="none" strike="noStrike" cap="none" dirty="0">
                         <a:latin typeface="Cambria" panose="02040503050406030204" pitchFamily="18" charset="0"/>
@@ -9696,72 +11875,79 @@
                         <a:buNone/>
                       </a:pPr>
                       <a:r>
+                        <a:rPr lang="en-US" sz="1800" u="none" strike="noStrike" cap="none" dirty="0" smtClean="0">
+                          <a:latin typeface="Cambria" panose="02040503050406030204" pitchFamily="18" charset="0"/>
+                          <a:ea typeface="Cambria" panose="02040503050406030204" pitchFamily="18" charset="0"/>
+                        </a:rPr>
+                        <a:t>Category, Product, Order detail, Order</a:t>
+                      </a:r>
+                      <a:r>
+                        <a:rPr lang="en-US" sz="1800" u="none" strike="noStrike" cap="none" baseline="0" dirty="0" smtClean="0">
+                          <a:latin typeface="Cambria" panose="02040503050406030204" pitchFamily="18" charset="0"/>
+                          <a:ea typeface="Cambria" panose="02040503050406030204" pitchFamily="18" charset="0"/>
+                        </a:rPr>
+                        <a:t> Master</a:t>
+                      </a:r>
+                      <a:endParaRPr sz="1800" u="none" strike="noStrike" cap="none" dirty="0">
+                        <a:latin typeface="Cambria" panose="02040503050406030204" pitchFamily="18" charset="0"/>
+                        <a:ea typeface="Cambria" panose="02040503050406030204" pitchFamily="18" charset="0"/>
+                      </a:endParaRPr>
+                    </a:p>
+                  </a:txBody>
+                  <a:tcPr marL="91450" marR="91450" marT="45725" marB="45725"/>
+                </a:tc>
+                <a:tc>
+                  <a:txBody>
+                    <a:bodyPr/>
+                    <a:lstStyle/>
+                    <a:p>
+                      <a:pPr marL="0" marR="0" lvl="0" indent="0" algn="ctr" rtl="0">
+                        <a:spcBef>
+                          <a:spcPts val="0"/>
+                        </a:spcBef>
+                        <a:spcAft>
+                          <a:spcPts val="0"/>
+                        </a:spcAft>
+                        <a:buNone/>
+                      </a:pPr>
+                      <a:endParaRPr sz="1800" u="none" strike="noStrike" cap="none" dirty="0">
+                        <a:latin typeface="Cambria" panose="02040503050406030204" pitchFamily="18" charset="0"/>
+                        <a:ea typeface="Cambria" panose="02040503050406030204" pitchFamily="18" charset="0"/>
+                      </a:endParaRPr>
+                    </a:p>
+                    <a:p>
+                      <a:pPr marL="0" marR="0" lvl="0" indent="0" algn="ctr" rtl="0">
+                        <a:spcBef>
+                          <a:spcPts val="0"/>
+                        </a:spcBef>
+                        <a:spcAft>
+                          <a:spcPts val="0"/>
+                        </a:spcAft>
+                        <a:buNone/>
+                      </a:pPr>
+                      <a:endParaRPr sz="1800" u="none" strike="noStrike" cap="none" dirty="0">
+                        <a:latin typeface="Cambria" panose="02040503050406030204" pitchFamily="18" charset="0"/>
+                        <a:ea typeface="Cambria" panose="02040503050406030204" pitchFamily="18" charset="0"/>
+                      </a:endParaRPr>
+                    </a:p>
+                    <a:p>
+                      <a:pPr marL="0" marR="0" lvl="0" indent="0" algn="ctr" rtl="0">
+                        <a:spcBef>
+                          <a:spcPts val="0"/>
+                        </a:spcBef>
+                        <a:spcAft>
+                          <a:spcPts val="0"/>
+                        </a:spcAft>
+                        <a:buNone/>
+                      </a:pPr>
+                      <a:r>
                         <a:rPr lang="en-US" sz="1800" u="none" strike="noStrike" cap="none" dirty="0">
                           <a:latin typeface="Cambria" panose="02040503050406030204" pitchFamily="18" charset="0"/>
                           <a:ea typeface="Cambria" panose="02040503050406030204" pitchFamily="18" charset="0"/>
                         </a:rPr>
-                        <a:t>Product, Customer, Order</a:t>
+                        <a:t>Guest</a:t>
                       </a:r>
                       <a:endParaRPr sz="1800" u="none" strike="noStrike" cap="none" dirty="0">
-                        <a:latin typeface="Cambria" panose="02040503050406030204" pitchFamily="18" charset="0"/>
-                        <a:ea typeface="Cambria" panose="02040503050406030204" pitchFamily="18" charset="0"/>
-                      </a:endParaRPr>
-                    </a:p>
-                  </a:txBody>
-                  <a:tcPr marL="91450" marR="91450" marT="45725" marB="45725"/>
-                </a:tc>
-                <a:tc>
-                  <a:txBody>
-                    <a:bodyPr/>
-                    <a:lstStyle/>
-                    <a:p>
-                      <a:pPr marL="0" marR="0" lvl="0" indent="0" algn="ctr" rtl="0">
-                        <a:spcBef>
-                          <a:spcPts val="0"/>
-                        </a:spcBef>
-                        <a:spcAft>
-                          <a:spcPts val="0"/>
-                        </a:spcAft>
-                        <a:buNone/>
-                      </a:pPr>
-                      <a:endParaRPr sz="1800" u="none" strike="noStrike" cap="none">
-                        <a:latin typeface="Cambria" panose="02040503050406030204" pitchFamily="18" charset="0"/>
-                        <a:ea typeface="Cambria" panose="02040503050406030204" pitchFamily="18" charset="0"/>
-                      </a:endParaRPr>
-                    </a:p>
-                    <a:p>
-                      <a:pPr marL="0" marR="0" lvl="0" indent="0" algn="ctr" rtl="0">
-                        <a:spcBef>
-                          <a:spcPts val="0"/>
-                        </a:spcBef>
-                        <a:spcAft>
-                          <a:spcPts val="0"/>
-                        </a:spcAft>
-                        <a:buNone/>
-                      </a:pPr>
-                      <a:endParaRPr sz="1800" u="none" strike="noStrike" cap="none">
-                        <a:latin typeface="Cambria" panose="02040503050406030204" pitchFamily="18" charset="0"/>
-                        <a:ea typeface="Cambria" panose="02040503050406030204" pitchFamily="18" charset="0"/>
-                      </a:endParaRPr>
-                    </a:p>
-                    <a:p>
-                      <a:pPr marL="0" marR="0" lvl="0" indent="0" algn="ctr" rtl="0">
-                        <a:spcBef>
-                          <a:spcPts val="0"/>
-                        </a:spcBef>
-                        <a:spcAft>
-                          <a:spcPts val="0"/>
-                        </a:spcAft>
-                        <a:buNone/>
-                      </a:pPr>
-                      <a:r>
-                        <a:rPr lang="en-US" sz="1800" u="none" strike="noStrike" cap="none">
-                          <a:latin typeface="Cambria" panose="02040503050406030204" pitchFamily="18" charset="0"/>
-                          <a:ea typeface="Cambria" panose="02040503050406030204" pitchFamily="18" charset="0"/>
-                        </a:rPr>
-                        <a:t>Guest</a:t>
-                      </a:r>
-                      <a:endParaRPr sz="1800" u="none" strike="noStrike" cap="none">
                         <a:latin typeface="Cambria" panose="02040503050406030204" pitchFamily="18" charset="0"/>
                         <a:ea typeface="Cambria" panose="02040503050406030204" pitchFamily="18" charset="0"/>
                       </a:endParaRPr>
@@ -9897,43 +12083,20 @@
                         <a:buChar char="-"/>
                       </a:pPr>
                       <a:r>
-                        <a:rPr lang="en-US" sz="1800" u="none" strike="noStrike" cap="none" dirty="0">
+                        <a:rPr lang="en-US" sz="1800" u="none" strike="noStrike" cap="none" dirty="0" smtClean="0">
                           <a:latin typeface="Cambria" panose="02040503050406030204" pitchFamily="18" charset="0"/>
                           <a:ea typeface="Cambria" panose="02040503050406030204" pitchFamily="18" charset="0"/>
                         </a:rPr>
-                        <a:t>Feedback</a:t>
-                      </a:r>
-                      <a:endParaRPr dirty="0">
-                        <a:latin typeface="Cambria" panose="02040503050406030204" pitchFamily="18" charset="0"/>
-                        <a:ea typeface="Cambria" panose="02040503050406030204" pitchFamily="18" charset="0"/>
-                      </a:endParaRPr>
-                    </a:p>
-                    <a:p>
-                      <a:pPr marL="285750" marR="0" lvl="0" indent="-285750" algn="l" rtl="0">
-                        <a:lnSpc>
-                          <a:spcPct val="100000"/>
-                        </a:lnSpc>
-                        <a:spcBef>
-                          <a:spcPts val="0"/>
-                        </a:spcBef>
-                        <a:spcAft>
-                          <a:spcPts val="0"/>
-                        </a:spcAft>
-                        <a:buClr>
-                          <a:schemeClr val="dk1"/>
-                        </a:buClr>
-                        <a:buSzPts val="1800"/>
-                        <a:buFont typeface="Arial"/>
-                        <a:buChar char="-"/>
-                      </a:pPr>
-                      <a:r>
-                        <a:rPr lang="en-US" sz="1800" u="none" strike="noStrike" cap="none" dirty="0">
+                        <a:t>Add</a:t>
+                      </a:r>
+                      <a:r>
+                        <a:rPr lang="en-US" sz="1800" u="none" strike="noStrike" cap="none" baseline="0" dirty="0" smtClean="0">
                           <a:latin typeface="Cambria" panose="02040503050406030204" pitchFamily="18" charset="0"/>
                           <a:ea typeface="Cambria" panose="02040503050406030204" pitchFamily="18" charset="0"/>
                         </a:rPr>
-                        <a:t>View Order history</a:t>
-                      </a:r>
-                      <a:endParaRPr sz="1800" u="none" strike="noStrike" cap="none" dirty="0">
+                        <a:t> feedback</a:t>
+                      </a:r>
+                      <a:endParaRPr dirty="0">
                         <a:latin typeface="Cambria" panose="02040503050406030204" pitchFamily="18" charset="0"/>
                         <a:ea typeface="Cambria" panose="02040503050406030204" pitchFamily="18" charset="0"/>
                       </a:endParaRPr>
@@ -9963,7 +12126,7 @@
                         <a:buFont typeface="Arial"/>
                         <a:buNone/>
                       </a:pPr>
-                      <a:endParaRPr sz="1800" u="none" strike="noStrike" cap="none">
+                      <a:endParaRPr sz="1800" u="none" strike="noStrike" cap="none" dirty="0">
                         <a:latin typeface="Cambria" panose="02040503050406030204" pitchFamily="18" charset="0"/>
                         <a:ea typeface="Cambria" panose="02040503050406030204" pitchFamily="18" charset="0"/>
                       </a:endParaRPr>
@@ -9987,13 +12150,13 @@
                         <a:buNone/>
                       </a:pPr>
                       <a:r>
-                        <a:rPr lang="en-US" sz="1800" u="none" strike="noStrike" cap="none">
+                        <a:rPr lang="en-US" sz="1800" u="none" strike="noStrike" cap="none" dirty="0" smtClean="0">
                           <a:latin typeface="Cambria" panose="02040503050406030204" pitchFamily="18" charset="0"/>
                           <a:ea typeface="Cambria" panose="02040503050406030204" pitchFamily="18" charset="0"/>
                         </a:rPr>
-                        <a:t>Product, Customer, Order</a:t>
-                      </a:r>
-                      <a:endParaRPr sz="1800" u="none" strike="noStrike" cap="none">
+                        <a:t>Feedback</a:t>
+                      </a:r>
+                      <a:endParaRPr sz="1800" u="none" strike="noStrike" cap="none" dirty="0">
                         <a:latin typeface="Cambria" panose="02040503050406030204" pitchFamily="18" charset="0"/>
                         <a:ea typeface="Cambria" panose="02040503050406030204" pitchFamily="18" charset="0"/>
                       </a:endParaRPr>
@@ -10016,7 +12179,7 @@
                         <a:buFont typeface="Arial"/>
                         <a:buNone/>
                       </a:pPr>
-                      <a:endParaRPr sz="1800" u="none" strike="noStrike" cap="none">
+                      <a:endParaRPr sz="1800" u="none" strike="noStrike" cap="none" dirty="0">
                         <a:latin typeface="Cambria" panose="02040503050406030204" pitchFamily="18" charset="0"/>
                         <a:ea typeface="Cambria" panose="02040503050406030204" pitchFamily="18" charset="0"/>
                       </a:endParaRPr>
@@ -10161,7 +12324,7 @@
               <a:buNone/>
             </a:pPr>
             <a:r>
-              <a:rPr lang="en-US" sz="2800">
+              <a:rPr lang="en-US" sz="2800" dirty="0">
                 <a:latin typeface="Times New Roman"/>
                 <a:ea typeface="Times New Roman"/>
                 <a:cs typeface="Times New Roman"/>
@@ -10170,15 +12333,24 @@
               <a:t>    	</a:t>
             </a:r>
             <a:r>
-              <a:rPr lang="en-US" sz="3200">
+              <a:rPr lang="en-US" sz="3200" dirty="0">
                 <a:latin typeface="Times New Roman"/>
                 <a:ea typeface="Times New Roman"/>
                 <a:cs typeface="Times New Roman"/>
                 <a:sym typeface="Times New Roman"/>
               </a:rPr>
-              <a:t>Test Result</a:t>
+              <a:t>Test </a:t>
             </a:r>
-            <a:endParaRPr sz="3200">
+            <a:r>
+              <a:rPr lang="en-US" sz="3200" dirty="0" smtClean="0">
+                <a:latin typeface="Times New Roman"/>
+                <a:ea typeface="Times New Roman"/>
+                <a:cs typeface="Times New Roman"/>
+                <a:sym typeface="Times New Roman"/>
+              </a:rPr>
+              <a:t>Result For User</a:t>
+            </a:r>
+            <a:endParaRPr sz="3200" dirty="0">
               <a:latin typeface="Times New Roman"/>
               <a:ea typeface="Times New Roman"/>
               <a:cs typeface="Times New Roman"/>
@@ -10300,7 +12472,7 @@
               <a:buNone/>
             </a:pPr>
             <a:r>
-              <a:rPr lang="en-US" sz="2800">
+              <a:rPr lang="en-US" sz="2800" dirty="0">
                 <a:latin typeface="Times New Roman"/>
                 <a:ea typeface="Times New Roman"/>
                 <a:cs typeface="Times New Roman"/>
@@ -10309,15 +12481,24 @@
               <a:t>    	</a:t>
             </a:r>
             <a:r>
-              <a:rPr lang="en-US" sz="3200">
+              <a:rPr lang="en-US" sz="3200" dirty="0">
                 <a:latin typeface="Times New Roman"/>
                 <a:ea typeface="Times New Roman"/>
                 <a:cs typeface="Times New Roman"/>
                 <a:sym typeface="Times New Roman"/>
               </a:rPr>
-              <a:t>Test Result</a:t>
+              <a:t>Test </a:t>
             </a:r>
-            <a:endParaRPr sz="3200">
+            <a:r>
+              <a:rPr lang="en-US" sz="3200" dirty="0" smtClean="0">
+                <a:latin typeface="Times New Roman"/>
+                <a:ea typeface="Times New Roman"/>
+                <a:cs typeface="Times New Roman"/>
+                <a:sym typeface="Times New Roman"/>
+              </a:rPr>
+              <a:t>Result For Admin</a:t>
+            </a:r>
+            <a:endParaRPr sz="3200" dirty="0">
               <a:latin typeface="Times New Roman"/>
               <a:ea typeface="Times New Roman"/>
               <a:cs typeface="Times New Roman"/>
@@ -10341,7 +12522,7 @@
           <p:nvPr>
             <p:extLst>
               <p:ext uri="{D42A27DB-BD31-4B8C-83A1-F6EECF244321}">
-                <p14:modId xmlns:p14="http://schemas.microsoft.com/office/powerpoint/2010/main" val="4160978811"/>
+                <p14:modId xmlns:p14="http://schemas.microsoft.com/office/powerpoint/2010/main" val="2388956341"/>
               </p:ext>
             </p:extLst>
           </p:nvPr>
@@ -10403,6 +12584,8 @@
                       <a:r>
                         <a:rPr lang="en-US" sz="1600" b="1" u="none" strike="noStrike" dirty="0">
                           <a:effectLst/>
+                          <a:latin typeface="Cambria" panose="02040503050406030204" pitchFamily="18" charset="0"/>
+                          <a:ea typeface="Cambria" panose="02040503050406030204" pitchFamily="18" charset="0"/>
                         </a:rPr>
                         <a:t>No</a:t>
                       </a:r>
@@ -10412,6 +12595,7 @@
                         </a:solidFill>
                         <a:effectLst/>
                         <a:latin typeface="Cambria" panose="02040503050406030204" pitchFamily="18" charset="0"/>
+                        <a:ea typeface="Cambria" panose="02040503050406030204" pitchFamily="18" charset="0"/>
                       </a:endParaRPr>
                     </a:p>
                   </a:txBody>
@@ -10426,6 +12610,8 @@
                       <a:r>
                         <a:rPr lang="en-US" sz="1600" b="1" u="none" strike="noStrike" dirty="0">
                           <a:effectLst/>
+                          <a:latin typeface="Cambria" panose="02040503050406030204" pitchFamily="18" charset="0"/>
+                          <a:ea typeface="Cambria" panose="02040503050406030204" pitchFamily="18" charset="0"/>
                         </a:rPr>
                         <a:t>Functional</a:t>
                       </a:r>
@@ -10435,6 +12621,7 @@
                         </a:solidFill>
                         <a:effectLst/>
                         <a:latin typeface="Cambria" panose="02040503050406030204" pitchFamily="18" charset="0"/>
+                        <a:ea typeface="Cambria" panose="02040503050406030204" pitchFamily="18" charset="0"/>
                       </a:endParaRPr>
                     </a:p>
                   </a:txBody>
@@ -10449,6 +12636,8 @@
                       <a:r>
                         <a:rPr lang="en-US" sz="1600" b="1" u="none" strike="noStrike" dirty="0">
                           <a:effectLst/>
+                          <a:latin typeface="Cambria" panose="02040503050406030204" pitchFamily="18" charset="0"/>
+                          <a:ea typeface="Cambria" panose="02040503050406030204" pitchFamily="18" charset="0"/>
                         </a:rPr>
                         <a:t>Table</a:t>
                       </a:r>
@@ -10458,6 +12647,7 @@
                         </a:solidFill>
                         <a:effectLst/>
                         <a:latin typeface="Cambria" panose="02040503050406030204" pitchFamily="18" charset="0"/>
+                        <a:ea typeface="Cambria" panose="02040503050406030204" pitchFamily="18" charset="0"/>
                       </a:endParaRPr>
                     </a:p>
                   </a:txBody>
@@ -10472,6 +12662,8 @@
                       <a:r>
                         <a:rPr lang="en-US" sz="1600" b="1" u="none" strike="noStrike" dirty="0">
                           <a:effectLst/>
+                          <a:latin typeface="Cambria" panose="02040503050406030204" pitchFamily="18" charset="0"/>
+                          <a:ea typeface="Cambria" panose="02040503050406030204" pitchFamily="18" charset="0"/>
                         </a:rPr>
                         <a:t>Actor</a:t>
                       </a:r>
@@ -10481,6 +12673,7 @@
                         </a:solidFill>
                         <a:effectLst/>
                         <a:latin typeface="Cambria" panose="02040503050406030204" pitchFamily="18" charset="0"/>
+                        <a:ea typeface="Cambria" panose="02040503050406030204" pitchFamily="18" charset="0"/>
                       </a:endParaRPr>
                     </a:p>
                   </a:txBody>
@@ -10495,6 +12688,8 @@
                       <a:r>
                         <a:rPr lang="en-US" sz="1600" b="1" u="none" strike="noStrike" dirty="0">
                           <a:effectLst/>
+                          <a:latin typeface="Cambria" panose="02040503050406030204" pitchFamily="18" charset="0"/>
+                          <a:ea typeface="Cambria" panose="02040503050406030204" pitchFamily="18" charset="0"/>
                         </a:rPr>
                         <a:t>Status</a:t>
                       </a:r>
@@ -10504,6 +12699,7 @@
                         </a:solidFill>
                         <a:effectLst/>
                         <a:latin typeface="Cambria" panose="02040503050406030204" pitchFamily="18" charset="0"/>
+                        <a:ea typeface="Cambria" panose="02040503050406030204" pitchFamily="18" charset="0"/>
                       </a:endParaRPr>
                     </a:p>
                   </a:txBody>
@@ -10525,6 +12721,8 @@
                       <a:r>
                         <a:rPr lang="en-US" sz="1300" u="none" strike="noStrike" dirty="0">
                           <a:effectLst/>
+                          <a:latin typeface="Cambria" panose="02040503050406030204" pitchFamily="18" charset="0"/>
+                          <a:ea typeface="Cambria" panose="02040503050406030204" pitchFamily="18" charset="0"/>
                         </a:rPr>
                         <a:t>1</a:t>
                       </a:r>
@@ -10534,6 +12732,7 @@
                         </a:solidFill>
                         <a:effectLst/>
                         <a:latin typeface="Cambria" panose="02040503050406030204" pitchFamily="18" charset="0"/>
+                        <a:ea typeface="Cambria" panose="02040503050406030204" pitchFamily="18" charset="0"/>
                       </a:endParaRPr>
                     </a:p>
                   </a:txBody>
@@ -10548,6 +12747,8 @@
                       <a:r>
                         <a:rPr lang="en-US" sz="1300" u="none" strike="noStrike">
                           <a:effectLst/>
+                          <a:latin typeface="Cambria" panose="02040503050406030204" pitchFamily="18" charset="0"/>
+                          <a:ea typeface="Cambria" panose="02040503050406030204" pitchFamily="18" charset="0"/>
                         </a:rPr>
                         <a:t>Category Management</a:t>
                       </a:r>
@@ -10557,6 +12758,7 @@
                         </a:solidFill>
                         <a:effectLst/>
                         <a:latin typeface="Cambria" panose="02040503050406030204" pitchFamily="18" charset="0"/>
+                        <a:ea typeface="Cambria" panose="02040503050406030204" pitchFamily="18" charset="0"/>
                       </a:endParaRPr>
                     </a:p>
                   </a:txBody>
@@ -10571,6 +12773,8 @@
                       <a:r>
                         <a:rPr lang="en-US" sz="1300" u="none" strike="noStrike">
                           <a:effectLst/>
+                          <a:latin typeface="Cambria" panose="02040503050406030204" pitchFamily="18" charset="0"/>
+                          <a:ea typeface="Cambria" panose="02040503050406030204" pitchFamily="18" charset="0"/>
                         </a:rPr>
                         <a:t>Category</a:t>
                       </a:r>
@@ -10580,6 +12784,7 @@
                         </a:solidFill>
                         <a:effectLst/>
                         <a:latin typeface="Cambria" panose="02040503050406030204" pitchFamily="18" charset="0"/>
+                        <a:ea typeface="Cambria" panose="02040503050406030204" pitchFamily="18" charset="0"/>
                       </a:endParaRPr>
                     </a:p>
                   </a:txBody>
@@ -10594,6 +12799,8 @@
                       <a:r>
                         <a:rPr lang="en-US" sz="1300" u="none" strike="noStrike">
                           <a:effectLst/>
+                          <a:latin typeface="Cambria" panose="02040503050406030204" pitchFamily="18" charset="0"/>
+                          <a:ea typeface="Cambria" panose="02040503050406030204" pitchFamily="18" charset="0"/>
                         </a:rPr>
                         <a:t>Admin</a:t>
                       </a:r>
@@ -10603,6 +12810,7 @@
                         </a:solidFill>
                         <a:effectLst/>
                         <a:latin typeface="Cambria" panose="02040503050406030204" pitchFamily="18" charset="0"/>
+                        <a:ea typeface="Cambria" panose="02040503050406030204" pitchFamily="18" charset="0"/>
                       </a:endParaRPr>
                     </a:p>
                   </a:txBody>
@@ -10617,6 +12825,8 @@
                       <a:r>
                         <a:rPr lang="en-US" sz="1300" u="none" strike="noStrike">
                           <a:effectLst/>
+                          <a:latin typeface="Cambria" panose="02040503050406030204" pitchFamily="18" charset="0"/>
+                          <a:ea typeface="Cambria" panose="02040503050406030204" pitchFamily="18" charset="0"/>
                         </a:rPr>
                         <a:t>Done</a:t>
                       </a:r>
@@ -10626,6 +12836,7 @@
                         </a:solidFill>
                         <a:effectLst/>
                         <a:latin typeface="Cambria" panose="02040503050406030204" pitchFamily="18" charset="0"/>
+                        <a:ea typeface="Cambria" panose="02040503050406030204" pitchFamily="18" charset="0"/>
                       </a:endParaRPr>
                     </a:p>
                   </a:txBody>
@@ -10647,6 +12858,8 @@
                       <a:r>
                         <a:rPr lang="en-US" sz="1300" u="none" strike="noStrike">
                           <a:effectLst/>
+                          <a:latin typeface="Cambria" panose="02040503050406030204" pitchFamily="18" charset="0"/>
+                          <a:ea typeface="Cambria" panose="02040503050406030204" pitchFamily="18" charset="0"/>
                         </a:rPr>
                         <a:t>2</a:t>
                       </a:r>
@@ -10656,6 +12869,7 @@
                         </a:solidFill>
                         <a:effectLst/>
                         <a:latin typeface="Cambria" panose="02040503050406030204" pitchFamily="18" charset="0"/>
+                        <a:ea typeface="Cambria" panose="02040503050406030204" pitchFamily="18" charset="0"/>
                       </a:endParaRPr>
                     </a:p>
                   </a:txBody>
@@ -10670,6 +12884,8 @@
                       <a:r>
                         <a:rPr lang="en-US" sz="1300" u="none" strike="noStrike" dirty="0">
                           <a:effectLst/>
+                          <a:latin typeface="Cambria" panose="02040503050406030204" pitchFamily="18" charset="0"/>
+                          <a:ea typeface="Cambria" panose="02040503050406030204" pitchFamily="18" charset="0"/>
                         </a:rPr>
                         <a:t>Product Management</a:t>
                       </a:r>
@@ -10679,6 +12895,7 @@
                         </a:solidFill>
                         <a:effectLst/>
                         <a:latin typeface="Cambria" panose="02040503050406030204" pitchFamily="18" charset="0"/>
+                        <a:ea typeface="Cambria" panose="02040503050406030204" pitchFamily="18" charset="0"/>
                       </a:endParaRPr>
                     </a:p>
                   </a:txBody>
@@ -10693,6 +12910,8 @@
                       <a:r>
                         <a:rPr lang="en-US" sz="1300" u="none" strike="noStrike">
                           <a:effectLst/>
+                          <a:latin typeface="Cambria" panose="02040503050406030204" pitchFamily="18" charset="0"/>
+                          <a:ea typeface="Cambria" panose="02040503050406030204" pitchFamily="18" charset="0"/>
                         </a:rPr>
                         <a:t>Product</a:t>
                       </a:r>
@@ -10702,6 +12921,7 @@
                         </a:solidFill>
                         <a:effectLst/>
                         <a:latin typeface="Cambria" panose="02040503050406030204" pitchFamily="18" charset="0"/>
+                        <a:ea typeface="Cambria" panose="02040503050406030204" pitchFamily="18" charset="0"/>
                       </a:endParaRPr>
                     </a:p>
                   </a:txBody>
@@ -10716,6 +12936,8 @@
                       <a:r>
                         <a:rPr lang="en-US" sz="1300" u="none" strike="noStrike">
                           <a:effectLst/>
+                          <a:latin typeface="Cambria" panose="02040503050406030204" pitchFamily="18" charset="0"/>
+                          <a:ea typeface="Cambria" panose="02040503050406030204" pitchFamily="18" charset="0"/>
                         </a:rPr>
                         <a:t>Admin</a:t>
                       </a:r>
@@ -10725,6 +12947,7 @@
                         </a:solidFill>
                         <a:effectLst/>
                         <a:latin typeface="Cambria" panose="02040503050406030204" pitchFamily="18" charset="0"/>
+                        <a:ea typeface="Cambria" panose="02040503050406030204" pitchFamily="18" charset="0"/>
                       </a:endParaRPr>
                     </a:p>
                   </a:txBody>
@@ -10739,6 +12962,8 @@
                       <a:r>
                         <a:rPr lang="en-US" sz="1300" u="none" strike="noStrike">
                           <a:effectLst/>
+                          <a:latin typeface="Cambria" panose="02040503050406030204" pitchFamily="18" charset="0"/>
+                          <a:ea typeface="Cambria" panose="02040503050406030204" pitchFamily="18" charset="0"/>
                         </a:rPr>
                         <a:t>Done</a:t>
                       </a:r>
@@ -10748,6 +12973,7 @@
                         </a:solidFill>
                         <a:effectLst/>
                         <a:latin typeface="Cambria" panose="02040503050406030204" pitchFamily="18" charset="0"/>
+                        <a:ea typeface="Cambria" panose="02040503050406030204" pitchFamily="18" charset="0"/>
                       </a:endParaRPr>
                     </a:p>
                   </a:txBody>
@@ -10769,6 +12995,8 @@
                       <a:r>
                         <a:rPr lang="en-US" sz="1300" u="none" strike="noStrike">
                           <a:effectLst/>
+                          <a:latin typeface="Cambria" panose="02040503050406030204" pitchFamily="18" charset="0"/>
+                          <a:ea typeface="Cambria" panose="02040503050406030204" pitchFamily="18" charset="0"/>
                         </a:rPr>
                         <a:t>3</a:t>
                       </a:r>
@@ -10778,6 +13006,7 @@
                         </a:solidFill>
                         <a:effectLst/>
                         <a:latin typeface="Cambria" panose="02040503050406030204" pitchFamily="18" charset="0"/>
+                        <a:ea typeface="Cambria" panose="02040503050406030204" pitchFamily="18" charset="0"/>
                       </a:endParaRPr>
                     </a:p>
                   </a:txBody>
@@ -10792,6 +13021,8 @@
                       <a:r>
                         <a:rPr lang="en-US" sz="1300" u="none" strike="noStrike">
                           <a:effectLst/>
+                          <a:latin typeface="Cambria" panose="02040503050406030204" pitchFamily="18" charset="0"/>
+                          <a:ea typeface="Cambria" panose="02040503050406030204" pitchFamily="18" charset="0"/>
                         </a:rPr>
                         <a:t>Product Thumb</a:t>
                       </a:r>
@@ -10801,6 +13032,7 @@
                         </a:solidFill>
                         <a:effectLst/>
                         <a:latin typeface="Cambria" panose="02040503050406030204" pitchFamily="18" charset="0"/>
+                        <a:ea typeface="Cambria" panose="02040503050406030204" pitchFamily="18" charset="0"/>
                       </a:endParaRPr>
                     </a:p>
                   </a:txBody>
@@ -10815,6 +13047,8 @@
                       <a:r>
                         <a:rPr lang="en-US" sz="1300" u="none" strike="noStrike">
                           <a:effectLst/>
+                          <a:latin typeface="Cambria" panose="02040503050406030204" pitchFamily="18" charset="0"/>
+                          <a:ea typeface="Cambria" panose="02040503050406030204" pitchFamily="18" charset="0"/>
                         </a:rPr>
                         <a:t>Product</a:t>
                       </a:r>
@@ -10824,6 +13058,7 @@
                         </a:solidFill>
                         <a:effectLst/>
                         <a:latin typeface="Cambria" panose="02040503050406030204" pitchFamily="18" charset="0"/>
+                        <a:ea typeface="Cambria" panose="02040503050406030204" pitchFamily="18" charset="0"/>
                       </a:endParaRPr>
                     </a:p>
                   </a:txBody>
@@ -10838,6 +13073,8 @@
                       <a:r>
                         <a:rPr lang="en-US" sz="1300" u="none" strike="noStrike">
                           <a:effectLst/>
+                          <a:latin typeface="Cambria" panose="02040503050406030204" pitchFamily="18" charset="0"/>
+                          <a:ea typeface="Cambria" panose="02040503050406030204" pitchFamily="18" charset="0"/>
                         </a:rPr>
                         <a:t>Admin</a:t>
                       </a:r>
@@ -10847,6 +13084,7 @@
                         </a:solidFill>
                         <a:effectLst/>
                         <a:latin typeface="Cambria" panose="02040503050406030204" pitchFamily="18" charset="0"/>
+                        <a:ea typeface="Cambria" panose="02040503050406030204" pitchFamily="18" charset="0"/>
                       </a:endParaRPr>
                     </a:p>
                   </a:txBody>
@@ -10861,6 +13099,8 @@
                       <a:r>
                         <a:rPr lang="en-US" sz="1300" u="none" strike="noStrike">
                           <a:effectLst/>
+                          <a:latin typeface="Cambria" panose="02040503050406030204" pitchFamily="18" charset="0"/>
+                          <a:ea typeface="Cambria" panose="02040503050406030204" pitchFamily="18" charset="0"/>
                         </a:rPr>
                         <a:t>Done</a:t>
                       </a:r>
@@ -10870,6 +13110,7 @@
                         </a:solidFill>
                         <a:effectLst/>
                         <a:latin typeface="Cambria" panose="02040503050406030204" pitchFamily="18" charset="0"/>
+                        <a:ea typeface="Cambria" panose="02040503050406030204" pitchFamily="18" charset="0"/>
                       </a:endParaRPr>
                     </a:p>
                   </a:txBody>
@@ -10891,6 +13132,8 @@
                       <a:r>
                         <a:rPr lang="en-US" sz="1300" u="none" strike="noStrike">
                           <a:effectLst/>
+                          <a:latin typeface="Cambria" panose="02040503050406030204" pitchFamily="18" charset="0"/>
+                          <a:ea typeface="Cambria" panose="02040503050406030204" pitchFamily="18" charset="0"/>
                         </a:rPr>
                         <a:t>4</a:t>
                       </a:r>
@@ -10900,6 +13143,7 @@
                         </a:solidFill>
                         <a:effectLst/>
                         <a:latin typeface="Cambria" panose="02040503050406030204" pitchFamily="18" charset="0"/>
+                        <a:ea typeface="Cambria" panose="02040503050406030204" pitchFamily="18" charset="0"/>
                       </a:endParaRPr>
                     </a:p>
                   </a:txBody>
@@ -10914,6 +13158,8 @@
                       <a:r>
                         <a:rPr lang="en-US" sz="1300" u="none" strike="noStrike">
                           <a:effectLst/>
+                          <a:latin typeface="Cambria" panose="02040503050406030204" pitchFamily="18" charset="0"/>
+                          <a:ea typeface="Cambria" panose="02040503050406030204" pitchFamily="18" charset="0"/>
                         </a:rPr>
                         <a:t>Customer Management</a:t>
                       </a:r>
@@ -10923,6 +13169,7 @@
                         </a:solidFill>
                         <a:effectLst/>
                         <a:latin typeface="Cambria" panose="02040503050406030204" pitchFamily="18" charset="0"/>
+                        <a:ea typeface="Cambria" panose="02040503050406030204" pitchFamily="18" charset="0"/>
                       </a:endParaRPr>
                     </a:p>
                   </a:txBody>
@@ -10937,6 +13184,8 @@
                       <a:r>
                         <a:rPr lang="en-US" sz="1300" u="none" strike="noStrike" dirty="0">
                           <a:effectLst/>
+                          <a:latin typeface="Cambria" panose="02040503050406030204" pitchFamily="18" charset="0"/>
+                          <a:ea typeface="Cambria" panose="02040503050406030204" pitchFamily="18" charset="0"/>
                         </a:rPr>
                         <a:t>Customer</a:t>
                       </a:r>
@@ -10946,6 +13195,7 @@
                         </a:solidFill>
                         <a:effectLst/>
                         <a:latin typeface="Cambria" panose="02040503050406030204" pitchFamily="18" charset="0"/>
+                        <a:ea typeface="Cambria" panose="02040503050406030204" pitchFamily="18" charset="0"/>
                       </a:endParaRPr>
                     </a:p>
                   </a:txBody>
@@ -10960,6 +13210,8 @@
                       <a:r>
                         <a:rPr lang="en-US" sz="1300" u="none" strike="noStrike">
                           <a:effectLst/>
+                          <a:latin typeface="Cambria" panose="02040503050406030204" pitchFamily="18" charset="0"/>
+                          <a:ea typeface="Cambria" panose="02040503050406030204" pitchFamily="18" charset="0"/>
                         </a:rPr>
                         <a:t>Admin</a:t>
                       </a:r>
@@ -10969,6 +13221,7 @@
                         </a:solidFill>
                         <a:effectLst/>
                         <a:latin typeface="Cambria" panose="02040503050406030204" pitchFamily="18" charset="0"/>
+                        <a:ea typeface="Cambria" panose="02040503050406030204" pitchFamily="18" charset="0"/>
                       </a:endParaRPr>
                     </a:p>
                   </a:txBody>
@@ -10983,6 +13236,8 @@
                       <a:r>
                         <a:rPr lang="en-US" sz="1300" u="none" strike="noStrike">
                           <a:effectLst/>
+                          <a:latin typeface="Cambria" panose="02040503050406030204" pitchFamily="18" charset="0"/>
+                          <a:ea typeface="Cambria" panose="02040503050406030204" pitchFamily="18" charset="0"/>
                         </a:rPr>
                         <a:t>Done</a:t>
                       </a:r>
@@ -10992,6 +13247,7 @@
                         </a:solidFill>
                         <a:effectLst/>
                         <a:latin typeface="Cambria" panose="02040503050406030204" pitchFamily="18" charset="0"/>
+                        <a:ea typeface="Cambria" panose="02040503050406030204" pitchFamily="18" charset="0"/>
                       </a:endParaRPr>
                     </a:p>
                   </a:txBody>
@@ -11013,6 +13269,8 @@
                       <a:r>
                         <a:rPr lang="en-US" sz="1300" u="none" strike="noStrike">
                           <a:effectLst/>
+                          <a:latin typeface="Cambria" panose="02040503050406030204" pitchFamily="18" charset="0"/>
+                          <a:ea typeface="Cambria" panose="02040503050406030204" pitchFamily="18" charset="0"/>
                         </a:rPr>
                         <a:t>5</a:t>
                       </a:r>
@@ -11022,6 +13280,7 @@
                         </a:solidFill>
                         <a:effectLst/>
                         <a:latin typeface="Cambria" panose="02040503050406030204" pitchFamily="18" charset="0"/>
+                        <a:ea typeface="Cambria" panose="02040503050406030204" pitchFamily="18" charset="0"/>
                       </a:endParaRPr>
                     </a:p>
                   </a:txBody>
@@ -11036,6 +13295,8 @@
                       <a:r>
                         <a:rPr lang="en-US" sz="1300" u="none" strike="noStrike">
                           <a:effectLst/>
+                          <a:latin typeface="Cambria" panose="02040503050406030204" pitchFamily="18" charset="0"/>
+                          <a:ea typeface="Cambria" panose="02040503050406030204" pitchFamily="18" charset="0"/>
                         </a:rPr>
                         <a:t>Slides</a:t>
                       </a:r>
@@ -11045,6 +13306,7 @@
                         </a:solidFill>
                         <a:effectLst/>
                         <a:latin typeface="Cambria" panose="02040503050406030204" pitchFamily="18" charset="0"/>
+                        <a:ea typeface="Cambria" panose="02040503050406030204" pitchFamily="18" charset="0"/>
                       </a:endParaRPr>
                     </a:p>
                   </a:txBody>
@@ -11059,6 +13321,8 @@
                       <a:r>
                         <a:rPr lang="en-US" sz="1300" u="none" strike="noStrike">
                           <a:effectLst/>
+                          <a:latin typeface="Cambria" panose="02040503050406030204" pitchFamily="18" charset="0"/>
+                          <a:ea typeface="Cambria" panose="02040503050406030204" pitchFamily="18" charset="0"/>
                         </a:rPr>
                         <a:t>Slide Show</a:t>
                       </a:r>
@@ -11068,6 +13332,7 @@
                         </a:solidFill>
                         <a:effectLst/>
                         <a:latin typeface="Cambria" panose="02040503050406030204" pitchFamily="18" charset="0"/>
+                        <a:ea typeface="Cambria" panose="02040503050406030204" pitchFamily="18" charset="0"/>
                       </a:endParaRPr>
                     </a:p>
                   </a:txBody>
@@ -11082,6 +13347,8 @@
                       <a:r>
                         <a:rPr lang="en-US" sz="1300" u="none" strike="noStrike">
                           <a:effectLst/>
+                          <a:latin typeface="Cambria" panose="02040503050406030204" pitchFamily="18" charset="0"/>
+                          <a:ea typeface="Cambria" panose="02040503050406030204" pitchFamily="18" charset="0"/>
                         </a:rPr>
                         <a:t>Admin</a:t>
                       </a:r>
@@ -11091,6 +13358,7 @@
                         </a:solidFill>
                         <a:effectLst/>
                         <a:latin typeface="Cambria" panose="02040503050406030204" pitchFamily="18" charset="0"/>
+                        <a:ea typeface="Cambria" panose="02040503050406030204" pitchFamily="18" charset="0"/>
                       </a:endParaRPr>
                     </a:p>
                   </a:txBody>
@@ -11105,6 +13373,8 @@
                       <a:r>
                         <a:rPr lang="en-US" sz="1300" u="none" strike="noStrike">
                           <a:effectLst/>
+                          <a:latin typeface="Cambria" panose="02040503050406030204" pitchFamily="18" charset="0"/>
+                          <a:ea typeface="Cambria" panose="02040503050406030204" pitchFamily="18" charset="0"/>
                         </a:rPr>
                         <a:t>Done</a:t>
                       </a:r>
@@ -11114,6 +13384,7 @@
                         </a:solidFill>
                         <a:effectLst/>
                         <a:latin typeface="Cambria" panose="02040503050406030204" pitchFamily="18" charset="0"/>
+                        <a:ea typeface="Cambria" panose="02040503050406030204" pitchFamily="18" charset="0"/>
                       </a:endParaRPr>
                     </a:p>
                   </a:txBody>
@@ -11135,6 +13406,8 @@
                       <a:r>
                         <a:rPr lang="en-US" sz="1300" u="none" strike="noStrike">
                           <a:effectLst/>
+                          <a:latin typeface="Cambria" panose="02040503050406030204" pitchFamily="18" charset="0"/>
+                          <a:ea typeface="Cambria" panose="02040503050406030204" pitchFamily="18" charset="0"/>
                         </a:rPr>
                         <a:t>6</a:t>
                       </a:r>
@@ -11144,6 +13417,7 @@
                         </a:solidFill>
                         <a:effectLst/>
                         <a:latin typeface="Cambria" panose="02040503050406030204" pitchFamily="18" charset="0"/>
+                        <a:ea typeface="Cambria" panose="02040503050406030204" pitchFamily="18" charset="0"/>
                       </a:endParaRPr>
                     </a:p>
                   </a:txBody>
@@ -11169,6 +13443,7 @@
                           </a:solidFill>
                           <a:effectLst/>
                           <a:latin typeface="Cambria" panose="02040503050406030204" pitchFamily="18" charset="0"/>
+                          <a:ea typeface="Cambria" panose="02040503050406030204" pitchFamily="18" charset="0"/>
                         </a:rPr>
                         <a:t>Order Management</a:t>
                       </a:r>
@@ -11185,6 +13460,8 @@
                       <a:r>
                         <a:rPr lang="en-US" sz="1300" u="none" strike="noStrike">
                           <a:effectLst/>
+                          <a:latin typeface="Cambria" panose="02040503050406030204" pitchFamily="18" charset="0"/>
+                          <a:ea typeface="Cambria" panose="02040503050406030204" pitchFamily="18" charset="0"/>
                         </a:rPr>
                         <a:t>Order</a:t>
                       </a:r>
@@ -11194,6 +13471,7 @@
                         </a:solidFill>
                         <a:effectLst/>
                         <a:latin typeface="Cambria" panose="02040503050406030204" pitchFamily="18" charset="0"/>
+                        <a:ea typeface="Cambria" panose="02040503050406030204" pitchFamily="18" charset="0"/>
                       </a:endParaRPr>
                     </a:p>
                   </a:txBody>
@@ -11208,6 +13486,8 @@
                       <a:r>
                         <a:rPr lang="en-US" sz="1300" u="none" strike="noStrike" dirty="0">
                           <a:effectLst/>
+                          <a:latin typeface="Cambria" panose="02040503050406030204" pitchFamily="18" charset="0"/>
+                          <a:ea typeface="Cambria" panose="02040503050406030204" pitchFamily="18" charset="0"/>
                         </a:rPr>
                         <a:t>Admin</a:t>
                       </a:r>
@@ -11217,6 +13497,7 @@
                         </a:solidFill>
                         <a:effectLst/>
                         <a:latin typeface="Cambria" panose="02040503050406030204" pitchFamily="18" charset="0"/>
+                        <a:ea typeface="Cambria" panose="02040503050406030204" pitchFamily="18" charset="0"/>
                       </a:endParaRPr>
                     </a:p>
                   </a:txBody>
@@ -11231,6 +13512,8 @@
                       <a:r>
                         <a:rPr lang="en-US" sz="1300" u="none" strike="noStrike">
                           <a:effectLst/>
+                          <a:latin typeface="Cambria" panose="02040503050406030204" pitchFamily="18" charset="0"/>
+                          <a:ea typeface="Cambria" panose="02040503050406030204" pitchFamily="18" charset="0"/>
                         </a:rPr>
                         <a:t>Done</a:t>
                       </a:r>
@@ -11240,6 +13523,7 @@
                         </a:solidFill>
                         <a:effectLst/>
                         <a:latin typeface="Cambria" panose="02040503050406030204" pitchFamily="18" charset="0"/>
+                        <a:ea typeface="Cambria" panose="02040503050406030204" pitchFamily="18" charset="0"/>
                       </a:endParaRPr>
                     </a:p>
                   </a:txBody>
@@ -11261,6 +13545,8 @@
                       <a:r>
                         <a:rPr lang="en-US" sz="1300" u="none" strike="noStrike">
                           <a:effectLst/>
+                          <a:latin typeface="Cambria" panose="02040503050406030204" pitchFamily="18" charset="0"/>
+                          <a:ea typeface="Cambria" panose="02040503050406030204" pitchFamily="18" charset="0"/>
                         </a:rPr>
                         <a:t>7</a:t>
                       </a:r>
@@ -11270,6 +13556,7 @@
                         </a:solidFill>
                         <a:effectLst/>
                         <a:latin typeface="Cambria" panose="02040503050406030204" pitchFamily="18" charset="0"/>
+                        <a:ea typeface="Cambria" panose="02040503050406030204" pitchFamily="18" charset="0"/>
                       </a:endParaRPr>
                     </a:p>
                   </a:txBody>
@@ -11284,6 +13571,8 @@
                       <a:r>
                         <a:rPr lang="en-US" sz="1300" u="none" strike="noStrike" dirty="0">
                           <a:effectLst/>
+                          <a:latin typeface="Cambria" panose="02040503050406030204" pitchFamily="18" charset="0"/>
+                          <a:ea typeface="Cambria" panose="02040503050406030204" pitchFamily="18" charset="0"/>
                         </a:rPr>
                         <a:t>Feedback Management</a:t>
                       </a:r>
@@ -11293,6 +13582,7 @@
                         </a:solidFill>
                         <a:effectLst/>
                         <a:latin typeface="Cambria" panose="02040503050406030204" pitchFamily="18" charset="0"/>
+                        <a:ea typeface="Cambria" panose="02040503050406030204" pitchFamily="18" charset="0"/>
                       </a:endParaRPr>
                     </a:p>
                   </a:txBody>
@@ -11307,6 +13597,8 @@
                       <a:r>
                         <a:rPr lang="en-US" sz="1300" u="none" strike="noStrike">
                           <a:effectLst/>
+                          <a:latin typeface="Cambria" panose="02040503050406030204" pitchFamily="18" charset="0"/>
+                          <a:ea typeface="Cambria" panose="02040503050406030204" pitchFamily="18" charset="0"/>
                         </a:rPr>
                         <a:t>Feedback</a:t>
                       </a:r>
@@ -11316,6 +13608,7 @@
                         </a:solidFill>
                         <a:effectLst/>
                         <a:latin typeface="Cambria" panose="02040503050406030204" pitchFamily="18" charset="0"/>
+                        <a:ea typeface="Cambria" panose="02040503050406030204" pitchFamily="18" charset="0"/>
                       </a:endParaRPr>
                     </a:p>
                   </a:txBody>
@@ -11334,6 +13627,7 @@
                           </a:solidFill>
                           <a:effectLst/>
                           <a:latin typeface="Cambria" panose="02040503050406030204" pitchFamily="18" charset="0"/>
+                          <a:ea typeface="Cambria" panose="02040503050406030204" pitchFamily="18" charset="0"/>
                         </a:rPr>
                         <a:t>Admin</a:t>
                       </a:r>
@@ -11350,6 +13644,8 @@
                       <a:r>
                         <a:rPr lang="en-US" sz="1300" u="none" strike="noStrike" dirty="0">
                           <a:effectLst/>
+                          <a:latin typeface="Cambria" panose="02040503050406030204" pitchFamily="18" charset="0"/>
+                          <a:ea typeface="Cambria" panose="02040503050406030204" pitchFamily="18" charset="0"/>
                         </a:rPr>
                         <a:t>Done</a:t>
                       </a:r>
@@ -11359,6 +13655,7 @@
                         </a:solidFill>
                         <a:effectLst/>
                         <a:latin typeface="Cambria" panose="02040503050406030204" pitchFamily="18" charset="0"/>
+                        <a:ea typeface="Cambria" panose="02040503050406030204" pitchFamily="18" charset="0"/>
                       </a:endParaRPr>
                     </a:p>
                   </a:txBody>
@@ -11380,6 +13677,8 @@
                       <a:r>
                         <a:rPr lang="en-US" sz="1300" u="none" strike="noStrike">
                           <a:effectLst/>
+                          <a:latin typeface="Cambria" panose="02040503050406030204" pitchFamily="18" charset="0"/>
+                          <a:ea typeface="Cambria" panose="02040503050406030204" pitchFamily="18" charset="0"/>
                         </a:rPr>
                         <a:t>8</a:t>
                       </a:r>
@@ -11389,6 +13688,7 @@
                         </a:solidFill>
                         <a:effectLst/>
                         <a:latin typeface="Cambria" panose="02040503050406030204" pitchFamily="18" charset="0"/>
+                        <a:ea typeface="Cambria" panose="02040503050406030204" pitchFamily="18" charset="0"/>
                       </a:endParaRPr>
                     </a:p>
                   </a:txBody>
@@ -11414,6 +13714,7 @@
                           </a:solidFill>
                           <a:effectLst/>
                           <a:latin typeface="Cambria" panose="02040503050406030204" pitchFamily="18" charset="0"/>
+                          <a:ea typeface="Cambria" panose="02040503050406030204" pitchFamily="18" charset="0"/>
                         </a:rPr>
                         <a:t>Login</a:t>
                       </a:r>
@@ -11430,6 +13731,8 @@
                       <a:r>
                         <a:rPr lang="en-US" sz="1300" u="none" strike="noStrike">
                           <a:effectLst/>
+                          <a:latin typeface="Cambria" panose="02040503050406030204" pitchFamily="18" charset="0"/>
+                          <a:ea typeface="Cambria" panose="02040503050406030204" pitchFamily="18" charset="0"/>
                         </a:rPr>
                         <a:t>Admin</a:t>
                       </a:r>
@@ -11439,6 +13742,7 @@
                         </a:solidFill>
                         <a:effectLst/>
                         <a:latin typeface="Cambria" panose="02040503050406030204" pitchFamily="18" charset="0"/>
+                        <a:ea typeface="Cambria" panose="02040503050406030204" pitchFamily="18" charset="0"/>
                       </a:endParaRPr>
                     </a:p>
                   </a:txBody>
@@ -11453,6 +13757,8 @@
                       <a:r>
                         <a:rPr lang="en-US" sz="1300" u="none" strike="noStrike">
                           <a:effectLst/>
+                          <a:latin typeface="Cambria" panose="02040503050406030204" pitchFamily="18" charset="0"/>
+                          <a:ea typeface="Cambria" panose="02040503050406030204" pitchFamily="18" charset="0"/>
                         </a:rPr>
                         <a:t>Admin</a:t>
                       </a:r>
@@ -11462,6 +13768,7 @@
                         </a:solidFill>
                         <a:effectLst/>
                         <a:latin typeface="Cambria" panose="02040503050406030204" pitchFamily="18" charset="0"/>
+                        <a:ea typeface="Cambria" panose="02040503050406030204" pitchFamily="18" charset="0"/>
                       </a:endParaRPr>
                     </a:p>
                   </a:txBody>
@@ -11476,6 +13783,8 @@
                       <a:r>
                         <a:rPr lang="en-US" sz="1300" u="none" strike="noStrike" dirty="0">
                           <a:effectLst/>
+                          <a:latin typeface="Cambria" panose="02040503050406030204" pitchFamily="18" charset="0"/>
+                          <a:ea typeface="Cambria" panose="02040503050406030204" pitchFamily="18" charset="0"/>
                         </a:rPr>
                         <a:t>Done</a:t>
                       </a:r>
@@ -11485,6 +13794,7 @@
                         </a:solidFill>
                         <a:effectLst/>
                         <a:latin typeface="Cambria" panose="02040503050406030204" pitchFamily="18" charset="0"/>
+                        <a:ea typeface="Cambria" panose="02040503050406030204" pitchFamily="18" charset="0"/>
                       </a:endParaRPr>
                     </a:p>
                   </a:txBody>
@@ -11689,14 +13999,14 @@
           <p:nvPr>
             <p:extLst>
               <p:ext uri="{D42A27DB-BD31-4B8C-83A1-F6EECF244321}">
-                <p14:modId xmlns:p14="http://schemas.microsoft.com/office/powerpoint/2010/main" val="668893391"/>
+                <p14:modId xmlns:p14="http://schemas.microsoft.com/office/powerpoint/2010/main" val="1075901256"/>
               </p:ext>
             </p:extLst>
           </p:nvPr>
         </p:nvGraphicFramePr>
         <p:xfrm>
           <a:off x="304800" y="1117460"/>
-          <a:ext cx="8610601" cy="4851679"/>
+          <a:ext cx="8610601" cy="5025561"/>
         </p:xfrm>
         <a:graphic>
           <a:graphicData uri="http://schemas.openxmlformats.org/drawingml/2006/table">
@@ -11719,14 +14029,14 @@
                     </a:ext>
                   </a:extLst>
                 </a:gridCol>
-                <a:gridCol w="466298">
+                <a:gridCol w="518298">
                   <a:extLst>
                     <a:ext uri="{9D8B030D-6E8A-4147-A177-3AD203B41FA5}">
                       <a16:colId xmlns:a16="http://schemas.microsoft.com/office/drawing/2014/main" val="2608129241"/>
                     </a:ext>
                   </a:extLst>
                 </a:gridCol>
-                <a:gridCol w="2566284">
+                <a:gridCol w="2514284">
                   <a:extLst>
                     <a:ext uri="{9D8B030D-6E8A-4147-A177-3AD203B41FA5}">
                       <a16:colId xmlns:a16="http://schemas.microsoft.com/office/drawing/2014/main" val="1455023548"/>
@@ -12854,12 +15164,12 @@
                         </a:spcAft>
                       </a:pPr>
                       <a:r>
-                        <a:rPr lang="en-US" sz="900">
+                        <a:rPr lang="en-US" sz="900" dirty="0">
                           <a:effectLst/>
                         </a:rPr>
                         <a:t>* Function: Register, view, search, add</a:t>
                       </a:r>
-                      <a:endParaRPr lang="en-US" sz="1000">
+                      <a:endParaRPr lang="en-US" sz="1000" dirty="0">
                         <a:effectLst/>
                         <a:latin typeface="Times New Roman" panose="02020603050405020304" pitchFamily="18" charset="0"/>
                         <a:ea typeface="Times New Roman" panose="02020603050405020304" pitchFamily="18" charset="0"/>
@@ -13282,12 +15592,24 @@
                         </a:spcAft>
                       </a:pPr>
                       <a:r>
-                        <a:rPr lang="en-US" sz="900">
-                          <a:effectLst/>
-                        </a:rPr>
-                        <a:t>* Order, product Management</a:t>
-                      </a:r>
-                      <a:endParaRPr lang="en-US" sz="1000">
+                        <a:rPr lang="en-US" sz="900" dirty="0">
+                          <a:effectLst/>
+                        </a:rPr>
+                        <a:t>* Order, </a:t>
+                      </a:r>
+                      <a:r>
+                        <a:rPr lang="en-US" sz="900" dirty="0" smtClean="0">
+                          <a:effectLst/>
+                        </a:rPr>
+                        <a:t>Product </a:t>
+                      </a:r>
+                      <a:r>
+                        <a:rPr lang="en-US" sz="900" dirty="0">
+                          <a:effectLst/>
+                        </a:rPr>
+                        <a:t>Management</a:t>
+                      </a:r>
+                      <a:endParaRPr lang="en-US" sz="1000" dirty="0">
                         <a:effectLst/>
                       </a:endParaRPr>
                     </a:p>
@@ -13304,12 +15626,24 @@
                         </a:spcAft>
                       </a:pPr>
                       <a:r>
-                        <a:rPr lang="en-US" sz="900">
-                          <a:effectLst/>
-                        </a:rPr>
-                        <a:t>* Function: View/add/edit/delete/search</a:t>
-                      </a:r>
-                      <a:endParaRPr lang="en-US" sz="1000">
+                        <a:rPr lang="en-US" sz="900" dirty="0">
+                          <a:effectLst/>
+                        </a:rPr>
+                        <a:t>* Function: </a:t>
+                      </a:r>
+                      <a:r>
+                        <a:rPr lang="en-US" sz="900" dirty="0" smtClean="0">
+                          <a:effectLst/>
+                        </a:rPr>
+                        <a:t>View/</a:t>
+                      </a:r>
+                      <a:r>
+                        <a:rPr lang="en-US" sz="1000" dirty="0" smtClean="0">
+                          <a:effectLst/>
+                        </a:rPr>
+                        <a:t>approve</a:t>
+                      </a:r>
+                      <a:endParaRPr lang="en-US" sz="1000" dirty="0">
                         <a:effectLst/>
                         <a:latin typeface="Times New Roman" panose="02020603050405020304" pitchFamily="18" charset="0"/>
                         <a:ea typeface="Times New Roman" panose="02020603050405020304" pitchFamily="18" charset="0"/>
@@ -13335,12 +15669,24 @@
                         </a:spcAft>
                       </a:pPr>
                       <a:r>
-                        <a:rPr lang="en-US" sz="900">
-                          <a:effectLst/>
-                        </a:rPr>
-                        <a:t>Order_master</a:t>
-                      </a:r>
-                      <a:endParaRPr lang="en-US" sz="1000">
+                        <a:rPr lang="en-US" sz="900" dirty="0" smtClean="0">
+                          <a:effectLst/>
+                        </a:rPr>
+                        <a:t>Order</a:t>
+                      </a:r>
+                      <a:r>
+                        <a:rPr lang="en-US" sz="900" baseline="0" dirty="0" smtClean="0">
+                          <a:effectLst/>
+                        </a:rPr>
+                        <a:t> </a:t>
+                      </a:r>
+                      <a:r>
+                        <a:rPr lang="en-US" sz="900" dirty="0" smtClean="0">
+                          <a:effectLst/>
+                        </a:rPr>
+                        <a:t>master</a:t>
+                      </a:r>
+                      <a:endParaRPr lang="en-US" sz="1000" dirty="0">
                         <a:effectLst/>
                         <a:latin typeface="Times New Roman" panose="02020603050405020304" pitchFamily="18" charset="0"/>
                         <a:ea typeface="Times New Roman" panose="02020603050405020304" pitchFamily="18" charset="0"/>
@@ -13773,12 +16119,36 @@
                         </a:spcAft>
                       </a:pPr>
                       <a:r>
-                        <a:rPr lang="en-US" sz="900">
-                          <a:effectLst/>
-                        </a:rPr>
-                        <a:t>* View, approve and search order detail of customer</a:t>
-                      </a:r>
-                      <a:endParaRPr lang="en-US" sz="1000">
+                        <a:rPr lang="en-US" sz="900" dirty="0">
+                          <a:effectLst/>
+                        </a:rPr>
+                        <a:t>* View, </a:t>
+                      </a:r>
+                      <a:r>
+                        <a:rPr lang="en-US" sz="900" dirty="0" smtClean="0">
+                          <a:effectLst/>
+                        </a:rPr>
+                        <a:t>and cancel </a:t>
+                      </a:r>
+                      <a:r>
+                        <a:rPr lang="en-US" sz="900" dirty="0">
+                          <a:effectLst/>
+                        </a:rPr>
+                        <a:t>order </a:t>
+                      </a:r>
+                      <a:r>
+                        <a:rPr lang="en-US" sz="900" dirty="0" smtClean="0">
+                          <a:effectLst/>
+                        </a:rPr>
+                        <a:t>of </a:t>
+                      </a:r>
+                      <a:r>
+                        <a:rPr lang="en-US" sz="900" dirty="0">
+                          <a:effectLst/>
+                        </a:rPr>
+                        <a:t>customer</a:t>
+                      </a:r>
+                      <a:endParaRPr lang="en-US" sz="1000" dirty="0">
                         <a:effectLst/>
                         <a:latin typeface="Times New Roman" panose="02020603050405020304" pitchFamily="18" charset="0"/>
                         <a:ea typeface="Times New Roman" panose="02020603050405020304" pitchFamily="18" charset="0"/>
@@ -13804,12 +16174,12 @@
                         </a:spcAft>
                       </a:pPr>
                       <a:r>
-                        <a:rPr lang="en-US" sz="900">
-                          <a:effectLst/>
-                        </a:rPr>
-                        <a:t>Orderdetail</a:t>
-                      </a:r>
-                      <a:endParaRPr lang="en-US" sz="1000">
+                        <a:rPr lang="en-US" sz="900" dirty="0" smtClean="0">
+                          <a:effectLst/>
+                        </a:rPr>
+                        <a:t>Order detail</a:t>
+                      </a:r>
+                      <a:endParaRPr lang="en-US" sz="1000" dirty="0">
                         <a:effectLst/>
                         <a:latin typeface="Times New Roman" panose="02020603050405020304" pitchFamily="18" charset="0"/>
                         <a:ea typeface="Times New Roman" panose="02020603050405020304" pitchFamily="18" charset="0"/>
@@ -13928,12 +16298,12 @@
                         </a:spcAft>
                       </a:pPr>
                       <a:r>
-                        <a:rPr lang="en-US" sz="1000">
+                        <a:rPr lang="en-US" sz="1000" dirty="0">
                           <a:effectLst/>
                         </a:rPr>
                         <a:t>ok</a:t>
                       </a:r>
-                      <a:endParaRPr lang="en-US" sz="1000">
+                      <a:endParaRPr lang="en-US" sz="1000" dirty="0">
                         <a:effectLst/>
                         <a:latin typeface="Times New Roman" panose="02020603050405020304" pitchFamily="18" charset="0"/>
                         <a:ea typeface="Times New Roman" panose="02020603050405020304" pitchFamily="18" charset="0"/>
@@ -14201,12 +16571,12 @@
                         </a:spcAft>
                       </a:pPr>
                       <a:r>
-                        <a:rPr lang="en-US" sz="900">
+                        <a:rPr lang="en-US" sz="900" dirty="0">
                           <a:effectLst/>
                         </a:rPr>
                         <a:t>* Contact, feedback and slide management</a:t>
                       </a:r>
-                      <a:endParaRPr lang="en-US" sz="1000">
+                      <a:endParaRPr lang="en-US" sz="1000" dirty="0">
                         <a:effectLst/>
                       </a:endParaRPr>
                     </a:p>
@@ -14223,12 +16593,12 @@
                         </a:spcAft>
                       </a:pPr>
                       <a:r>
-                        <a:rPr lang="en-US" sz="900">
+                        <a:rPr lang="en-US" sz="900" dirty="0">
                           <a:effectLst/>
                         </a:rPr>
                         <a:t>* Function: Add/edit/delete/search</a:t>
                       </a:r>
-                      <a:endParaRPr lang="en-US" sz="1000">
+                      <a:endParaRPr lang="en-US" sz="1000" dirty="0">
                         <a:effectLst/>
                         <a:latin typeface="Times New Roman" panose="02020603050405020304" pitchFamily="18" charset="0"/>
                         <a:ea typeface="Times New Roman" panose="02020603050405020304" pitchFamily="18" charset="0"/>
@@ -14378,12 +16748,12 @@
                         </a:spcAft>
                       </a:pPr>
                       <a:r>
-                        <a:rPr lang="en-US" sz="1000">
+                        <a:rPr lang="en-US" sz="1000" dirty="0">
                           <a:effectLst/>
                         </a:rPr>
                         <a:t>ok</a:t>
                       </a:r>
-                      <a:endParaRPr lang="en-US" sz="1000">
+                      <a:endParaRPr lang="en-US" sz="1000" dirty="0">
                         <a:effectLst/>
                         <a:latin typeface="Times New Roman" panose="02020603050405020304" pitchFamily="18" charset="0"/>
                         <a:ea typeface="Times New Roman" panose="02020603050405020304" pitchFamily="18" charset="0"/>
@@ -14570,12 +16940,12 @@
                         </a:spcAft>
                       </a:pPr>
                       <a:r>
-                        <a:rPr lang="en-US" sz="1000">
-                          <a:effectLst/>
-                        </a:rPr>
-                        <a:t>3</a:t>
-                      </a:r>
-                      <a:endParaRPr lang="en-US" sz="1000">
+                        <a:rPr lang="en-US" sz="1000" dirty="0" smtClean="0">
+                          <a:effectLst/>
+                        </a:rPr>
+                        <a:t>31</a:t>
+                      </a:r>
+                      <a:endParaRPr lang="en-US" sz="1000" dirty="0">
                         <a:effectLst/>
                         <a:latin typeface="Times New Roman" panose="02020603050405020304" pitchFamily="18" charset="0"/>
                         <a:ea typeface="Times New Roman" panose="02020603050405020304" pitchFamily="18" charset="0"/>
@@ -14589,7 +16959,15 @@
                     <a:bodyPr/>
                     <a:lstStyle/>
                     <a:p>
-                      <a:endParaRPr lang="en-US" sz="900">
+                      <a:pPr algn="ctr"/>
+                      <a:r>
+                        <a:rPr lang="en-US" sz="900" dirty="0" smtClean="0">
+                          <a:effectLst/>
+                          <a:latin typeface="Times New Roman" panose="02020603050405020304" pitchFamily="18" charset="0"/>
+                        </a:rPr>
+                        <a:t>Ok</a:t>
+                      </a:r>
+                      <a:endParaRPr lang="en-US" sz="900" dirty="0">
                         <a:effectLst/>
                         <a:latin typeface="Times New Roman" panose="02020603050405020304" pitchFamily="18" charset="0"/>
                       </a:endParaRPr>
@@ -14693,12 +17071,24 @@
                         </a:spcAft>
                       </a:pPr>
                       <a:r>
-                        <a:rPr lang="en-US" sz="900">
-                          <a:effectLst/>
-                        </a:rPr>
-                        <a:t>* View and search</a:t>
-                      </a:r>
-                      <a:endParaRPr lang="en-US" sz="1000">
+                        <a:rPr lang="en-US" sz="900" dirty="0">
+                          <a:effectLst/>
+                        </a:rPr>
+                        <a:t>* </a:t>
+                      </a:r>
+                      <a:r>
+                        <a:rPr lang="en-US" sz="900" dirty="0" smtClean="0">
+                          <a:effectLst/>
+                        </a:rPr>
+                        <a:t>View/add</a:t>
+                      </a:r>
+                      <a:r>
+                        <a:rPr lang="en-US" sz="900" baseline="0" dirty="0" smtClean="0">
+                          <a:effectLst/>
+                        </a:rPr>
+                        <a:t> feedback</a:t>
+                      </a:r>
+                      <a:endParaRPr lang="en-US" sz="1000" dirty="0">
                         <a:effectLst/>
                         <a:latin typeface="Times New Roman" panose="02020603050405020304" pitchFamily="18" charset="0"/>
                         <a:ea typeface="Times New Roman" panose="02020603050405020304" pitchFamily="18" charset="0"/>
@@ -15121,12 +17511,12 @@
                         </a:spcAft>
                       </a:pPr>
                       <a:r>
-                        <a:rPr lang="en-US" sz="900">
+                        <a:rPr lang="en-US" sz="900" dirty="0">
                           <a:effectLst/>
                         </a:rPr>
                         <a:t>* About and customer Management</a:t>
                       </a:r>
-                      <a:endParaRPr lang="en-US" sz="1000">
+                      <a:endParaRPr lang="en-US" sz="1000" dirty="0">
                         <a:effectLst/>
                       </a:endParaRPr>
                     </a:p>
@@ -15143,12 +17533,12 @@
                         </a:spcAft>
                       </a:pPr>
                       <a:r>
-                        <a:rPr lang="en-US" sz="900">
+                        <a:rPr lang="en-US" sz="900" dirty="0">
                           <a:effectLst/>
                         </a:rPr>
                         <a:t>* Function: View/add/edit/delete/search</a:t>
                       </a:r>
-                      <a:endParaRPr lang="en-US" sz="1000">
+                      <a:endParaRPr lang="en-US" sz="1000" dirty="0">
                         <a:effectLst/>
                         <a:latin typeface="Times New Roman" panose="02020603050405020304" pitchFamily="18" charset="0"/>
                         <a:ea typeface="Times New Roman" panose="02020603050405020304" pitchFamily="18" charset="0"/>
@@ -15267,12 +17657,12 @@
                         </a:spcAft>
                       </a:pPr>
                       <a:r>
-                        <a:rPr lang="en-US" sz="1000">
-                          <a:effectLst/>
-                        </a:rPr>
-                        <a:t>3</a:t>
-                      </a:r>
-                      <a:endParaRPr lang="en-US" sz="1000">
+                        <a:rPr lang="en-US" sz="1000" dirty="0" smtClean="0">
+                          <a:effectLst/>
+                        </a:rPr>
+                        <a:t>31</a:t>
+                      </a:r>
+                      <a:endParaRPr lang="en-US" sz="1000" dirty="0">
                         <a:effectLst/>
                         <a:latin typeface="Times New Roman" panose="02020603050405020304" pitchFamily="18" charset="0"/>
                         <a:ea typeface="Times New Roman" panose="02020603050405020304" pitchFamily="18" charset="0"/>
@@ -15286,7 +17676,15 @@
                     <a:bodyPr/>
                     <a:lstStyle/>
                     <a:p>
-                      <a:endParaRPr lang="en-US" sz="900">
+                      <a:pPr algn="ctr"/>
+                      <a:r>
+                        <a:rPr lang="en-US" sz="900" dirty="0" smtClean="0">
+                          <a:effectLst/>
+                          <a:latin typeface="Times New Roman" panose="02020603050405020304" pitchFamily="18" charset="0"/>
+                        </a:rPr>
+                        <a:t>Ok</a:t>
+                      </a:r>
+                      <a:endParaRPr lang="en-US" sz="900" dirty="0">
                         <a:effectLst/>
                         <a:latin typeface="Times New Roman" panose="02020603050405020304" pitchFamily="18" charset="0"/>
                       </a:endParaRPr>

--- a/Documentations/03. Presentation/G03_shows.pptx
+++ b/Documentations/03. Presentation/G03_shows.pptx
@@ -6486,19 +6486,7 @@
                 <a:cs typeface="Times New Roman"/>
                 <a:sym typeface="Times New Roman"/>
               </a:rPr>
-              <a:t>DTBM </a:t>
-            </a:r>
-            <a:r>
-              <a:rPr lang="en-US" sz="4000" b="1" dirty="0" smtClean="0">
-                <a:solidFill>
-                  <a:schemeClr val="dk1"/>
-                </a:solidFill>
-                <a:latin typeface="Cambria" panose="02040503050406030204" pitchFamily="18" charset="0"/>
-                <a:ea typeface="Cambria" panose="02040503050406030204" pitchFamily="18" charset="0"/>
-                <a:cs typeface="Times New Roman"/>
-                <a:sym typeface="Times New Roman"/>
-              </a:rPr>
-              <a:t>Furniture</a:t>
+              <a:t>DTBM Furniture</a:t>
             </a:r>
             <a:endParaRPr dirty="0">
               <a:latin typeface="Cambria" panose="02040503050406030204" pitchFamily="18" charset="0"/>
@@ -10022,65 +10010,37 @@
             </a:pPr>
             <a:r>
               <a:rPr lang="en-US" b="1" dirty="0"/>
-              <a:t>DTBM </a:t>
-            </a:r>
-            <a:r>
-              <a:rPr lang="en-US" b="1" dirty="0" smtClean="0"/>
-              <a:t>Furniture </a:t>
+              <a:t>DTBM Furniture</a:t>
             </a:r>
             <a:r>
               <a:rPr lang="en-US" dirty="0"/>
-              <a:t>One of the top home furniture design companies in </a:t>
+              <a:t> One of the top furniture companies in Vietnam, DTBM Furniture company, has the most modern designs for its clients. However, our company will import a style that suits your tastes. Furniture design patterns change over time</a:t>
             </a:r>
             <a:r>
-              <a:rPr lang="en-US" dirty="0" smtClean="0"/>
-              <a:t>Vietnam, </a:t>
+              <a:rPr lang="en-US"/>
+              <a:t>.. </a:t>
             </a:r>
-            <a:r>
-              <a:rPr lang="en-US" b="1" dirty="0"/>
-              <a:t>DTBM Furniture </a:t>
-            </a:r>
-            <a:r>
-              <a:rPr lang="en-US" dirty="0" smtClean="0"/>
-              <a:t>company</a:t>
-            </a:r>
+            <a:endParaRPr lang="en-US" smtClean="0"/>
+          </a:p>
+          <a:p>
+            <a:pPr marL="0" lvl="0" indent="0">
+              <a:spcBef>
+                <a:spcPts val="0"/>
+              </a:spcBef>
+              <a:buNone/>
+            </a:pPr>
+            <a:endParaRPr lang="en-US" dirty="0" smtClean="0"/>
+          </a:p>
+          <a:p>
+            <a:pPr marL="342900" lvl="0" indent="-342900">
+              <a:spcBef>
+                <a:spcPts val="0"/>
+              </a:spcBef>
+            </a:pPr>
             <a:r>
               <a:rPr lang="en-US" dirty="0"/>
-              <a:t>, creates the most modern designs for its clients. However, our company designers will create a sense of style that suit your tastes. Furniture design patterns change over time.</a:t>
+              <a:t>Our furniture in DTBM Furniture company stays updated with new developments. This quality of our furniture company maintains us a step ahead of our competitors. With furniture designs from us, you can be the envy of your friends and family and proudly display them. If you wish to own the newest styles, visit our company or online site. We serve clients from all over the world and have earned respect and trust of a huge proportion of them.</a:t>
             </a:r>
-            <a:r>
-              <a:rPr lang="en-US" dirty="0" smtClean="0"/>
-              <a:t>.</a:t>
-            </a:r>
-            <a:endParaRPr dirty="0"/>
-          </a:p>
-          <a:p>
-            <a:pPr marL="342900" lvl="0" indent="-342900"/>
-            <a:r>
-              <a:rPr lang="en-US" dirty="0"/>
-              <a:t>Our </a:t>
-            </a:r>
-            <a:r>
-              <a:rPr lang="en-US" b="1" dirty="0"/>
-              <a:t>furniture design in </a:t>
-            </a:r>
-            <a:r>
-              <a:rPr lang="en-US" b="1" dirty="0"/>
-              <a:t>DTBM </a:t>
-            </a:r>
-            <a:r>
-              <a:rPr lang="en-US" b="1" dirty="0" smtClean="0"/>
-              <a:t>Furniture</a:t>
-            </a:r>
-            <a:r>
-              <a:rPr lang="en-US" b="1" dirty="0"/>
-              <a:t> </a:t>
-            </a:r>
-            <a:r>
-              <a:rPr lang="en-US" dirty="0"/>
-              <a:t>company stays updated with new developments. This quality of our furniture design company maintains us a step ahead of our competitors. With furniture designs from us, you can be the envy of your friends and family and proudly display them. If you wish to own the newest styles, visit our company or online site. We serve clients from all over the world and have earned the respect and trust of a huge proportion of them.</a:t>
-            </a:r>
-            <a:endParaRPr dirty="0"/>
           </a:p>
         </p:txBody>
       </p:sp>
@@ -11147,6 +11107,36 @@
           </a:p>
         </p:txBody>
       </p:sp>
+      <p:pic>
+        <p:nvPicPr>
+          <p:cNvPr id="3" name="Picture 2"/>
+          <p:cNvPicPr>
+            <a:picLocks noChangeAspect="1"/>
+          </p:cNvPicPr>
+          <p:nvPr/>
+        </p:nvPicPr>
+        <p:blipFill>
+          <a:blip r:embed="rId3">
+            <a:extLst>
+              <a:ext uri="{28A0092B-C50C-407E-A947-70E740481C1C}">
+                <a14:useLocalDpi xmlns:a14="http://schemas.microsoft.com/office/drawing/2010/main" val="0"/>
+              </a:ext>
+            </a:extLst>
+          </a:blip>
+          <a:stretch>
+            <a:fillRect/>
+          </a:stretch>
+        </p:blipFill>
+        <p:spPr>
+          <a:xfrm>
+            <a:off x="1081087" y="2504843"/>
+            <a:ext cx="7058025" cy="1724025"/>
+          </a:xfrm>
+          <a:prstGeom prst="rect">
+            <a:avLst/>
+          </a:prstGeom>
+        </p:spPr>
+      </p:pic>
     </p:spTree>
   </p:cSld>
   <p:clrMapOvr>

--- a/Documentations/03. Presentation/G03_shows.pptx
+++ b/Documentations/03. Presentation/G03_shows.pptx
@@ -281,7 +281,7 @@
       </p15:notesGuideLst>
     </p:ext>
     <p:ext uri="http://customooxmlschemas.google.com/">
-      <go:slidesCustomData xmlns="" xmlns:mc="http://schemas.openxmlformats.org/markup-compatibility/2006" xmlns:mv="urn:schemas-microsoft-com:mac:vml" xmlns:c="http://schemas.openxmlformats.org/drawingml/2006/chart" xmlns:dgm="http://schemas.openxmlformats.org/drawingml/2006/diagram" xmlns:o="urn:schemas-microsoft-com:office:office" xmlns:v="urn:schemas-microsoft-com:vml" xmlns:pvml="urn:schemas-microsoft-com:office:powerpoint" xmlns:com="http://schemas.openxmlformats.org/drawingml/2006/compatibility" xmlns:p14="http://schemas.microsoft.com/office/powerpoint/2010/main" xmlns:p15="http://schemas.microsoft.com/office/powerpoint/2012/main" xmlns:ahyp="http://schemas.microsoft.com/office/drawing/2018/hyperlinkcolor" xmlns:go="http://customooxmlschemas.google.com/" r:id="rId17" roundtripDataSignature="AMtx7mg5OY3R0pAxevg+fgTNWSftGfx/ow=="/>
+      <go:slidesCustomData xmlns:go="http://customooxmlschemas.google.com/" xmlns:ahyp="http://schemas.microsoft.com/office/drawing/2018/hyperlinkcolor" xmlns:p15="http://schemas.microsoft.com/office/powerpoint/2012/main" xmlns:p14="http://schemas.microsoft.com/office/powerpoint/2010/main" xmlns:com="http://schemas.openxmlformats.org/drawingml/2006/compatibility" xmlns:pvml="urn:schemas-microsoft-com:office:powerpoint" xmlns:v="urn:schemas-microsoft-com:vml" xmlns:o="urn:schemas-microsoft-com:office:office" xmlns:dgm="http://schemas.openxmlformats.org/drawingml/2006/diagram" xmlns:c="http://schemas.openxmlformats.org/drawingml/2006/chart" xmlns:mv="urn:schemas-microsoft-com:mac:vml" xmlns:mc="http://schemas.openxmlformats.org/markup-compatibility/2006" xmlns="" r:id="rId17" roundtripDataSignature="AMtx7mg5OY3R0pAxevg+fgTNWSftGfx/ow=="/>
     </p:ext>
   </p:extLst>
 </p:presentation>
@@ -10010,24 +10010,22 @@
             </a:pPr>
             <a:r>
               <a:rPr lang="en-US" b="1" dirty="0"/>
-              <a:t>DTBM Furniture</a:t>
+              <a:t>DTBM Furniture </a:t>
             </a:r>
             <a:r>
               <a:rPr lang="en-US" dirty="0"/>
-              <a:t> One of the top furniture companies in Vietnam, DTBM Furniture company, has the most modern designs for its clients. However, our company will import a style that suits your tastes. Furniture design patterns change over time</a:t>
+              <a:t>is One of the top furniture companies in Vietnam, we always have the most modern designs for our clients. besides that, our company will always import a style that suits clients tastes</a:t>
             </a:r>
             <a:r>
-              <a:rPr lang="en-US"/>
-              <a:t>.. </a:t>
+              <a:rPr lang="en-US" dirty="0" smtClean="0"/>
+              <a:t>.</a:t>
             </a:r>
-            <a:endParaRPr lang="en-US" smtClean="0"/>
           </a:p>
           <a:p>
-            <a:pPr marL="0" lvl="0" indent="0">
-              <a:spcBef>
-                <a:spcPts val="0"/>
-              </a:spcBef>
-              <a:buNone/>
+            <a:pPr marL="342900" lvl="0" indent="-342900">
+              <a:spcBef>
+                <a:spcPts val="0"/>
+              </a:spcBef>
             </a:pPr>
             <a:endParaRPr lang="en-US" dirty="0" smtClean="0"/>
           </a:p>
@@ -10039,8 +10037,13 @@
             </a:pPr>
             <a:r>
               <a:rPr lang="en-US" dirty="0"/>
-              <a:t>Our furniture in DTBM Furniture company stays updated with new developments. This quality of our furniture company maintains us a step ahead of our competitors. With furniture designs from us, you can be the envy of your friends and family and proudly display them. If you wish to own the newest styles, visit our company or online site. We serve clients from all over the world and have earned respect and trust of a huge proportion of them.</a:t>
+              <a:t>Our furniture in DTBM Furniture company stays updated with new developments. This quality of our furniture company maintains us a step ahead of our competitors. If you wish to own the newest styles, visit our company or online site. </a:t>
             </a:r>
+            <a:r>
+              <a:rPr lang="en-US"/>
+              <a:t>We serve clients from all over the world and have earned respect and trust of a huge proportion of them.</a:t>
+            </a:r>
+            <a:endParaRPr lang="en-US" dirty="0"/>
           </a:p>
         </p:txBody>
       </p:sp>
